--- a/Shared/[패스트캠퍼스] 3강의자료_김경원박사.pptx
+++ b/Shared/[패스트캠퍼스] 3강의자료_김경원박사.pptx
@@ -5,62 +5,50 @@
     <p:sldMasterId id="2147483648" r:id="rId1"/>
   </p:sldMasterIdLst>
   <p:notesMasterIdLst>
-    <p:notesMasterId r:id="rId44"/>
+    <p:notesMasterId r:id="rId32"/>
   </p:notesMasterIdLst>
   <p:handoutMasterIdLst>
-    <p:handoutMasterId r:id="rId45"/>
+    <p:handoutMasterId r:id="rId33"/>
   </p:handoutMasterIdLst>
   <p:sldIdLst>
     <p:sldId id="1063" r:id="rId2"/>
-    <p:sldId id="1064" r:id="rId3"/>
+    <p:sldId id="1066" r:id="rId3"/>
     <p:sldId id="1072" r:id="rId4"/>
-    <p:sldId id="1103" r:id="rId5"/>
-    <p:sldId id="1066" r:id="rId6"/>
-    <p:sldId id="1073" r:id="rId7"/>
-    <p:sldId id="1104" r:id="rId8"/>
-    <p:sldId id="1115" r:id="rId9"/>
-    <p:sldId id="1067" r:id="rId10"/>
-    <p:sldId id="1105" r:id="rId11"/>
-    <p:sldId id="1106" r:id="rId12"/>
-    <p:sldId id="1107" r:id="rId13"/>
-    <p:sldId id="1108" r:id="rId14"/>
-    <p:sldId id="1109" r:id="rId15"/>
-    <p:sldId id="1110" r:id="rId16"/>
-    <p:sldId id="1111" r:id="rId17"/>
-    <p:sldId id="1112" r:id="rId18"/>
-    <p:sldId id="1113" r:id="rId19"/>
-    <p:sldId id="1114" r:id="rId20"/>
-    <p:sldId id="1116" r:id="rId21"/>
-    <p:sldId id="1117" r:id="rId22"/>
-    <p:sldId id="1118" r:id="rId23"/>
-    <p:sldId id="1119" r:id="rId24"/>
-    <p:sldId id="1120" r:id="rId25"/>
-    <p:sldId id="1121" r:id="rId26"/>
-    <p:sldId id="1122" r:id="rId27"/>
-    <p:sldId id="1123" r:id="rId28"/>
-    <p:sldId id="1124" r:id="rId29"/>
-    <p:sldId id="1125" r:id="rId30"/>
-    <p:sldId id="1126" r:id="rId31"/>
-    <p:sldId id="1127" r:id="rId32"/>
-    <p:sldId id="1128" r:id="rId33"/>
-    <p:sldId id="1136" r:id="rId34"/>
-    <p:sldId id="1129" r:id="rId35"/>
-    <p:sldId id="1130" r:id="rId36"/>
-    <p:sldId id="1131" r:id="rId37"/>
-    <p:sldId id="1132" r:id="rId38"/>
-    <p:sldId id="1133" r:id="rId39"/>
-    <p:sldId id="1137" r:id="rId40"/>
-    <p:sldId id="1141" r:id="rId41"/>
-    <p:sldId id="1138" r:id="rId42"/>
-    <p:sldId id="1062" r:id="rId43"/>
+    <p:sldId id="1087" r:id="rId5"/>
+    <p:sldId id="1090" r:id="rId6"/>
+    <p:sldId id="1091" r:id="rId7"/>
+    <p:sldId id="1142" r:id="rId8"/>
+    <p:sldId id="1104" r:id="rId9"/>
+    <p:sldId id="1143" r:id="rId10"/>
+    <p:sldId id="1144" r:id="rId11"/>
+    <p:sldId id="1145" r:id="rId12"/>
+    <p:sldId id="1146" r:id="rId13"/>
+    <p:sldId id="1147" r:id="rId14"/>
+    <p:sldId id="1092" r:id="rId15"/>
+    <p:sldId id="1148" r:id="rId16"/>
+    <p:sldId id="1102" r:id="rId17"/>
+    <p:sldId id="1149" r:id="rId18"/>
+    <p:sldId id="1150" r:id="rId19"/>
+    <p:sldId id="1151" r:id="rId20"/>
+    <p:sldId id="1094" r:id="rId21"/>
+    <p:sldId id="1152" r:id="rId22"/>
+    <p:sldId id="1153" r:id="rId23"/>
+    <p:sldId id="1154" r:id="rId24"/>
+    <p:sldId id="1155" r:id="rId25"/>
+    <p:sldId id="1156" r:id="rId26"/>
+    <p:sldId id="1157" r:id="rId27"/>
+    <p:sldId id="1158" r:id="rId28"/>
+    <p:sldId id="1159" r:id="rId29"/>
+    <p:sldId id="1160" r:id="rId30"/>
+    <p:sldId id="1062" r:id="rId31"/>
   </p:sldIdLst>
   <p:sldSz cx="12160250" cy="6840538"/>
   <p:notesSz cx="9874250" cy="6797675"/>
   <p:embeddedFontLst>
     <p:embeddedFont>
       <p:font typeface="맑은 고딕" panose="020B0503020000020004" pitchFamily="50" charset="-127"/>
-      <p:regular r:id="rId46"/>
-      <p:bold r:id="rId47"/>
+      <p:regular r:id="rId34"/>
+      <p:bold r:id="rId35"/>
     </p:embeddedFont>
   </p:embeddedFontLst>
   <p:defaultTextStyle>
@@ -273,7 +261,7 @@
           <a:p>
             <a:fld id="{FC718EE8-BF93-4A17-BED5-FC99EECA5FC7}" type="datetimeFigureOut">
               <a:rPr lang="ko-KR" altLang="en-US" smtClean="0"/>
-              <a:t>2019-03-06</a:t>
+              <a:t>2019-07-15</a:t>
             </a:fld>
             <a:endParaRPr lang="ko-KR" altLang="en-US"/>
           </a:p>
@@ -438,7 +426,7 @@
           <a:p>
             <a:fld id="{6101F873-BA02-446B-9127-C4DE4310B943}" type="datetimeFigureOut">
               <a:rPr lang="ko-KR" altLang="en-US" smtClean="0"/>
-              <a:t>2019-03-06</a:t>
+              <a:t>2019-07-15</a:t>
             </a:fld>
             <a:endParaRPr lang="ko-KR" altLang="en-US"/>
           </a:p>
@@ -770,7 +758,7 @@
           <a:p>
             <a:fld id="{C191BC67-C438-4515-9D3F-F10D40F1354A}" type="slidenum">
               <a:rPr lang="ko-KR" altLang="en-US" smtClean="0"/>
-              <a:t>5</a:t>
+              <a:t>2</a:t>
             </a:fld>
             <a:endParaRPr lang="ko-KR" altLang="en-US"/>
           </a:p>
@@ -780,174 +768,6 @@
     <p:extLst>
       <p:ext uri="{BB962C8B-B14F-4D97-AF65-F5344CB8AC3E}">
         <p14:creationId xmlns:p14="http://schemas.microsoft.com/office/powerpoint/2010/main" val="1781229904"/>
-      </p:ext>
-    </p:extLst>
-  </p:cSld>
-  <p:clrMapOvr>
-    <a:masterClrMapping/>
-  </p:clrMapOvr>
-</p:notes>
-</file>
-
-<file path=ppt/notesSlides/notesSlide2.xml><?xml version="1.0" encoding="utf-8"?>
-<p:notes xmlns:a="http://schemas.openxmlformats.org/drawingml/2006/main" xmlns:r="http://schemas.openxmlformats.org/officeDocument/2006/relationships" xmlns:p="http://schemas.openxmlformats.org/presentationml/2006/main">
-  <p:cSld>
-    <p:spTree>
-      <p:nvGrpSpPr>
-        <p:cNvPr id="1" name=""/>
-        <p:cNvGrpSpPr/>
-        <p:nvPr/>
-      </p:nvGrpSpPr>
-      <p:grpSpPr>
-        <a:xfrm>
-          <a:off x="0" y="0"/>
-          <a:ext cx="0" cy="0"/>
-          <a:chOff x="0" y="0"/>
-          <a:chExt cx="0" cy="0"/>
-        </a:xfrm>
-      </p:grpSpPr>
-      <p:sp>
-        <p:nvSpPr>
-          <p:cNvPr id="2" name="슬라이드 이미지 개체 틀 1"/>
-          <p:cNvSpPr>
-            <a:spLocks noGrp="1" noRot="1" noChangeAspect="1"/>
-          </p:cNvSpPr>
-          <p:nvPr>
-            <p:ph type="sldImg"/>
-          </p:nvPr>
-        </p:nvSpPr>
-        <p:spPr/>
-      </p:sp>
-      <p:sp>
-        <p:nvSpPr>
-          <p:cNvPr id="3" name="슬라이드 노트 개체 틀 2"/>
-          <p:cNvSpPr>
-            <a:spLocks noGrp="1"/>
-          </p:cNvSpPr>
-          <p:nvPr>
-            <p:ph type="body" idx="1"/>
-          </p:nvPr>
-        </p:nvSpPr>
-        <p:spPr/>
-        <p:txBody>
-          <a:bodyPr/>
-          <a:lstStyle/>
-          <a:p>
-            <a:endParaRPr lang="ko-KR" altLang="en-US" dirty="0"/>
-          </a:p>
-        </p:txBody>
-      </p:sp>
-      <p:sp>
-        <p:nvSpPr>
-          <p:cNvPr id="4" name="슬라이드 번호 개체 틀 3"/>
-          <p:cNvSpPr>
-            <a:spLocks noGrp="1"/>
-          </p:cNvSpPr>
-          <p:nvPr>
-            <p:ph type="sldNum" sz="quarter" idx="10"/>
-          </p:nvPr>
-        </p:nvSpPr>
-        <p:spPr/>
-        <p:txBody>
-          <a:bodyPr/>
-          <a:lstStyle/>
-          <a:p>
-            <a:fld id="{C191BC67-C438-4515-9D3F-F10D40F1354A}" type="slidenum">
-              <a:rPr lang="ko-KR" altLang="en-US" smtClean="0"/>
-              <a:t>6</a:t>
-            </a:fld>
-            <a:endParaRPr lang="ko-KR" altLang="en-US"/>
-          </a:p>
-        </p:txBody>
-      </p:sp>
-    </p:spTree>
-    <p:extLst>
-      <p:ext uri="{BB962C8B-B14F-4D97-AF65-F5344CB8AC3E}">
-        <p14:creationId xmlns:p14="http://schemas.microsoft.com/office/powerpoint/2010/main" val="2395809730"/>
-      </p:ext>
-    </p:extLst>
-  </p:cSld>
-  <p:clrMapOvr>
-    <a:masterClrMapping/>
-  </p:clrMapOvr>
-</p:notes>
-</file>
-
-<file path=ppt/notesSlides/notesSlide3.xml><?xml version="1.0" encoding="utf-8"?>
-<p:notes xmlns:a="http://schemas.openxmlformats.org/drawingml/2006/main" xmlns:r="http://schemas.openxmlformats.org/officeDocument/2006/relationships" xmlns:p="http://schemas.openxmlformats.org/presentationml/2006/main">
-  <p:cSld>
-    <p:spTree>
-      <p:nvGrpSpPr>
-        <p:cNvPr id="1" name=""/>
-        <p:cNvGrpSpPr/>
-        <p:nvPr/>
-      </p:nvGrpSpPr>
-      <p:grpSpPr>
-        <a:xfrm>
-          <a:off x="0" y="0"/>
-          <a:ext cx="0" cy="0"/>
-          <a:chOff x="0" y="0"/>
-          <a:chExt cx="0" cy="0"/>
-        </a:xfrm>
-      </p:grpSpPr>
-      <p:sp>
-        <p:nvSpPr>
-          <p:cNvPr id="2" name="슬라이드 이미지 개체 틀 1"/>
-          <p:cNvSpPr>
-            <a:spLocks noGrp="1" noRot="1" noChangeAspect="1"/>
-          </p:cNvSpPr>
-          <p:nvPr>
-            <p:ph type="sldImg"/>
-          </p:nvPr>
-        </p:nvSpPr>
-        <p:spPr/>
-      </p:sp>
-      <p:sp>
-        <p:nvSpPr>
-          <p:cNvPr id="3" name="슬라이드 노트 개체 틀 2"/>
-          <p:cNvSpPr>
-            <a:spLocks noGrp="1"/>
-          </p:cNvSpPr>
-          <p:nvPr>
-            <p:ph type="body" idx="1"/>
-          </p:nvPr>
-        </p:nvSpPr>
-        <p:spPr/>
-        <p:txBody>
-          <a:bodyPr/>
-          <a:lstStyle/>
-          <a:p>
-            <a:endParaRPr lang="ko-KR" altLang="en-US" dirty="0"/>
-          </a:p>
-        </p:txBody>
-      </p:sp>
-      <p:sp>
-        <p:nvSpPr>
-          <p:cNvPr id="4" name="슬라이드 번호 개체 틀 3"/>
-          <p:cNvSpPr>
-            <a:spLocks noGrp="1"/>
-          </p:cNvSpPr>
-          <p:nvPr>
-            <p:ph type="sldNum" sz="quarter" idx="10"/>
-          </p:nvPr>
-        </p:nvSpPr>
-        <p:spPr/>
-        <p:txBody>
-          <a:bodyPr/>
-          <a:lstStyle/>
-          <a:p>
-            <a:fld id="{C191BC67-C438-4515-9D3F-F10D40F1354A}" type="slidenum">
-              <a:rPr lang="ko-KR" altLang="en-US" smtClean="0"/>
-              <a:t>7</a:t>
-            </a:fld>
-            <a:endParaRPr lang="ko-KR" altLang="en-US"/>
-          </a:p>
-        </p:txBody>
-      </p:sp>
-    </p:spTree>
-    <p:extLst>
-      <p:ext uri="{BB962C8B-B14F-4D97-AF65-F5344CB8AC3E}">
-        <p14:creationId xmlns:p14="http://schemas.microsoft.com/office/powerpoint/2010/main" val="2993664163"/>
       </p:ext>
     </p:extLst>
   </p:cSld>
@@ -1136,7 +956,7 @@
           <a:p>
             <a:fld id="{89B5E594-86C5-4F1D-8812-38DF40064943}" type="datetime1">
               <a:rPr lang="ko-KR" altLang="en-US" smtClean="0"/>
-              <a:t>2019-03-06</a:t>
+              <a:t>2019-07-15</a:t>
             </a:fld>
             <a:endParaRPr lang="ko-KR" altLang="en-US"/>
           </a:p>
@@ -1344,7 +1164,7 @@
           <a:p>
             <a:fld id="{05C0B17C-522D-4CD8-8139-01EDEBAB2AF6}" type="datetime1">
               <a:rPr lang="ko-KR" altLang="en-US" smtClean="0"/>
-              <a:t>2019-03-06</a:t>
+              <a:t>2019-07-15</a:t>
             </a:fld>
             <a:endParaRPr lang="ko-KR" altLang="en-US"/>
           </a:p>
@@ -1522,7 +1342,7 @@
           <a:p>
             <a:fld id="{7345261C-38F3-40E7-AAA6-CE27B727AA65}" type="datetime1">
               <a:rPr lang="ko-KR" altLang="en-US" smtClean="0"/>
-              <a:t>2019-03-06</a:t>
+              <a:t>2019-07-15</a:t>
             </a:fld>
             <a:endParaRPr lang="ko-KR" altLang="en-US"/>
           </a:p>
@@ -1690,7 +1510,7 @@
           <a:p>
             <a:fld id="{A8472951-AD8C-47B8-8787-30E2F4BFA1EA}" type="datetime1">
               <a:rPr lang="ko-KR" altLang="en-US" smtClean="0"/>
-              <a:t>2019-03-06</a:t>
+              <a:t>2019-07-15</a:t>
             </a:fld>
             <a:endParaRPr lang="ko-KR" altLang="en-US"/>
           </a:p>
@@ -1945,7 +1765,7 @@
           <a:p>
             <a:fld id="{8BCB1BBF-13D1-46E6-8B8B-C9F26A0BAD91}" type="datetime1">
               <a:rPr lang="ko-KR" altLang="en-US" smtClean="0"/>
-              <a:t>2019-03-06</a:t>
+              <a:t>2019-07-15</a:t>
             </a:fld>
             <a:endParaRPr lang="ko-KR" altLang="en-US"/>
           </a:p>
@@ -2230,7 +2050,7 @@
           <a:p>
             <a:fld id="{B16FDC3D-FD6A-49DF-B101-11717D57279F}" type="datetime1">
               <a:rPr lang="ko-KR" altLang="en-US" smtClean="0"/>
-              <a:t>2019-03-06</a:t>
+              <a:t>2019-07-15</a:t>
             </a:fld>
             <a:endParaRPr lang="ko-KR" altLang="en-US"/>
           </a:p>
@@ -2649,7 +2469,7 @@
           <a:p>
             <a:fld id="{42D411A2-FD90-4A19-98A8-25197A66BC26}" type="datetime1">
               <a:rPr lang="ko-KR" altLang="en-US" smtClean="0"/>
-              <a:t>2019-03-06</a:t>
+              <a:t>2019-07-15</a:t>
             </a:fld>
             <a:endParaRPr lang="ko-KR" altLang="en-US"/>
           </a:p>
@@ -2766,7 +2586,7 @@
           <a:p>
             <a:fld id="{F6E6B532-6471-449A-9A2F-4428556C2F98}" type="datetime1">
               <a:rPr lang="ko-KR" altLang="en-US" smtClean="0"/>
-              <a:t>2019-03-06</a:t>
+              <a:t>2019-07-15</a:t>
             </a:fld>
             <a:endParaRPr lang="ko-KR" altLang="en-US"/>
           </a:p>
@@ -2861,7 +2681,7 @@
           <a:p>
             <a:fld id="{45A9E13B-856D-4562-A86D-A2B6F7BF810F}" type="datetime1">
               <a:rPr lang="ko-KR" altLang="en-US" smtClean="0"/>
-              <a:t>2019-03-06</a:t>
+              <a:t>2019-07-15</a:t>
             </a:fld>
             <a:endParaRPr lang="ko-KR" altLang="en-US"/>
           </a:p>
@@ -3136,7 +2956,7 @@
           <a:p>
             <a:fld id="{A672FB3A-7E9E-4380-9381-6FCA87FBB41A}" type="datetime1">
               <a:rPr lang="ko-KR" altLang="en-US" smtClean="0"/>
-              <a:t>2019-03-06</a:t>
+              <a:t>2019-07-15</a:t>
             </a:fld>
             <a:endParaRPr lang="ko-KR" altLang="en-US"/>
           </a:p>
@@ -3388,7 +3208,7 @@
           <a:p>
             <a:fld id="{3948CCBA-1514-4E9E-888A-807450F810B0}" type="datetime1">
               <a:rPr lang="ko-KR" altLang="en-US" smtClean="0"/>
-              <a:t>2019-03-06</a:t>
+              <a:t>2019-07-15</a:t>
             </a:fld>
             <a:endParaRPr lang="ko-KR" altLang="en-US"/>
           </a:p>
@@ -3601,7 +3421,7 @@
           <a:p>
             <a:fld id="{170EDEE7-370E-499F-B978-ABF387098974}" type="datetime1">
               <a:rPr lang="ko-KR" altLang="en-US" smtClean="0"/>
-              <a:t>2019-03-06</a:t>
+              <a:t>2019-07-15</a:t>
             </a:fld>
             <a:endParaRPr lang="ko-KR" altLang="en-US" dirty="0"/>
           </a:p>
@@ -4017,14 +3837,20 @@
       </p:grpSpPr>
       <p:sp>
         <p:nvSpPr>
-          <p:cNvPr id="4" name="TextBox 3"/>
+          <p:cNvPr id="5" name="TextBox 4">
+            <a:extLst>
+              <a:ext uri="{FF2B5EF4-FFF2-40B4-BE49-F238E27FC236}">
+                <a16:creationId xmlns:a16="http://schemas.microsoft.com/office/drawing/2014/main" id="{A85D7A79-160B-44EF-A3B7-AF7F9FBD9F2C}"/>
+              </a:ext>
+            </a:extLst>
+          </p:cNvPr>
           <p:cNvSpPr txBox="1"/>
           <p:nvPr/>
         </p:nvSpPr>
         <p:spPr>
           <a:xfrm>
-            <a:off x="895549" y="1835358"/>
-            <a:ext cx="10131075" cy="1404523"/>
+            <a:off x="643521" y="1620069"/>
+            <a:ext cx="10873208" cy="2327853"/>
           </a:xfrm>
           <a:prstGeom prst="rect">
             <a:avLst/>
@@ -4037,183 +3863,95 @@
           </a:bodyPr>
           <a:lstStyle/>
           <a:p>
-            <a:r>
-              <a:rPr lang="en-US" altLang="ko-KR" sz="2800" dirty="0">
-                <a:latin typeface="Noto Sans CJK KR Black" pitchFamily="34" charset="-127"/>
-                <a:ea typeface="Noto Sans CJK KR Black" pitchFamily="34" charset="-127"/>
-              </a:rPr>
-              <a:t>Part1. </a:t>
-            </a:r>
-            <a:r>
-              <a:rPr lang="ko-KR" altLang="en-US" sz="2800" dirty="0">
-                <a:latin typeface="Noto Sans CJK KR Black" pitchFamily="34" charset="-127"/>
-                <a:ea typeface="Noto Sans CJK KR Black" pitchFamily="34" charset="-127"/>
-              </a:rPr>
-              <a:t>데이터 분석 흐름 이해 및 시계열 데이터 분석 준비하기</a:t>
-            </a:r>
-            <a:endParaRPr lang="en-US" altLang="ko-KR" sz="2800" dirty="0">
+            <a:pPr algn="ctr"/>
+            <a:r>
+              <a:rPr lang="en-US" altLang="ko-KR" sz="3600" dirty="0">
+                <a:latin typeface="Noto Sans CJK KR Black" pitchFamily="34" charset="-127"/>
+                <a:ea typeface="Noto Sans CJK KR Black" pitchFamily="34" charset="-127"/>
+              </a:rPr>
+              <a:t>Chapter 2.</a:t>
+            </a:r>
+          </a:p>
+          <a:p>
+            <a:pPr algn="ctr"/>
+            <a:r>
+              <a:rPr lang="en-US" altLang="ko-KR" sz="3600" dirty="0">
+                <a:latin typeface="Noto Sans CJK KR Black" pitchFamily="34" charset="-127"/>
+                <a:ea typeface="Noto Sans CJK KR Black" pitchFamily="34" charset="-127"/>
+              </a:rPr>
+              <a:t> </a:t>
+            </a:r>
+          </a:p>
+          <a:p>
+            <a:pPr algn="ctr"/>
+            <a:r>
+              <a:rPr lang="ko-KR" altLang="en-US" sz="3600" dirty="0">
+                <a:latin typeface="Noto Sans CJK KR Black" pitchFamily="34" charset="-127"/>
+                <a:ea typeface="Noto Sans CJK KR Black" pitchFamily="34" charset="-127"/>
+              </a:rPr>
+              <a:t>시계열 데이터패턴 추출이해 및 적용하기 </a:t>
+            </a:r>
+            <a:endParaRPr lang="en-US" altLang="ko-KR" sz="3600" dirty="0">
               <a:latin typeface="Noto Sans CJK KR Black" pitchFamily="34" charset="-127"/>
               <a:ea typeface="Noto Sans CJK KR Black" pitchFamily="34" charset="-127"/>
             </a:endParaRPr>
           </a:p>
           <a:p>
-            <a:pPr marL="685800" indent="-685800">
-              <a:buFontTx/>
-              <a:buChar char="-"/>
-            </a:pPr>
-            <a:r>
-              <a:rPr lang="en-US" altLang="ko-KR" sz="2800" dirty="0">
-                <a:latin typeface="Noto Sans CJK KR Black" pitchFamily="34" charset="-127"/>
-                <a:ea typeface="Noto Sans CJK KR Black" pitchFamily="34" charset="-127"/>
-              </a:rPr>
-              <a:t>1</a:t>
-            </a:r>
-            <a:r>
-              <a:rPr lang="ko-KR" altLang="en-US" sz="2800" dirty="0">
-                <a:latin typeface="Noto Sans CJK KR Black" pitchFamily="34" charset="-127"/>
-                <a:ea typeface="Noto Sans CJK KR Black" pitchFamily="34" charset="-127"/>
-              </a:rPr>
-              <a:t>회차</a:t>
-            </a:r>
-            <a:r>
-              <a:rPr lang="en-US" altLang="ko-KR" sz="2800" dirty="0">
-                <a:latin typeface="Noto Sans CJK KR Black" pitchFamily="34" charset="-127"/>
-                <a:ea typeface="Noto Sans CJK KR Black" pitchFamily="34" charset="-127"/>
-              </a:rPr>
-              <a:t>: </a:t>
-            </a:r>
-            <a:r>
-              <a:rPr lang="ko-KR" altLang="en-US" sz="2800" dirty="0">
-                <a:latin typeface="Noto Sans CJK KR Black" pitchFamily="34" charset="-127"/>
-                <a:ea typeface="Noto Sans CJK KR Black" pitchFamily="34" charset="-127"/>
-              </a:rPr>
-              <a:t>분석 </a:t>
-            </a:r>
-            <a:r>
-              <a:rPr lang="ko-KR" altLang="en-US" sz="2800" dirty="0" err="1">
-                <a:latin typeface="Noto Sans CJK KR Black" pitchFamily="34" charset="-127"/>
-                <a:ea typeface="Noto Sans CJK KR Black" pitchFamily="34" charset="-127"/>
-              </a:rPr>
-              <a:t>싸이클</a:t>
-            </a:r>
-            <a:r>
-              <a:rPr lang="ko-KR" altLang="en-US" sz="2800" dirty="0">
-                <a:latin typeface="Noto Sans CJK KR Black" pitchFamily="34" charset="-127"/>
-                <a:ea typeface="Noto Sans CJK KR Black" pitchFamily="34" charset="-127"/>
-              </a:rPr>
-              <a:t> 이해 및 수학</a:t>
-            </a:r>
-            <a:r>
-              <a:rPr lang="en-US" altLang="ko-KR" sz="2800" dirty="0">
-                <a:latin typeface="Noto Sans CJK KR Black" pitchFamily="34" charset="-127"/>
-                <a:ea typeface="Noto Sans CJK KR Black" pitchFamily="34" charset="-127"/>
-              </a:rPr>
-              <a:t>/</a:t>
-            </a:r>
-            <a:r>
-              <a:rPr lang="ko-KR" altLang="en-US" sz="2800" dirty="0">
-                <a:latin typeface="Noto Sans CJK KR Black" pitchFamily="34" charset="-127"/>
-                <a:ea typeface="Noto Sans CJK KR Black" pitchFamily="34" charset="-127"/>
-              </a:rPr>
-              <a:t>통계</a:t>
-            </a:r>
-            <a:r>
-              <a:rPr lang="en-US" altLang="ko-KR" sz="2800" dirty="0">
-                <a:latin typeface="Noto Sans CJK KR Black" pitchFamily="34" charset="-127"/>
-                <a:ea typeface="Noto Sans CJK KR Black" pitchFamily="34" charset="-127"/>
-              </a:rPr>
-              <a:t>/Python</a:t>
-            </a:r>
-            <a:r>
-              <a:rPr lang="ko-KR" altLang="en-US" sz="2800" dirty="0">
-                <a:latin typeface="Noto Sans CJK KR Black" pitchFamily="34" charset="-127"/>
-                <a:ea typeface="Noto Sans CJK KR Black" pitchFamily="34" charset="-127"/>
-              </a:rPr>
-              <a:t> 언어 이해하기</a:t>
-            </a:r>
-            <a:endParaRPr lang="en-US" altLang="ko-KR" sz="2800" dirty="0">
-              <a:latin typeface="Noto Sans CJK KR Black" pitchFamily="34" charset="-127"/>
-              <a:ea typeface="Noto Sans CJK KR Black" pitchFamily="34" charset="-127"/>
-            </a:endParaRPr>
-          </a:p>
-          <a:p>
-            <a:pPr marL="685800" indent="-685800">
-              <a:buFontTx/>
-              <a:buChar char="-"/>
-            </a:pPr>
-            <a:r>
-              <a:rPr lang="en-US" altLang="ko-KR" sz="2800" dirty="0">
-                <a:latin typeface="Noto Sans CJK KR Black" pitchFamily="34" charset="-127"/>
-                <a:ea typeface="Noto Sans CJK KR Black" pitchFamily="34" charset="-127"/>
-              </a:rPr>
-              <a:t>2</a:t>
-            </a:r>
-            <a:r>
-              <a:rPr lang="ko-KR" altLang="en-US" sz="2800" dirty="0">
-                <a:latin typeface="Noto Sans CJK KR Black" pitchFamily="34" charset="-127"/>
-                <a:ea typeface="Noto Sans CJK KR Black" pitchFamily="34" charset="-127"/>
-              </a:rPr>
-              <a:t>회차</a:t>
-            </a:r>
-            <a:r>
-              <a:rPr lang="en-US" altLang="ko-KR" sz="2800" dirty="0">
-                <a:latin typeface="Noto Sans CJK KR Black" pitchFamily="34" charset="-127"/>
-                <a:ea typeface="Noto Sans CJK KR Black" pitchFamily="34" charset="-127"/>
-              </a:rPr>
-              <a:t>: </a:t>
-            </a:r>
-            <a:r>
-              <a:rPr lang="ko-KR" altLang="en-US" sz="2800" dirty="0">
-                <a:latin typeface="Noto Sans CJK KR Black" pitchFamily="34" charset="-127"/>
-                <a:ea typeface="Noto Sans CJK KR Black" pitchFamily="34" charset="-127"/>
-              </a:rPr>
-              <a:t>시계열 데이터 접근방법 리뷰 및 </a:t>
-            </a:r>
-            <a:r>
-              <a:rPr lang="en-US" altLang="ko-KR" sz="2800" dirty="0">
-                <a:latin typeface="Noto Sans CJK KR Black" pitchFamily="34" charset="-127"/>
-                <a:ea typeface="Noto Sans CJK KR Black" pitchFamily="34" charset="-127"/>
-              </a:rPr>
-              <a:t>“</a:t>
-            </a:r>
-            <a:r>
-              <a:rPr lang="ko-KR" altLang="en-US" sz="2800" dirty="0">
-                <a:latin typeface="Noto Sans CJK KR Black" pitchFamily="34" charset="-127"/>
-                <a:ea typeface="Noto Sans CJK KR Black" pitchFamily="34" charset="-127"/>
-              </a:rPr>
-              <a:t>분석초안</a:t>
-            </a:r>
-            <a:r>
-              <a:rPr lang="en-US" altLang="ko-KR" sz="2800" dirty="0">
-                <a:latin typeface="Noto Sans CJK KR Black" pitchFamily="34" charset="-127"/>
-                <a:ea typeface="Noto Sans CJK KR Black" pitchFamily="34" charset="-127"/>
-              </a:rPr>
-              <a:t>”</a:t>
-            </a:r>
-            <a:r>
-              <a:rPr lang="ko-KR" altLang="en-US" sz="2800" dirty="0">
-                <a:latin typeface="Noto Sans CJK KR Black" pitchFamily="34" charset="-127"/>
-                <a:ea typeface="Noto Sans CJK KR Black" pitchFamily="34" charset="-127"/>
-              </a:rPr>
-              <a:t> 실습 완성</a:t>
-            </a:r>
-            <a:endParaRPr lang="en-US" altLang="ko-KR" sz="2800" dirty="0">
-              <a:latin typeface="Noto Sans CJK KR Black" pitchFamily="34" charset="-127"/>
-              <a:ea typeface="Noto Sans CJK KR Black" pitchFamily="34" charset="-127"/>
-            </a:endParaRPr>
-          </a:p>
-        </p:txBody>
-      </p:sp>
-      <p:sp>
-        <p:nvSpPr>
-          <p:cNvPr id="7" name="TextBox 6"/>
+            <a:pPr algn="ctr"/>
+            <a:r>
+              <a:rPr lang="en-US" altLang="ko-KR" sz="3600" dirty="0">
+                <a:latin typeface="Noto Sans CJK KR Black" pitchFamily="34" charset="-127"/>
+                <a:ea typeface="Noto Sans CJK KR Black" pitchFamily="34" charset="-127"/>
+              </a:rPr>
+              <a:t>(</a:t>
+            </a:r>
+            <a:r>
+              <a:rPr lang="ko-KR" altLang="en-US" sz="3600" dirty="0">
+                <a:latin typeface="Noto Sans CJK KR Black" pitchFamily="34" charset="-127"/>
+                <a:ea typeface="Noto Sans CJK KR Black" pitchFamily="34" charset="-127"/>
+              </a:rPr>
+              <a:t>총</a:t>
+            </a:r>
+            <a:r>
+              <a:rPr lang="en-US" altLang="ko-KR" sz="3600" dirty="0">
+                <a:latin typeface="Noto Sans CJK KR Black" pitchFamily="34" charset="-127"/>
+                <a:ea typeface="Noto Sans CJK KR Black" pitchFamily="34" charset="-127"/>
+              </a:rPr>
+              <a:t>3</a:t>
+            </a:r>
+            <a:r>
+              <a:rPr lang="ko-KR" altLang="en-US" sz="3600" dirty="0">
+                <a:latin typeface="Noto Sans CJK KR Black" pitchFamily="34" charset="-127"/>
+                <a:ea typeface="Noto Sans CJK KR Black" pitchFamily="34" charset="-127"/>
+              </a:rPr>
+              <a:t>주</a:t>
+            </a:r>
+            <a:r>
+              <a:rPr lang="en-US" altLang="ko-KR" sz="3600" dirty="0">
+                <a:latin typeface="Noto Sans CJK KR Black" pitchFamily="34" charset="-127"/>
+                <a:ea typeface="Noto Sans CJK KR Black" pitchFamily="34" charset="-127"/>
+              </a:rPr>
+              <a:t>)</a:t>
+            </a:r>
+          </a:p>
+        </p:txBody>
+      </p:sp>
+      <p:sp>
+        <p:nvSpPr>
+          <p:cNvPr id="6" name="TextBox 5">
+            <a:extLst>
+              <a:ext uri="{FF2B5EF4-FFF2-40B4-BE49-F238E27FC236}">
+                <a16:creationId xmlns:a16="http://schemas.microsoft.com/office/drawing/2014/main" id="{072E8206-5F04-4C9F-87F6-F9D718F39055}"/>
+              </a:ext>
+            </a:extLst>
+          </p:cNvPr>
           <p:cNvSpPr txBox="1"/>
           <p:nvPr/>
         </p:nvSpPr>
         <p:spPr>
           <a:xfrm>
-            <a:off x="1047949" y="4081911"/>
-            <a:ext cx="10131075" cy="850526"/>
+            <a:off x="1047949" y="4883291"/>
+            <a:ext cx="10131075" cy="481194"/>
           </a:xfrm>
           <a:prstGeom prst="rect">
             <a:avLst/>
@@ -4225,16 +3963,6 @@
             <a:spAutoFit/>
           </a:bodyPr>
           <a:lstStyle/>
-          <a:p>
-            <a:pPr algn="r"/>
-            <a:r>
-              <a:rPr lang="en-US" altLang="ko-KR" sz="2400" dirty="0">
-                <a:latin typeface="Noto Sans CJK KR Medium" pitchFamily="34" charset="-127"/>
-                <a:ea typeface="Noto Sans CJK KR Medium" pitchFamily="34" charset="-127"/>
-              </a:rPr>
-              <a:t>2019.03.02.</a:t>
-            </a:r>
-          </a:p>
           <a:p>
             <a:pPr algn="r"/>
             <a:r>
@@ -4286,7 +4014,37 @@
       </p:grpSpPr>
       <p:sp>
         <p:nvSpPr>
-          <p:cNvPr id="5" name="제목 4"/>
+          <p:cNvPr id="3" name="슬라이드 번호 개체 틀 2"/>
+          <p:cNvSpPr>
+            <a:spLocks noGrp="1"/>
+          </p:cNvSpPr>
+          <p:nvPr>
+            <p:ph type="sldNum" sz="quarter" idx="12"/>
+          </p:nvPr>
+        </p:nvSpPr>
+        <p:spPr/>
+        <p:txBody>
+          <a:bodyPr/>
+          <a:lstStyle/>
+          <a:p>
+            <a:fld id="{6DDAE2C3-1A0B-474A-8CE8-AE55B8D9D4B1}" type="slidenum">
+              <a:rPr lang="ko-KR" altLang="en-US" smtClean="0"/>
+              <a:pPr/>
+              <a:t>10</a:t>
+            </a:fld>
+            <a:endParaRPr lang="ko-KR" altLang="en-US" dirty="0"/>
+          </a:p>
+        </p:txBody>
+      </p:sp>
+      <p:sp>
+        <p:nvSpPr>
+          <p:cNvPr id="8" name="제목 4">
+            <a:extLst>
+              <a:ext uri="{FF2B5EF4-FFF2-40B4-BE49-F238E27FC236}">
+                <a16:creationId xmlns:a16="http://schemas.microsoft.com/office/drawing/2014/main" id="{8FE32074-AF17-44A3-B3EB-DC631A3C934F}"/>
+              </a:ext>
+            </a:extLst>
+          </p:cNvPr>
           <p:cNvSpPr>
             <a:spLocks noGrp="1"/>
           </p:cNvSpPr>
@@ -4296,7 +4054,7 @@
         </p:nvSpPr>
         <p:spPr>
           <a:xfrm>
-            <a:off x="608016" y="551987"/>
+            <a:off x="608012" y="539949"/>
             <a:ext cx="10944225" cy="1140090"/>
           </a:xfrm>
         </p:spPr>
@@ -4318,7 +4076,7 @@
                 <a:latin typeface="Noto Sans CJK KR Black" pitchFamily="34" charset="-127"/>
                 <a:ea typeface="Noto Sans CJK KR Black" pitchFamily="34" charset="-127"/>
               </a:rPr>
-              <a:t>1. </a:t>
+              <a:t>2. </a:t>
             </a:r>
             <a:r>
               <a:rPr lang="ko-KR" altLang="en-US" sz="4400" dirty="0">
@@ -4331,7 +4089,7 @@
                 <a:latin typeface="Noto Sans CJK KR Black" pitchFamily="34" charset="-127"/>
                 <a:ea typeface="Noto Sans CJK KR Black" pitchFamily="34" charset="-127"/>
               </a:rPr>
-              <a:t>비교위한 </a:t>
+              <a:t>시계열</a:t>
             </a:r>
             <a:r>
               <a:rPr lang="en-US" altLang="ko-KR" sz="4400" dirty="0">
@@ -4344,7 +4102,7 @@
                 <a:latin typeface="Noto Sans CJK KR Black" pitchFamily="34" charset="-127"/>
                 <a:ea typeface="Noto Sans CJK KR Black" pitchFamily="34" charset="-127"/>
               </a:rPr>
-              <a:t>“</a:t>
+              <a:t> </a:t>
             </a:r>
             <a:r>
               <a:rPr lang="ko-KR" altLang="en-US" sz="4400" dirty="0">
@@ -4357,7 +4115,7 @@
                 <a:latin typeface="Noto Sans CJK KR Black" pitchFamily="34" charset="-127"/>
                 <a:ea typeface="Noto Sans CJK KR Black" pitchFamily="34" charset="-127"/>
               </a:rPr>
-              <a:t>회귀분석</a:t>
+              <a:t>데이터</a:t>
             </a:r>
             <a:r>
               <a:rPr lang="en-US" altLang="ko-KR" sz="4400" dirty="0">
@@ -4370,7 +4128,20 @@
                 <a:latin typeface="Noto Sans CJK KR Black" pitchFamily="34" charset="-127"/>
                 <a:ea typeface="Noto Sans CJK KR Black" pitchFamily="34" charset="-127"/>
               </a:rPr>
-              <a:t>”</a:t>
+              <a:t>/</a:t>
+            </a:r>
+            <a:r>
+              <a:rPr lang="ko-KR" altLang="en-US" sz="4400" dirty="0">
+                <a:solidFill>
+                  <a:schemeClr val="tx1">
+                    <a:lumMod val="75000"/>
+                    <a:lumOff val="25000"/>
+                  </a:schemeClr>
+                </a:solidFill>
+                <a:latin typeface="Noto Sans CJK KR Black" pitchFamily="34" charset="-127"/>
+                <a:ea typeface="Noto Sans CJK KR Black" pitchFamily="34" charset="-127"/>
+              </a:rPr>
+              <a:t>분석과 기계학습의 차이</a:t>
             </a:r>
             <a:endParaRPr lang="ko-KR" altLang="en-US" sz="4400" dirty="0">
               <a:solidFill>
@@ -4383,36 +4154,12 @@
           </a:p>
         </p:txBody>
       </p:sp>
-      <p:sp>
-        <p:nvSpPr>
-          <p:cNvPr id="3" name="슬라이드 번호 개체 틀 2"/>
-          <p:cNvSpPr>
-            <a:spLocks noGrp="1"/>
-          </p:cNvSpPr>
-          <p:nvPr>
-            <p:ph type="sldNum" sz="quarter" idx="12"/>
-          </p:nvPr>
-        </p:nvSpPr>
-        <p:spPr/>
-        <p:txBody>
-          <a:bodyPr/>
-          <a:lstStyle/>
-          <a:p>
-            <a:fld id="{6DDAE2C3-1A0B-474A-8CE8-AE55B8D9D4B1}" type="slidenum">
-              <a:rPr lang="ko-KR" altLang="en-US" smtClean="0"/>
-              <a:pPr/>
-              <a:t>10</a:t>
-            </a:fld>
-            <a:endParaRPr lang="ko-KR" altLang="en-US" dirty="0"/>
-          </a:p>
-        </p:txBody>
-      </p:sp>
       <p:pic>
         <p:nvPicPr>
-          <p:cNvPr id="4" name="그림 3">
+          <p:cNvPr id="2" name="그림 1">
             <a:extLst>
               <a:ext uri="{FF2B5EF4-FFF2-40B4-BE49-F238E27FC236}">
-                <a16:creationId xmlns:a16="http://schemas.microsoft.com/office/drawing/2014/main" id="{B7B3DF0B-344B-49A2-99BC-EB227151B88C}"/>
+                <a16:creationId xmlns:a16="http://schemas.microsoft.com/office/drawing/2014/main" id="{4B682E48-DB5F-4A19-B8AA-3A5FE5099A56}"/>
               </a:ext>
             </a:extLst>
           </p:cNvPr>
@@ -4429,8 +4176,8 @@
         </p:blipFill>
         <p:spPr>
           <a:xfrm>
-            <a:off x="1940125" y="1788071"/>
-            <a:ext cx="8280000" cy="4766624"/>
+            <a:off x="2074861" y="2124788"/>
+            <a:ext cx="8010525" cy="4143375"/>
           </a:xfrm>
           <a:prstGeom prst="rect">
             <a:avLst/>
@@ -4440,7 +4187,7 @@
     </p:spTree>
     <p:extLst>
       <p:ext uri="{BB962C8B-B14F-4D97-AF65-F5344CB8AC3E}">
-        <p14:creationId xmlns:p14="http://schemas.microsoft.com/office/powerpoint/2010/main" val="1303869245"/>
+        <p14:creationId xmlns:p14="http://schemas.microsoft.com/office/powerpoint/2010/main" val="3654954355"/>
       </p:ext>
     </p:extLst>
   </p:cSld>
@@ -4469,7 +4216,37 @@
       </p:grpSpPr>
       <p:sp>
         <p:nvSpPr>
-          <p:cNvPr id="5" name="제목 4"/>
+          <p:cNvPr id="3" name="슬라이드 번호 개체 틀 2"/>
+          <p:cNvSpPr>
+            <a:spLocks noGrp="1"/>
+          </p:cNvSpPr>
+          <p:nvPr>
+            <p:ph type="sldNum" sz="quarter" idx="12"/>
+          </p:nvPr>
+        </p:nvSpPr>
+        <p:spPr/>
+        <p:txBody>
+          <a:bodyPr/>
+          <a:lstStyle/>
+          <a:p>
+            <a:fld id="{6DDAE2C3-1A0B-474A-8CE8-AE55B8D9D4B1}" type="slidenum">
+              <a:rPr lang="ko-KR" altLang="en-US" smtClean="0"/>
+              <a:pPr/>
+              <a:t>11</a:t>
+            </a:fld>
+            <a:endParaRPr lang="ko-KR" altLang="en-US" dirty="0"/>
+          </a:p>
+        </p:txBody>
+      </p:sp>
+      <p:sp>
+        <p:nvSpPr>
+          <p:cNvPr id="8" name="제목 4">
+            <a:extLst>
+              <a:ext uri="{FF2B5EF4-FFF2-40B4-BE49-F238E27FC236}">
+                <a16:creationId xmlns:a16="http://schemas.microsoft.com/office/drawing/2014/main" id="{8FE32074-AF17-44A3-B3EB-DC631A3C934F}"/>
+              </a:ext>
+            </a:extLst>
+          </p:cNvPr>
           <p:cNvSpPr>
             <a:spLocks noGrp="1"/>
           </p:cNvSpPr>
@@ -4479,7 +4256,7 @@
         </p:nvSpPr>
         <p:spPr>
           <a:xfrm>
-            <a:off x="608016" y="551987"/>
+            <a:off x="608012" y="539949"/>
             <a:ext cx="10944225" cy="1140090"/>
           </a:xfrm>
         </p:spPr>
@@ -4501,7 +4278,7 @@
                 <a:latin typeface="Noto Sans CJK KR Black" pitchFamily="34" charset="-127"/>
                 <a:ea typeface="Noto Sans CJK KR Black" pitchFamily="34" charset="-127"/>
               </a:rPr>
-              <a:t>1. </a:t>
+              <a:t>2. </a:t>
             </a:r>
             <a:r>
               <a:rPr lang="ko-KR" altLang="en-US" sz="4400" dirty="0">
@@ -4514,7 +4291,7 @@
                 <a:latin typeface="Noto Sans CJK KR Black" pitchFamily="34" charset="-127"/>
                 <a:ea typeface="Noto Sans CJK KR Black" pitchFamily="34" charset="-127"/>
               </a:rPr>
-              <a:t>비교위한 </a:t>
+              <a:t>시계열</a:t>
             </a:r>
             <a:r>
               <a:rPr lang="en-US" altLang="ko-KR" sz="4400" dirty="0">
@@ -4527,7 +4304,7 @@
                 <a:latin typeface="Noto Sans CJK KR Black" pitchFamily="34" charset="-127"/>
                 <a:ea typeface="Noto Sans CJK KR Black" pitchFamily="34" charset="-127"/>
               </a:rPr>
-              <a:t>“</a:t>
+              <a:t> </a:t>
             </a:r>
             <a:r>
               <a:rPr lang="ko-KR" altLang="en-US" sz="4400" dirty="0">
@@ -4540,7 +4317,7 @@
                 <a:latin typeface="Noto Sans CJK KR Black" pitchFamily="34" charset="-127"/>
                 <a:ea typeface="Noto Sans CJK KR Black" pitchFamily="34" charset="-127"/>
               </a:rPr>
-              <a:t>회귀분석</a:t>
+              <a:t>데이터</a:t>
             </a:r>
             <a:r>
               <a:rPr lang="en-US" altLang="ko-KR" sz="4400" dirty="0">
@@ -4553,7 +4330,20 @@
                 <a:latin typeface="Noto Sans CJK KR Black" pitchFamily="34" charset="-127"/>
                 <a:ea typeface="Noto Sans CJK KR Black" pitchFamily="34" charset="-127"/>
               </a:rPr>
-              <a:t>”</a:t>
+              <a:t>/</a:t>
+            </a:r>
+            <a:r>
+              <a:rPr lang="ko-KR" altLang="en-US" sz="4400" dirty="0">
+                <a:solidFill>
+                  <a:schemeClr val="tx1">
+                    <a:lumMod val="75000"/>
+                    <a:lumOff val="25000"/>
+                  </a:schemeClr>
+                </a:solidFill>
+                <a:latin typeface="Noto Sans CJK KR Black" pitchFamily="34" charset="-127"/>
+                <a:ea typeface="Noto Sans CJK KR Black" pitchFamily="34" charset="-127"/>
+              </a:rPr>
+              <a:t>분석과 기계학습의 차이</a:t>
             </a:r>
             <a:endParaRPr lang="ko-KR" altLang="en-US" sz="4400" dirty="0">
               <a:solidFill>
@@ -4566,36 +4356,12 @@
           </a:p>
         </p:txBody>
       </p:sp>
-      <p:sp>
-        <p:nvSpPr>
-          <p:cNvPr id="3" name="슬라이드 번호 개체 틀 2"/>
-          <p:cNvSpPr>
-            <a:spLocks noGrp="1"/>
-          </p:cNvSpPr>
-          <p:nvPr>
-            <p:ph type="sldNum" sz="quarter" idx="12"/>
-          </p:nvPr>
-        </p:nvSpPr>
-        <p:spPr/>
-        <p:txBody>
-          <a:bodyPr/>
-          <a:lstStyle/>
-          <a:p>
-            <a:fld id="{6DDAE2C3-1A0B-474A-8CE8-AE55B8D9D4B1}" type="slidenum">
-              <a:rPr lang="ko-KR" altLang="en-US" smtClean="0"/>
-              <a:pPr/>
-              <a:t>11</a:t>
-            </a:fld>
-            <a:endParaRPr lang="ko-KR" altLang="en-US" dirty="0"/>
-          </a:p>
-        </p:txBody>
-      </p:sp>
       <p:pic>
         <p:nvPicPr>
           <p:cNvPr id="2" name="그림 1">
             <a:extLst>
               <a:ext uri="{FF2B5EF4-FFF2-40B4-BE49-F238E27FC236}">
-                <a16:creationId xmlns:a16="http://schemas.microsoft.com/office/drawing/2014/main" id="{BC0FE6DB-32C4-4526-B559-B72AAE181AB7}"/>
+                <a16:creationId xmlns:a16="http://schemas.microsoft.com/office/drawing/2014/main" id="{A34CF695-2F5A-495B-BB0A-B7DAC2C11319}"/>
               </a:ext>
             </a:extLst>
           </p:cNvPr>
@@ -4612,8 +4378,8 @@
         </p:blipFill>
         <p:spPr>
           <a:xfrm>
-            <a:off x="1580125" y="2340149"/>
-            <a:ext cx="9000000" cy="2393182"/>
+            <a:off x="2289174" y="1432464"/>
+            <a:ext cx="7581900" cy="5324475"/>
           </a:xfrm>
           <a:prstGeom prst="rect">
             <a:avLst/>
@@ -4623,7 +4389,7 @@
     </p:spTree>
     <p:extLst>
       <p:ext uri="{BB962C8B-B14F-4D97-AF65-F5344CB8AC3E}">
-        <p14:creationId xmlns:p14="http://schemas.microsoft.com/office/powerpoint/2010/main" val="2344226520"/>
+        <p14:creationId xmlns:p14="http://schemas.microsoft.com/office/powerpoint/2010/main" val="1612703499"/>
       </p:ext>
     </p:extLst>
   </p:cSld>
@@ -4652,7 +4418,37 @@
       </p:grpSpPr>
       <p:sp>
         <p:nvSpPr>
-          <p:cNvPr id="5" name="제목 4"/>
+          <p:cNvPr id="3" name="슬라이드 번호 개체 틀 2"/>
+          <p:cNvSpPr>
+            <a:spLocks noGrp="1"/>
+          </p:cNvSpPr>
+          <p:nvPr>
+            <p:ph type="sldNum" sz="quarter" idx="12"/>
+          </p:nvPr>
+        </p:nvSpPr>
+        <p:spPr/>
+        <p:txBody>
+          <a:bodyPr/>
+          <a:lstStyle/>
+          <a:p>
+            <a:fld id="{6DDAE2C3-1A0B-474A-8CE8-AE55B8D9D4B1}" type="slidenum">
+              <a:rPr lang="ko-KR" altLang="en-US" smtClean="0"/>
+              <a:pPr/>
+              <a:t>12</a:t>
+            </a:fld>
+            <a:endParaRPr lang="ko-KR" altLang="en-US" dirty="0"/>
+          </a:p>
+        </p:txBody>
+      </p:sp>
+      <p:sp>
+        <p:nvSpPr>
+          <p:cNvPr id="8" name="제목 4">
+            <a:extLst>
+              <a:ext uri="{FF2B5EF4-FFF2-40B4-BE49-F238E27FC236}">
+                <a16:creationId xmlns:a16="http://schemas.microsoft.com/office/drawing/2014/main" id="{8FE32074-AF17-44A3-B3EB-DC631A3C934F}"/>
+              </a:ext>
+            </a:extLst>
+          </p:cNvPr>
           <p:cNvSpPr>
             <a:spLocks noGrp="1"/>
           </p:cNvSpPr>
@@ -4662,7 +4458,7 @@
         </p:nvSpPr>
         <p:spPr>
           <a:xfrm>
-            <a:off x="608016" y="551987"/>
+            <a:off x="608012" y="539949"/>
             <a:ext cx="10944225" cy="1140090"/>
           </a:xfrm>
         </p:spPr>
@@ -4684,7 +4480,7 @@
                 <a:latin typeface="Noto Sans CJK KR Black" pitchFamily="34" charset="-127"/>
                 <a:ea typeface="Noto Sans CJK KR Black" pitchFamily="34" charset="-127"/>
               </a:rPr>
-              <a:t>1. </a:t>
+              <a:t>2. </a:t>
             </a:r>
             <a:r>
               <a:rPr lang="ko-KR" altLang="en-US" sz="4400" dirty="0">
@@ -4697,7 +4493,7 @@
                 <a:latin typeface="Noto Sans CJK KR Black" pitchFamily="34" charset="-127"/>
                 <a:ea typeface="Noto Sans CJK KR Black" pitchFamily="34" charset="-127"/>
               </a:rPr>
-              <a:t>비교위한 </a:t>
+              <a:t>시계열</a:t>
             </a:r>
             <a:r>
               <a:rPr lang="en-US" altLang="ko-KR" sz="4400" dirty="0">
@@ -4710,7 +4506,7 @@
                 <a:latin typeface="Noto Sans CJK KR Black" pitchFamily="34" charset="-127"/>
                 <a:ea typeface="Noto Sans CJK KR Black" pitchFamily="34" charset="-127"/>
               </a:rPr>
-              <a:t>“</a:t>
+              <a:t> </a:t>
             </a:r>
             <a:r>
               <a:rPr lang="ko-KR" altLang="en-US" sz="4400" dirty="0">
@@ -4723,7 +4519,7 @@
                 <a:latin typeface="Noto Sans CJK KR Black" pitchFamily="34" charset="-127"/>
                 <a:ea typeface="Noto Sans CJK KR Black" pitchFamily="34" charset="-127"/>
               </a:rPr>
-              <a:t>회귀분석</a:t>
+              <a:t>데이터</a:t>
             </a:r>
             <a:r>
               <a:rPr lang="en-US" altLang="ko-KR" sz="4400" dirty="0">
@@ -4736,7 +4532,20 @@
                 <a:latin typeface="Noto Sans CJK KR Black" pitchFamily="34" charset="-127"/>
                 <a:ea typeface="Noto Sans CJK KR Black" pitchFamily="34" charset="-127"/>
               </a:rPr>
-              <a:t>”</a:t>
+              <a:t>/</a:t>
+            </a:r>
+            <a:r>
+              <a:rPr lang="ko-KR" altLang="en-US" sz="4400" dirty="0">
+                <a:solidFill>
+                  <a:schemeClr val="tx1">
+                    <a:lumMod val="75000"/>
+                    <a:lumOff val="25000"/>
+                  </a:schemeClr>
+                </a:solidFill>
+                <a:latin typeface="Noto Sans CJK KR Black" pitchFamily="34" charset="-127"/>
+                <a:ea typeface="Noto Sans CJK KR Black" pitchFamily="34" charset="-127"/>
+              </a:rPr>
+              <a:t>분석과 기계학습의 차이</a:t>
             </a:r>
             <a:endParaRPr lang="ko-KR" altLang="en-US" sz="4400" dirty="0">
               <a:solidFill>
@@ -4749,36 +4558,12 @@
           </a:p>
         </p:txBody>
       </p:sp>
-      <p:sp>
-        <p:nvSpPr>
-          <p:cNvPr id="3" name="슬라이드 번호 개체 틀 2"/>
-          <p:cNvSpPr>
-            <a:spLocks noGrp="1"/>
-          </p:cNvSpPr>
-          <p:nvPr>
-            <p:ph type="sldNum" sz="quarter" idx="12"/>
-          </p:nvPr>
-        </p:nvSpPr>
-        <p:spPr/>
-        <p:txBody>
-          <a:bodyPr/>
-          <a:lstStyle/>
-          <a:p>
-            <a:fld id="{6DDAE2C3-1A0B-474A-8CE8-AE55B8D9D4B1}" type="slidenum">
-              <a:rPr lang="ko-KR" altLang="en-US" smtClean="0"/>
-              <a:pPr/>
-              <a:t>12</a:t>
-            </a:fld>
-            <a:endParaRPr lang="ko-KR" altLang="en-US" dirty="0"/>
-          </a:p>
-        </p:txBody>
-      </p:sp>
       <p:pic>
         <p:nvPicPr>
           <p:cNvPr id="2" name="그림 1">
             <a:extLst>
               <a:ext uri="{FF2B5EF4-FFF2-40B4-BE49-F238E27FC236}">
-                <a16:creationId xmlns:a16="http://schemas.microsoft.com/office/drawing/2014/main" id="{0B39DF13-A42A-4E0D-BD66-259CAE57363A}"/>
+                <a16:creationId xmlns:a16="http://schemas.microsoft.com/office/drawing/2014/main" id="{39B18593-0C8B-47CC-87CA-47EED5258C75}"/>
               </a:ext>
             </a:extLst>
           </p:cNvPr>
@@ -4795,8 +4580,8 @@
         </p:blipFill>
         <p:spPr>
           <a:xfrm>
-            <a:off x="1940125" y="2087378"/>
-            <a:ext cx="8280000" cy="3842769"/>
+            <a:off x="1008062" y="2596356"/>
+            <a:ext cx="10144125" cy="1647825"/>
           </a:xfrm>
           <a:prstGeom prst="rect">
             <a:avLst/>
@@ -4806,7 +4591,7 @@
     </p:spTree>
     <p:extLst>
       <p:ext uri="{BB962C8B-B14F-4D97-AF65-F5344CB8AC3E}">
-        <p14:creationId xmlns:p14="http://schemas.microsoft.com/office/powerpoint/2010/main" val="1398368944"/>
+        <p14:creationId xmlns:p14="http://schemas.microsoft.com/office/powerpoint/2010/main" val="517672794"/>
       </p:ext>
     </p:extLst>
   </p:cSld>
@@ -4835,7 +4620,37 @@
       </p:grpSpPr>
       <p:sp>
         <p:nvSpPr>
-          <p:cNvPr id="5" name="제목 4"/>
+          <p:cNvPr id="3" name="슬라이드 번호 개체 틀 2"/>
+          <p:cNvSpPr>
+            <a:spLocks noGrp="1"/>
+          </p:cNvSpPr>
+          <p:nvPr>
+            <p:ph type="sldNum" sz="quarter" idx="12"/>
+          </p:nvPr>
+        </p:nvSpPr>
+        <p:spPr/>
+        <p:txBody>
+          <a:bodyPr/>
+          <a:lstStyle/>
+          <a:p>
+            <a:fld id="{6DDAE2C3-1A0B-474A-8CE8-AE55B8D9D4B1}" type="slidenum">
+              <a:rPr lang="ko-KR" altLang="en-US" smtClean="0"/>
+              <a:pPr/>
+              <a:t>13</a:t>
+            </a:fld>
+            <a:endParaRPr lang="ko-KR" altLang="en-US" dirty="0"/>
+          </a:p>
+        </p:txBody>
+      </p:sp>
+      <p:sp>
+        <p:nvSpPr>
+          <p:cNvPr id="8" name="제목 4">
+            <a:extLst>
+              <a:ext uri="{FF2B5EF4-FFF2-40B4-BE49-F238E27FC236}">
+                <a16:creationId xmlns:a16="http://schemas.microsoft.com/office/drawing/2014/main" id="{8FE32074-AF17-44A3-B3EB-DC631A3C934F}"/>
+              </a:ext>
+            </a:extLst>
+          </p:cNvPr>
           <p:cNvSpPr>
             <a:spLocks noGrp="1"/>
           </p:cNvSpPr>
@@ -4845,8 +4660,8 @@
         </p:nvSpPr>
         <p:spPr>
           <a:xfrm>
-            <a:off x="608016" y="551987"/>
-            <a:ext cx="10944225" cy="1140090"/>
+            <a:off x="608012" y="539949"/>
+            <a:ext cx="10944225" cy="2016224"/>
           </a:xfrm>
         </p:spPr>
         <p:txBody>
@@ -4867,7 +4682,7 @@
                 <a:latin typeface="Noto Sans CJK KR Black" pitchFamily="34" charset="-127"/>
                 <a:ea typeface="Noto Sans CJK KR Black" pitchFamily="34" charset="-127"/>
               </a:rPr>
-              <a:t>1. </a:t>
+              <a:t>2. </a:t>
             </a:r>
             <a:r>
               <a:rPr lang="ko-KR" altLang="en-US" sz="4400" dirty="0">
@@ -4880,7 +4695,20 @@
                 <a:latin typeface="Noto Sans CJK KR Black" pitchFamily="34" charset="-127"/>
                 <a:ea typeface="Noto Sans CJK KR Black" pitchFamily="34" charset="-127"/>
               </a:rPr>
-              <a:t>비교위한 </a:t>
+              <a:t>시계열</a:t>
+            </a:r>
+            <a:r>
+              <a:rPr lang="en-US" altLang="ko-KR" sz="4400" dirty="0">
+                <a:solidFill>
+                  <a:schemeClr val="tx1">
+                    <a:lumMod val="75000"/>
+                    <a:lumOff val="25000"/>
+                  </a:schemeClr>
+                </a:solidFill>
+                <a:latin typeface="Noto Sans CJK KR Black" pitchFamily="34" charset="-127"/>
+                <a:ea typeface="Noto Sans CJK KR Black" pitchFamily="34" charset="-127"/>
+              </a:rPr>
+              <a:t> </a:t>
             </a:r>
             <a:br>
               <a:rPr lang="en-US" altLang="ko-KR" sz="4400" dirty="0">
@@ -4895,6 +4723,19 @@
               </a:rPr>
             </a:br>
             <a:r>
+              <a:rPr lang="ko-KR" altLang="en-US" sz="4400" dirty="0">
+                <a:solidFill>
+                  <a:schemeClr val="tx1">
+                    <a:lumMod val="75000"/>
+                    <a:lumOff val="25000"/>
+                  </a:schemeClr>
+                </a:solidFill>
+                <a:latin typeface="Noto Sans CJK KR Black" pitchFamily="34" charset="-127"/>
+                <a:ea typeface="Noto Sans CJK KR Black" pitchFamily="34" charset="-127"/>
+              </a:rPr>
+              <a:t>데이터 분석과 </a:t>
+            </a:r>
+            <a:br>
               <a:rPr lang="en-US" altLang="ko-KR" sz="4400" dirty="0">
                 <a:solidFill>
                   <a:schemeClr val="tx1">
@@ -4905,8 +4746,7 @@
                 <a:latin typeface="Noto Sans CJK KR Black" pitchFamily="34" charset="-127"/>
                 <a:ea typeface="Noto Sans CJK KR Black" pitchFamily="34" charset="-127"/>
               </a:rPr>
-              <a:t>“</a:t>
-            </a:r>
+            </a:br>
             <a:r>
               <a:rPr lang="ko-KR" altLang="en-US" sz="4400" dirty="0">
                 <a:solidFill>
@@ -4918,20 +4758,7 @@
                 <a:latin typeface="Noto Sans CJK KR Black" pitchFamily="34" charset="-127"/>
                 <a:ea typeface="Noto Sans CJK KR Black" pitchFamily="34" charset="-127"/>
               </a:rPr>
-              <a:t>회귀분석</a:t>
-            </a:r>
-            <a:r>
-              <a:rPr lang="en-US" altLang="ko-KR" sz="4400" dirty="0">
-                <a:solidFill>
-                  <a:schemeClr val="tx1">
-                    <a:lumMod val="75000"/>
-                    <a:lumOff val="25000"/>
-                  </a:schemeClr>
-                </a:solidFill>
-                <a:latin typeface="Noto Sans CJK KR Black" pitchFamily="34" charset="-127"/>
-                <a:ea typeface="Noto Sans CJK KR Black" pitchFamily="34" charset="-127"/>
-              </a:rPr>
-              <a:t>”</a:t>
+              <a:t>기계학습의 차이</a:t>
             </a:r>
             <a:endParaRPr lang="ko-KR" altLang="en-US" sz="4400" dirty="0">
               <a:solidFill>
@@ -4944,36 +4771,12 @@
           </a:p>
         </p:txBody>
       </p:sp>
-      <p:sp>
-        <p:nvSpPr>
-          <p:cNvPr id="3" name="슬라이드 번호 개체 틀 2"/>
-          <p:cNvSpPr>
-            <a:spLocks noGrp="1"/>
-          </p:cNvSpPr>
-          <p:nvPr>
-            <p:ph type="sldNum" sz="quarter" idx="12"/>
-          </p:nvPr>
-        </p:nvSpPr>
-        <p:spPr/>
-        <p:txBody>
-          <a:bodyPr/>
-          <a:lstStyle/>
-          <a:p>
-            <a:fld id="{6DDAE2C3-1A0B-474A-8CE8-AE55B8D9D4B1}" type="slidenum">
-              <a:rPr lang="ko-KR" altLang="en-US" smtClean="0"/>
-              <a:pPr/>
-              <a:t>13</a:t>
-            </a:fld>
-            <a:endParaRPr lang="ko-KR" altLang="en-US" dirty="0"/>
-          </a:p>
-        </p:txBody>
-      </p:sp>
       <p:pic>
         <p:nvPicPr>
           <p:cNvPr id="2" name="그림 1">
             <a:extLst>
               <a:ext uri="{FF2B5EF4-FFF2-40B4-BE49-F238E27FC236}">
-                <a16:creationId xmlns:a16="http://schemas.microsoft.com/office/drawing/2014/main" id="{A10FD44F-E4A2-4311-96E1-5B38664E408E}"/>
+                <a16:creationId xmlns:a16="http://schemas.microsoft.com/office/drawing/2014/main" id="{BF929780-24F7-427A-9794-1F03F10FE235}"/>
               </a:ext>
             </a:extLst>
           </p:cNvPr>
@@ -4990,8 +4793,8 @@
         </p:blipFill>
         <p:spPr>
           <a:xfrm>
-            <a:off x="4351933" y="415131"/>
-            <a:ext cx="6877050" cy="6010275"/>
+            <a:off x="5126112" y="2444"/>
+            <a:ext cx="7034138" cy="6840538"/>
           </a:xfrm>
           <a:prstGeom prst="rect">
             <a:avLst/>
@@ -5001,7 +4804,7 @@
     </p:spTree>
     <p:extLst>
       <p:ext uri="{BB962C8B-B14F-4D97-AF65-F5344CB8AC3E}">
-        <p14:creationId xmlns:p14="http://schemas.microsoft.com/office/powerpoint/2010/main" val="505951678"/>
+        <p14:creationId xmlns:p14="http://schemas.microsoft.com/office/powerpoint/2010/main" val="2536337966"/>
       </p:ext>
     </p:extLst>
   </p:cSld>
@@ -5040,7 +4843,7 @@
         </p:nvSpPr>
         <p:spPr>
           <a:xfrm>
-            <a:off x="608016" y="551987"/>
+            <a:off x="608012" y="539949"/>
             <a:ext cx="10944225" cy="1140090"/>
           </a:xfrm>
         </p:spPr>
@@ -5062,7 +4865,7 @@
                 <a:latin typeface="Noto Sans CJK KR Black" pitchFamily="34" charset="-127"/>
                 <a:ea typeface="Noto Sans CJK KR Black" pitchFamily="34" charset="-127"/>
               </a:rPr>
-              <a:t>1. </a:t>
+              <a:t>2. </a:t>
             </a:r>
             <a:r>
               <a:rPr lang="ko-KR" altLang="en-US" sz="4400" dirty="0">
@@ -5075,7 +4878,7 @@
                 <a:latin typeface="Noto Sans CJK KR Black" pitchFamily="34" charset="-127"/>
                 <a:ea typeface="Noto Sans CJK KR Black" pitchFamily="34" charset="-127"/>
               </a:rPr>
-              <a:t>비교위한 </a:t>
+              <a:t>시계열</a:t>
             </a:r>
             <a:r>
               <a:rPr lang="en-US" altLang="ko-KR" sz="4400" dirty="0">
@@ -5088,7 +4891,7 @@
                 <a:latin typeface="Noto Sans CJK KR Black" pitchFamily="34" charset="-127"/>
                 <a:ea typeface="Noto Sans CJK KR Black" pitchFamily="34" charset="-127"/>
               </a:rPr>
-              <a:t>“</a:t>
+              <a:t> </a:t>
             </a:r>
             <a:r>
               <a:rPr lang="ko-KR" altLang="en-US" sz="4400" dirty="0">
@@ -5101,7 +4904,7 @@
                 <a:latin typeface="Noto Sans CJK KR Black" pitchFamily="34" charset="-127"/>
                 <a:ea typeface="Noto Sans CJK KR Black" pitchFamily="34" charset="-127"/>
               </a:rPr>
-              <a:t>회귀분석</a:t>
+              <a:t>데이터</a:t>
             </a:r>
             <a:r>
               <a:rPr lang="en-US" altLang="ko-KR" sz="4400" dirty="0">
@@ -5114,7 +4917,20 @@
                 <a:latin typeface="Noto Sans CJK KR Black" pitchFamily="34" charset="-127"/>
                 <a:ea typeface="Noto Sans CJK KR Black" pitchFamily="34" charset="-127"/>
               </a:rPr>
-              <a:t>”</a:t>
+              <a:t>/</a:t>
+            </a:r>
+            <a:r>
+              <a:rPr lang="ko-KR" altLang="en-US" sz="4400" dirty="0">
+                <a:solidFill>
+                  <a:schemeClr val="tx1">
+                    <a:lumMod val="75000"/>
+                    <a:lumOff val="25000"/>
+                  </a:schemeClr>
+                </a:solidFill>
+                <a:latin typeface="Noto Sans CJK KR Black" pitchFamily="34" charset="-127"/>
+                <a:ea typeface="Noto Sans CJK KR Black" pitchFamily="34" charset="-127"/>
+              </a:rPr>
+              <a:t>분석과 기계학습의 차이</a:t>
             </a:r>
             <a:endParaRPr lang="ko-KR" altLang="en-US" sz="4400" dirty="0">
               <a:solidFill>
@@ -5156,7 +4972,7 @@
           <p:cNvPr id="2" name="그림 1">
             <a:extLst>
               <a:ext uri="{FF2B5EF4-FFF2-40B4-BE49-F238E27FC236}">
-                <a16:creationId xmlns:a16="http://schemas.microsoft.com/office/drawing/2014/main" id="{54D7DD8C-5660-4F78-A156-0603FC52A50B}"/>
+                <a16:creationId xmlns:a16="http://schemas.microsoft.com/office/drawing/2014/main" id="{81FD3A39-1E3B-4855-9745-83826EBD1D75}"/>
               </a:ext>
             </a:extLst>
           </p:cNvPr>
@@ -5173,8 +4989,8 @@
         </p:blipFill>
         <p:spPr>
           <a:xfrm>
-            <a:off x="3268423" y="2628181"/>
-            <a:ext cx="5623404" cy="2340843"/>
+            <a:off x="1922461" y="2268141"/>
+            <a:ext cx="8315325" cy="3076575"/>
           </a:xfrm>
           <a:prstGeom prst="rect">
             <a:avLst/>
@@ -5184,7 +5000,7 @@
     </p:spTree>
     <p:extLst>
       <p:ext uri="{BB962C8B-B14F-4D97-AF65-F5344CB8AC3E}">
-        <p14:creationId xmlns:p14="http://schemas.microsoft.com/office/powerpoint/2010/main" val="2187027125"/>
+        <p14:creationId xmlns:p14="http://schemas.microsoft.com/office/powerpoint/2010/main" val="3258086739"/>
       </p:ext>
     </p:extLst>
   </p:cSld>
@@ -5223,7 +5039,7 @@
         </p:nvSpPr>
         <p:spPr>
           <a:xfrm>
-            <a:off x="608016" y="551987"/>
+            <a:off x="608012" y="539949"/>
             <a:ext cx="10944225" cy="1140090"/>
           </a:xfrm>
         </p:spPr>
@@ -5258,7 +5074,59 @@
                 <a:latin typeface="Noto Sans CJK KR Black" pitchFamily="34" charset="-127"/>
                 <a:ea typeface="Noto Sans CJK KR Black" pitchFamily="34" charset="-127"/>
               </a:rPr>
-              <a:t>분석 주 사용 패키지</a:t>
+              <a:t>시계열</a:t>
+            </a:r>
+            <a:r>
+              <a:rPr lang="en-US" altLang="ko-KR" sz="4400" dirty="0">
+                <a:solidFill>
+                  <a:schemeClr val="tx1">
+                    <a:lumMod val="75000"/>
+                    <a:lumOff val="25000"/>
+                  </a:schemeClr>
+                </a:solidFill>
+                <a:latin typeface="Noto Sans CJK KR Black" pitchFamily="34" charset="-127"/>
+                <a:ea typeface="Noto Sans CJK KR Black" pitchFamily="34" charset="-127"/>
+              </a:rPr>
+              <a:t> </a:t>
+            </a:r>
+            <a:r>
+              <a:rPr lang="ko-KR" altLang="en-US" sz="4400" dirty="0">
+                <a:solidFill>
+                  <a:schemeClr val="tx1">
+                    <a:lumMod val="75000"/>
+                    <a:lumOff val="25000"/>
+                  </a:schemeClr>
+                </a:solidFill>
+                <a:latin typeface="Noto Sans CJK KR Black" pitchFamily="34" charset="-127"/>
+                <a:ea typeface="Noto Sans CJK KR Black" pitchFamily="34" charset="-127"/>
+              </a:rPr>
+              <a:t>데이터</a:t>
+            </a:r>
+            <a:r>
+              <a:rPr lang="en-US" altLang="ko-KR" sz="4400" dirty="0">
+                <a:solidFill>
+                  <a:schemeClr val="tx1">
+                    <a:lumMod val="75000"/>
+                    <a:lumOff val="25000"/>
+                  </a:schemeClr>
+                </a:solidFill>
+                <a:latin typeface="Noto Sans CJK KR Black" pitchFamily="34" charset="-127"/>
+                <a:ea typeface="Noto Sans CJK KR Black" pitchFamily="34" charset="-127"/>
+              </a:rPr>
+              <a:t>/</a:t>
+            </a:r>
+            <a:r>
+              <a:rPr lang="ko-KR" altLang="en-US" sz="4400" dirty="0">
+                <a:solidFill>
+                  <a:schemeClr val="tx1">
+                    <a:lumMod val="75000"/>
+                    <a:lumOff val="25000"/>
+                  </a:schemeClr>
+                </a:solidFill>
+                <a:latin typeface="Noto Sans CJK KR Black" pitchFamily="34" charset="-127"/>
+                <a:ea typeface="Noto Sans CJK KR Black" pitchFamily="34" charset="-127"/>
+              </a:rPr>
+              <a:t>분석과 기계학습의 차이</a:t>
             </a:r>
             <a:endParaRPr lang="ko-KR" altLang="en-US" sz="4400" dirty="0">
               <a:solidFill>
@@ -5300,7 +5168,7 @@
           <p:cNvPr id="2" name="그림 1">
             <a:extLst>
               <a:ext uri="{FF2B5EF4-FFF2-40B4-BE49-F238E27FC236}">
-                <a16:creationId xmlns:a16="http://schemas.microsoft.com/office/drawing/2014/main" id="{1487B8EB-AB96-4819-B801-225C39492202}"/>
+                <a16:creationId xmlns:a16="http://schemas.microsoft.com/office/drawing/2014/main" id="{6ABD766E-D4BF-4FCC-9A92-D1E5398F12BF}"/>
               </a:ext>
             </a:extLst>
           </p:cNvPr>
@@ -5317,8 +5185,8 @@
         </p:blipFill>
         <p:spPr>
           <a:xfrm>
-            <a:off x="1617662" y="1379625"/>
-            <a:ext cx="8924925" cy="5305425"/>
+            <a:off x="1955799" y="1680039"/>
+            <a:ext cx="8248650" cy="4819650"/>
           </a:xfrm>
           <a:prstGeom prst="rect">
             <a:avLst/>
@@ -5328,7 +5196,7 @@
     </p:spTree>
     <p:extLst>
       <p:ext uri="{BB962C8B-B14F-4D97-AF65-F5344CB8AC3E}">
-        <p14:creationId xmlns:p14="http://schemas.microsoft.com/office/powerpoint/2010/main" val="203672146"/>
+        <p14:creationId xmlns:p14="http://schemas.microsoft.com/office/powerpoint/2010/main" val="922118396"/>
       </p:ext>
     </p:extLst>
   </p:cSld>
@@ -5367,7 +5235,7 @@
         </p:nvSpPr>
         <p:spPr>
           <a:xfrm>
-            <a:off x="608016" y="551987"/>
+            <a:off x="608012" y="539949"/>
             <a:ext cx="10944225" cy="1140090"/>
           </a:xfrm>
         </p:spPr>
@@ -5402,7 +5270,59 @@
                 <a:latin typeface="Noto Sans CJK KR Black" pitchFamily="34" charset="-127"/>
                 <a:ea typeface="Noto Sans CJK KR Black" pitchFamily="34" charset="-127"/>
               </a:rPr>
-              <a:t>분석 주 사용 패키지</a:t>
+              <a:t>시계열</a:t>
+            </a:r>
+            <a:r>
+              <a:rPr lang="en-US" altLang="ko-KR" sz="4400" dirty="0">
+                <a:solidFill>
+                  <a:schemeClr val="tx1">
+                    <a:lumMod val="75000"/>
+                    <a:lumOff val="25000"/>
+                  </a:schemeClr>
+                </a:solidFill>
+                <a:latin typeface="Noto Sans CJK KR Black" pitchFamily="34" charset="-127"/>
+                <a:ea typeface="Noto Sans CJK KR Black" pitchFamily="34" charset="-127"/>
+              </a:rPr>
+              <a:t> </a:t>
+            </a:r>
+            <a:r>
+              <a:rPr lang="ko-KR" altLang="en-US" sz="4400" dirty="0">
+                <a:solidFill>
+                  <a:schemeClr val="tx1">
+                    <a:lumMod val="75000"/>
+                    <a:lumOff val="25000"/>
+                  </a:schemeClr>
+                </a:solidFill>
+                <a:latin typeface="Noto Sans CJK KR Black" pitchFamily="34" charset="-127"/>
+                <a:ea typeface="Noto Sans CJK KR Black" pitchFamily="34" charset="-127"/>
+              </a:rPr>
+              <a:t>데이터</a:t>
+            </a:r>
+            <a:r>
+              <a:rPr lang="en-US" altLang="ko-KR" sz="4400" dirty="0">
+                <a:solidFill>
+                  <a:schemeClr val="tx1">
+                    <a:lumMod val="75000"/>
+                    <a:lumOff val="25000"/>
+                  </a:schemeClr>
+                </a:solidFill>
+                <a:latin typeface="Noto Sans CJK KR Black" pitchFamily="34" charset="-127"/>
+                <a:ea typeface="Noto Sans CJK KR Black" pitchFamily="34" charset="-127"/>
+              </a:rPr>
+              <a:t>/</a:t>
+            </a:r>
+            <a:r>
+              <a:rPr lang="ko-KR" altLang="en-US" sz="4400" dirty="0">
+                <a:solidFill>
+                  <a:schemeClr val="tx1">
+                    <a:lumMod val="75000"/>
+                    <a:lumOff val="25000"/>
+                  </a:schemeClr>
+                </a:solidFill>
+                <a:latin typeface="Noto Sans CJK KR Black" pitchFamily="34" charset="-127"/>
+                <a:ea typeface="Noto Sans CJK KR Black" pitchFamily="34" charset="-127"/>
+              </a:rPr>
+              <a:t>분석과 기계학습의 차이</a:t>
             </a:r>
             <a:endParaRPr lang="ko-KR" altLang="en-US" sz="4400" dirty="0">
               <a:solidFill>
@@ -5444,7 +5364,7 @@
           <p:cNvPr id="2" name="그림 1">
             <a:extLst>
               <a:ext uri="{FF2B5EF4-FFF2-40B4-BE49-F238E27FC236}">
-                <a16:creationId xmlns:a16="http://schemas.microsoft.com/office/drawing/2014/main" id="{02DD1F47-A962-4528-9EC6-BDAD2FB21CA9}"/>
+                <a16:creationId xmlns:a16="http://schemas.microsoft.com/office/drawing/2014/main" id="{111B3F5E-4F15-470E-AB2E-DAD5DCE2EBF0}"/>
               </a:ext>
             </a:extLst>
           </p:cNvPr>
@@ -5461,8 +5381,8 @@
         </p:blipFill>
         <p:spPr>
           <a:xfrm>
-            <a:off x="6512173" y="33251"/>
-            <a:ext cx="4895850" cy="6686550"/>
+            <a:off x="3536949" y="1717118"/>
+            <a:ext cx="5086350" cy="5019675"/>
           </a:xfrm>
           <a:prstGeom prst="rect">
             <a:avLst/>
@@ -5472,7 +5392,7 @@
     </p:spTree>
     <p:extLst>
       <p:ext uri="{BB962C8B-B14F-4D97-AF65-F5344CB8AC3E}">
-        <p14:creationId xmlns:p14="http://schemas.microsoft.com/office/powerpoint/2010/main" val="1028182765"/>
+        <p14:creationId xmlns:p14="http://schemas.microsoft.com/office/powerpoint/2010/main" val="308937018"/>
       </p:ext>
     </p:extLst>
   </p:cSld>
@@ -5511,7 +5431,7 @@
         </p:nvSpPr>
         <p:spPr>
           <a:xfrm>
-            <a:off x="608016" y="551987"/>
+            <a:off x="608012" y="539949"/>
             <a:ext cx="10944225" cy="1140090"/>
           </a:xfrm>
         </p:spPr>
@@ -5533,7 +5453,7 @@
                 <a:latin typeface="Noto Sans CJK KR Black" pitchFamily="34" charset="-127"/>
                 <a:ea typeface="Noto Sans CJK KR Black" pitchFamily="34" charset="-127"/>
               </a:rPr>
-              <a:t>3. </a:t>
+              <a:t>2. </a:t>
             </a:r>
             <a:r>
               <a:rPr lang="ko-KR" altLang="en-US" sz="4400" dirty="0">
@@ -5546,7 +5466,59 @@
                 <a:latin typeface="Noto Sans CJK KR Black" pitchFamily="34" charset="-127"/>
                 <a:ea typeface="Noto Sans CJK KR Black" pitchFamily="34" charset="-127"/>
               </a:rPr>
-              <a:t>데이터준비 방향</a:t>
+              <a:t>시계열</a:t>
+            </a:r>
+            <a:r>
+              <a:rPr lang="en-US" altLang="ko-KR" sz="4400" dirty="0">
+                <a:solidFill>
+                  <a:schemeClr val="tx1">
+                    <a:lumMod val="75000"/>
+                    <a:lumOff val="25000"/>
+                  </a:schemeClr>
+                </a:solidFill>
+                <a:latin typeface="Noto Sans CJK KR Black" pitchFamily="34" charset="-127"/>
+                <a:ea typeface="Noto Sans CJK KR Black" pitchFamily="34" charset="-127"/>
+              </a:rPr>
+              <a:t> </a:t>
+            </a:r>
+            <a:r>
+              <a:rPr lang="ko-KR" altLang="en-US" sz="4400" dirty="0">
+                <a:solidFill>
+                  <a:schemeClr val="tx1">
+                    <a:lumMod val="75000"/>
+                    <a:lumOff val="25000"/>
+                  </a:schemeClr>
+                </a:solidFill>
+                <a:latin typeface="Noto Sans CJK KR Black" pitchFamily="34" charset="-127"/>
+                <a:ea typeface="Noto Sans CJK KR Black" pitchFamily="34" charset="-127"/>
+              </a:rPr>
+              <a:t>데이터</a:t>
+            </a:r>
+            <a:r>
+              <a:rPr lang="en-US" altLang="ko-KR" sz="4400" dirty="0">
+                <a:solidFill>
+                  <a:schemeClr val="tx1">
+                    <a:lumMod val="75000"/>
+                    <a:lumOff val="25000"/>
+                  </a:schemeClr>
+                </a:solidFill>
+                <a:latin typeface="Noto Sans CJK KR Black" pitchFamily="34" charset="-127"/>
+                <a:ea typeface="Noto Sans CJK KR Black" pitchFamily="34" charset="-127"/>
+              </a:rPr>
+              <a:t>/</a:t>
+            </a:r>
+            <a:r>
+              <a:rPr lang="ko-KR" altLang="en-US" sz="4400" dirty="0">
+                <a:solidFill>
+                  <a:schemeClr val="tx1">
+                    <a:lumMod val="75000"/>
+                    <a:lumOff val="25000"/>
+                  </a:schemeClr>
+                </a:solidFill>
+                <a:latin typeface="Noto Sans CJK KR Black" pitchFamily="34" charset="-127"/>
+                <a:ea typeface="Noto Sans CJK KR Black" pitchFamily="34" charset="-127"/>
+              </a:rPr>
+              <a:t>분석과 기계학습의 차이</a:t>
             </a:r>
             <a:endParaRPr lang="ko-KR" altLang="en-US" sz="4400" dirty="0">
               <a:solidFill>
@@ -5588,7 +5560,7 @@
           <p:cNvPr id="2" name="그림 1">
             <a:extLst>
               <a:ext uri="{FF2B5EF4-FFF2-40B4-BE49-F238E27FC236}">
-                <a16:creationId xmlns:a16="http://schemas.microsoft.com/office/drawing/2014/main" id="{CD56913B-4F4A-4315-8F9E-54DFF027EF3F}"/>
+                <a16:creationId xmlns:a16="http://schemas.microsoft.com/office/drawing/2014/main" id="{896DA6FD-D600-49DF-8EE3-1F5C537C86FB}"/>
               </a:ext>
             </a:extLst>
           </p:cNvPr>
@@ -5605,8 +5577,8 @@
         </p:blipFill>
         <p:spPr>
           <a:xfrm>
-            <a:off x="2147006" y="1776124"/>
-            <a:ext cx="7866238" cy="4596474"/>
+            <a:off x="2184399" y="2419305"/>
+            <a:ext cx="7791450" cy="3095625"/>
           </a:xfrm>
           <a:prstGeom prst="rect">
             <a:avLst/>
@@ -5616,7 +5588,7 @@
     </p:spTree>
     <p:extLst>
       <p:ext uri="{BB962C8B-B14F-4D97-AF65-F5344CB8AC3E}">
-        <p14:creationId xmlns:p14="http://schemas.microsoft.com/office/powerpoint/2010/main" val="2672014530"/>
+        <p14:creationId xmlns:p14="http://schemas.microsoft.com/office/powerpoint/2010/main" val="4051811342"/>
       </p:ext>
     </p:extLst>
   </p:cSld>
@@ -5655,7 +5627,7 @@
         </p:nvSpPr>
         <p:spPr>
           <a:xfrm>
-            <a:off x="608016" y="551987"/>
+            <a:off x="608012" y="539949"/>
             <a:ext cx="10944225" cy="1140090"/>
           </a:xfrm>
         </p:spPr>
@@ -5677,7 +5649,7 @@
                 <a:latin typeface="Noto Sans CJK KR Black" pitchFamily="34" charset="-127"/>
                 <a:ea typeface="Noto Sans CJK KR Black" pitchFamily="34" charset="-127"/>
               </a:rPr>
-              <a:t>3. </a:t>
+              <a:t>2. </a:t>
             </a:r>
             <a:r>
               <a:rPr lang="ko-KR" altLang="en-US" sz="4400" dirty="0">
@@ -5690,7 +5662,59 @@
                 <a:latin typeface="Noto Sans CJK KR Black" pitchFamily="34" charset="-127"/>
                 <a:ea typeface="Noto Sans CJK KR Black" pitchFamily="34" charset="-127"/>
               </a:rPr>
-              <a:t>데이터준비 방향</a:t>
+              <a:t>시계열</a:t>
+            </a:r>
+            <a:r>
+              <a:rPr lang="en-US" altLang="ko-KR" sz="4400" dirty="0">
+                <a:solidFill>
+                  <a:schemeClr val="tx1">
+                    <a:lumMod val="75000"/>
+                    <a:lumOff val="25000"/>
+                  </a:schemeClr>
+                </a:solidFill>
+                <a:latin typeface="Noto Sans CJK KR Black" pitchFamily="34" charset="-127"/>
+                <a:ea typeface="Noto Sans CJK KR Black" pitchFamily="34" charset="-127"/>
+              </a:rPr>
+              <a:t> </a:t>
+            </a:r>
+            <a:r>
+              <a:rPr lang="ko-KR" altLang="en-US" sz="4400" dirty="0">
+                <a:solidFill>
+                  <a:schemeClr val="tx1">
+                    <a:lumMod val="75000"/>
+                    <a:lumOff val="25000"/>
+                  </a:schemeClr>
+                </a:solidFill>
+                <a:latin typeface="Noto Sans CJK KR Black" pitchFamily="34" charset="-127"/>
+                <a:ea typeface="Noto Sans CJK KR Black" pitchFamily="34" charset="-127"/>
+              </a:rPr>
+              <a:t>데이터</a:t>
+            </a:r>
+            <a:r>
+              <a:rPr lang="en-US" altLang="ko-KR" sz="4400" dirty="0">
+                <a:solidFill>
+                  <a:schemeClr val="tx1">
+                    <a:lumMod val="75000"/>
+                    <a:lumOff val="25000"/>
+                  </a:schemeClr>
+                </a:solidFill>
+                <a:latin typeface="Noto Sans CJK KR Black" pitchFamily="34" charset="-127"/>
+                <a:ea typeface="Noto Sans CJK KR Black" pitchFamily="34" charset="-127"/>
+              </a:rPr>
+              <a:t>/</a:t>
+            </a:r>
+            <a:r>
+              <a:rPr lang="ko-KR" altLang="en-US" sz="4400" dirty="0">
+                <a:solidFill>
+                  <a:schemeClr val="tx1">
+                    <a:lumMod val="75000"/>
+                    <a:lumOff val="25000"/>
+                  </a:schemeClr>
+                </a:solidFill>
+                <a:latin typeface="Noto Sans CJK KR Black" pitchFamily="34" charset="-127"/>
+                <a:ea typeface="Noto Sans CJK KR Black" pitchFamily="34" charset="-127"/>
+              </a:rPr>
+              <a:t>분석과 기계학습의 차이</a:t>
             </a:r>
             <a:endParaRPr lang="ko-KR" altLang="en-US" sz="4400" dirty="0">
               <a:solidFill>
@@ -5732,7 +5756,7 @@
           <p:cNvPr id="2" name="그림 1">
             <a:extLst>
               <a:ext uri="{FF2B5EF4-FFF2-40B4-BE49-F238E27FC236}">
-                <a16:creationId xmlns:a16="http://schemas.microsoft.com/office/drawing/2014/main" id="{9A5B2AFC-5721-4DE8-A955-195262836D82}"/>
+                <a16:creationId xmlns:a16="http://schemas.microsoft.com/office/drawing/2014/main" id="{48C9E896-BB77-44F1-8DF9-A5F672AE6451}"/>
               </a:ext>
             </a:extLst>
           </p:cNvPr>
@@ -5749,8 +5773,8 @@
         </p:blipFill>
         <p:spPr>
           <a:xfrm>
-            <a:off x="2636837" y="1382713"/>
-            <a:ext cx="6886575" cy="5457825"/>
+            <a:off x="2360611" y="2272381"/>
+            <a:ext cx="7439025" cy="3505200"/>
           </a:xfrm>
           <a:prstGeom prst="rect">
             <a:avLst/>
@@ -5760,7 +5784,7 @@
     </p:spTree>
     <p:extLst>
       <p:ext uri="{BB962C8B-B14F-4D97-AF65-F5344CB8AC3E}">
-        <p14:creationId xmlns:p14="http://schemas.microsoft.com/office/powerpoint/2010/main" val="3349304281"/>
+        <p14:creationId xmlns:p14="http://schemas.microsoft.com/office/powerpoint/2010/main" val="300079036"/>
       </p:ext>
     </p:extLst>
   </p:cSld>
@@ -5799,7 +5823,7 @@
         </p:nvSpPr>
         <p:spPr>
           <a:xfrm>
-            <a:off x="608016" y="551987"/>
+            <a:off x="608012" y="539949"/>
             <a:ext cx="10944225" cy="1140090"/>
           </a:xfrm>
         </p:spPr>
@@ -5821,20 +5845,7 @@
                 <a:latin typeface="Noto Sans CJK KR Black" pitchFamily="34" charset="-127"/>
                 <a:ea typeface="Noto Sans CJK KR Black" pitchFamily="34" charset="-127"/>
               </a:rPr>
-              <a:t>4. </a:t>
-            </a:r>
-            <a:r>
-              <a:rPr lang="ko-KR" altLang="en-US" sz="4400" dirty="0" err="1">
-                <a:solidFill>
-                  <a:schemeClr val="tx1">
-                    <a:lumMod val="75000"/>
-                    <a:lumOff val="25000"/>
-                  </a:schemeClr>
-                </a:solidFill>
-                <a:latin typeface="Noto Sans CJK KR Black" pitchFamily="34" charset="-127"/>
-                <a:ea typeface="Noto Sans CJK KR Black" pitchFamily="34" charset="-127"/>
-              </a:rPr>
-              <a:t>전처리</a:t>
+              <a:t>3. (</a:t>
             </a:r>
             <a:r>
               <a:rPr lang="ko-KR" altLang="en-US" sz="4400" dirty="0">
@@ -5847,7 +5858,33 @@
                 <a:latin typeface="Noto Sans CJK KR Black" pitchFamily="34" charset="-127"/>
                 <a:ea typeface="Noto Sans CJK KR Black" pitchFamily="34" charset="-127"/>
               </a:rPr>
-              <a:t> 방향</a:t>
+              <a:t>시계열</a:t>
+            </a:r>
+            <a:r>
+              <a:rPr lang="en-US" altLang="ko-KR" sz="4400" dirty="0">
+                <a:solidFill>
+                  <a:schemeClr val="tx1">
+                    <a:lumMod val="75000"/>
+                    <a:lumOff val="25000"/>
+                  </a:schemeClr>
+                </a:solidFill>
+                <a:latin typeface="Noto Sans CJK KR Black" pitchFamily="34" charset="-127"/>
+                <a:ea typeface="Noto Sans CJK KR Black" pitchFamily="34" charset="-127"/>
+              </a:rPr>
+              <a:t>) </a:t>
+            </a:r>
+            <a:r>
+              <a:rPr lang="ko-KR" altLang="en-US" sz="4400" dirty="0">
+                <a:solidFill>
+                  <a:schemeClr val="tx1">
+                    <a:lumMod val="75000"/>
+                    <a:lumOff val="25000"/>
+                  </a:schemeClr>
+                </a:solidFill>
+                <a:latin typeface="Noto Sans CJK KR Black" pitchFamily="34" charset="-127"/>
+                <a:ea typeface="Noto Sans CJK KR Black" pitchFamily="34" charset="-127"/>
+              </a:rPr>
+              <a:t>회귀분석 요약</a:t>
             </a:r>
             <a:endParaRPr lang="ko-KR" altLang="en-US" sz="4400" dirty="0">
               <a:solidFill>
@@ -5886,10 +5923,10 @@
       </p:sp>
       <p:pic>
         <p:nvPicPr>
-          <p:cNvPr id="2" name="그림 1">
+          <p:cNvPr id="4" name="그림 3">
             <a:extLst>
               <a:ext uri="{FF2B5EF4-FFF2-40B4-BE49-F238E27FC236}">
-                <a16:creationId xmlns:a16="http://schemas.microsoft.com/office/drawing/2014/main" id="{C5AE5AFD-E1E9-48CA-880E-6050D0748E8E}"/>
+                <a16:creationId xmlns:a16="http://schemas.microsoft.com/office/drawing/2014/main" id="{6838C565-F0A9-4356-A602-83D0FEA80C22}"/>
               </a:ext>
             </a:extLst>
           </p:cNvPr>
@@ -5906,38 +5943,8 @@
         </p:blipFill>
         <p:spPr>
           <a:xfrm>
-            <a:off x="1456810" y="1689984"/>
-            <a:ext cx="9246629" cy="3229521"/>
-          </a:xfrm>
-          <a:prstGeom prst="rect">
-            <a:avLst/>
-          </a:prstGeom>
-        </p:spPr>
-      </p:pic>
-      <p:pic>
-        <p:nvPicPr>
-          <p:cNvPr id="4" name="그림 3">
-            <a:extLst>
-              <a:ext uri="{FF2B5EF4-FFF2-40B4-BE49-F238E27FC236}">
-                <a16:creationId xmlns:a16="http://schemas.microsoft.com/office/drawing/2014/main" id="{DCE5D5A2-155C-4114-B183-2B7BF9DD80E0}"/>
-              </a:ext>
-            </a:extLst>
-          </p:cNvPr>
-          <p:cNvPicPr>
-            <a:picLocks noChangeAspect="1"/>
-          </p:cNvPicPr>
-          <p:nvPr/>
-        </p:nvPicPr>
-        <p:blipFill>
-          <a:blip r:embed="rId3"/>
-          <a:stretch>
-            <a:fillRect/>
-          </a:stretch>
-        </p:blipFill>
-        <p:spPr>
-          <a:xfrm>
-            <a:off x="2120653" y="5023254"/>
-            <a:ext cx="7918941" cy="1522452"/>
+            <a:off x="1062769" y="1392075"/>
+            <a:ext cx="10034712" cy="5448463"/>
           </a:xfrm>
           <a:prstGeom prst="rect">
             <a:avLst/>
@@ -5947,7 +5954,7 @@
     </p:spTree>
     <p:extLst>
       <p:ext uri="{BB962C8B-B14F-4D97-AF65-F5344CB8AC3E}">
-        <p14:creationId xmlns:p14="http://schemas.microsoft.com/office/powerpoint/2010/main" val="1841451083"/>
+        <p14:creationId xmlns:p14="http://schemas.microsoft.com/office/powerpoint/2010/main" val="2867601737"/>
       </p:ext>
     </p:extLst>
   </p:cSld>
@@ -5960,6 +5967,16 @@
 <file path=ppt/slides/slide2.xml><?xml version="1.0" encoding="utf-8"?>
 <p:sld xmlns:a="http://schemas.openxmlformats.org/drawingml/2006/main" xmlns:r="http://schemas.openxmlformats.org/officeDocument/2006/relationships" xmlns:p="http://schemas.openxmlformats.org/presentationml/2006/main">
   <p:cSld>
+    <p:bg>
+      <p:bgPr>
+        <a:solidFill>
+          <a:schemeClr val="bg1">
+            <a:lumMod val="65000"/>
+          </a:schemeClr>
+        </a:solidFill>
+        <a:effectLst/>
+      </p:bgPr>
+    </p:bg>
     <p:spTree>
       <p:nvGrpSpPr>
         <p:cNvPr id="1" name=""/>
@@ -5976,104 +5993,26 @@
       </p:grpSpPr>
       <p:sp>
         <p:nvSpPr>
-          <p:cNvPr id="5" name="제목 4"/>
-          <p:cNvSpPr>
-            <a:spLocks noGrp="1"/>
-          </p:cNvSpPr>
-          <p:nvPr>
-            <p:ph type="title"/>
+          <p:cNvPr id="5" name="슬라이드 번호 개체 틀 3">
+            <a:extLst>
+              <a:ext uri="{FF2B5EF4-FFF2-40B4-BE49-F238E27FC236}">
+                <a16:creationId xmlns:a16="http://schemas.microsoft.com/office/drawing/2014/main" id="{DFC279A4-9D4F-4424-858F-02011E17450D}"/>
+              </a:ext>
+            </a:extLst>
+          </p:cNvPr>
+          <p:cNvSpPr>
+            <a:spLocks noGrp="1"/>
+          </p:cNvSpPr>
+          <p:nvPr>
+            <p:ph type="sldNum" sz="quarter" idx="12"/>
           </p:nvPr>
         </p:nvSpPr>
         <p:spPr>
           <a:xfrm>
-            <a:off x="608016" y="551987"/>
-            <a:ext cx="10944225" cy="1140090"/>
+            <a:off x="9160679" y="6372598"/>
+            <a:ext cx="2837392" cy="364195"/>
           </a:xfrm>
         </p:spPr>
-        <p:txBody>
-          <a:bodyPr>
-            <a:normAutofit/>
-          </a:bodyPr>
-          <a:lstStyle/>
-          <a:p>
-            <a:pPr algn="l"/>
-            <a:r>
-              <a:rPr lang="ko-KR" altLang="en-US" sz="4400" dirty="0">
-                <a:solidFill>
-                  <a:schemeClr val="tx1">
-                    <a:lumMod val="75000"/>
-                    <a:lumOff val="25000"/>
-                  </a:schemeClr>
-                </a:solidFill>
-                <a:latin typeface="Noto Sans CJK KR Black" pitchFamily="34" charset="-127"/>
-                <a:ea typeface="Noto Sans CJK KR Black" pitchFamily="34" charset="-127"/>
-              </a:rPr>
-              <a:t>강의순서</a:t>
-            </a:r>
-            <a:r>
-              <a:rPr lang="en-US" altLang="ko-KR" sz="4400" dirty="0">
-                <a:solidFill>
-                  <a:schemeClr val="tx1">
-                    <a:lumMod val="75000"/>
-                    <a:lumOff val="25000"/>
-                  </a:schemeClr>
-                </a:solidFill>
-                <a:latin typeface="Noto Sans CJK KR Black" pitchFamily="34" charset="-127"/>
-                <a:ea typeface="Noto Sans CJK KR Black" pitchFamily="34" charset="-127"/>
-              </a:rPr>
-              <a:t>(Part1: 1</a:t>
-            </a:r>
-            <a:r>
-              <a:rPr lang="ko-KR" altLang="en-US" sz="4400" dirty="0">
-                <a:solidFill>
-                  <a:schemeClr val="tx1">
-                    <a:lumMod val="75000"/>
-                    <a:lumOff val="25000"/>
-                  </a:schemeClr>
-                </a:solidFill>
-                <a:latin typeface="Noto Sans CJK KR Black" pitchFamily="34" charset="-127"/>
-                <a:ea typeface="Noto Sans CJK KR Black" pitchFamily="34" charset="-127"/>
-              </a:rPr>
-              <a:t>회차</a:t>
-            </a:r>
-            <a:r>
-              <a:rPr lang="en-US" altLang="ko-KR" sz="4400" dirty="0">
-                <a:solidFill>
-                  <a:schemeClr val="tx1">
-                    <a:lumMod val="75000"/>
-                    <a:lumOff val="25000"/>
-                  </a:schemeClr>
-                </a:solidFill>
-                <a:latin typeface="Noto Sans CJK KR Black" pitchFamily="34" charset="-127"/>
-                <a:ea typeface="Noto Sans CJK KR Black" pitchFamily="34" charset="-127"/>
-              </a:rPr>
-              <a:t>)</a:t>
-            </a:r>
-            <a:r>
-              <a:rPr lang="ko-KR" altLang="en-US" sz="4400" dirty="0">
-                <a:solidFill>
-                  <a:schemeClr val="tx1">
-                    <a:lumMod val="75000"/>
-                    <a:lumOff val="25000"/>
-                  </a:schemeClr>
-                </a:solidFill>
-              </a:rPr>
-              <a:t> </a:t>
-            </a:r>
-          </a:p>
-        </p:txBody>
-      </p:sp>
-      <p:sp>
-        <p:nvSpPr>
-          <p:cNvPr id="15" name="슬라이드 번호 개체 틀 14"/>
-          <p:cNvSpPr>
-            <a:spLocks noGrp="1"/>
-          </p:cNvSpPr>
-          <p:nvPr>
-            <p:ph type="sldNum" sz="quarter" idx="12"/>
-          </p:nvPr>
-        </p:nvSpPr>
-        <p:spPr/>
         <p:txBody>
           <a:bodyPr/>
           <a:lstStyle/>
@@ -6087,40 +6026,233 @@
           </a:p>
         </p:txBody>
       </p:sp>
-      <p:pic>
-        <p:nvPicPr>
-          <p:cNvPr id="2" name="그림 1">
+      <p:sp>
+        <p:nvSpPr>
+          <p:cNvPr id="6" name="TextBox 5">
             <a:extLst>
               <a:ext uri="{FF2B5EF4-FFF2-40B4-BE49-F238E27FC236}">
-                <a16:creationId xmlns:a16="http://schemas.microsoft.com/office/drawing/2014/main" id="{23EA537C-1285-44BC-B863-4888944D647B}"/>
+                <a16:creationId xmlns:a16="http://schemas.microsoft.com/office/drawing/2014/main" id="{B5DE6ECA-759E-4CC2-A08B-6163561423EB}"/>
               </a:ext>
             </a:extLst>
           </p:cNvPr>
-          <p:cNvPicPr>
-            <a:picLocks noChangeAspect="1"/>
-          </p:cNvPicPr>
+          <p:cNvSpPr txBox="1"/>
           <p:nvPr/>
-        </p:nvPicPr>
-        <p:blipFill>
-          <a:blip r:embed="rId2"/>
-          <a:stretch>
-            <a:fillRect/>
-          </a:stretch>
-        </p:blipFill>
+        </p:nvSpPr>
         <p:spPr>
           <a:xfrm>
-            <a:off x="3200125" y="1615182"/>
-            <a:ext cx="5760000" cy="5121611"/>
+            <a:off x="542135" y="855851"/>
+            <a:ext cx="11298630" cy="3016210"/>
           </a:xfrm>
           <a:prstGeom prst="rect">
             <a:avLst/>
           </a:prstGeom>
+          <a:noFill/>
         </p:spPr>
-      </p:pic>
+        <p:txBody>
+          <a:bodyPr wrap="square" lIns="0" tIns="0" rIns="0" bIns="0" rtlCol="0" anchor="t">
+            <a:spAutoFit/>
+          </a:bodyPr>
+          <a:lstStyle/>
+          <a:p>
+            <a:r>
+              <a:rPr lang="en-US" altLang="ko-KR" sz="4400" dirty="0">
+                <a:solidFill>
+                  <a:schemeClr val="bg1"/>
+                </a:solidFill>
+                <a:latin typeface="Noto Sans CJK KR Black" panose="020B0A00000000000000" pitchFamily="34" charset="-127"/>
+                <a:ea typeface="Noto Sans CJK KR Black" panose="020B0A00000000000000" pitchFamily="34" charset="-127"/>
+              </a:rPr>
+              <a:t>3</a:t>
+            </a:r>
+            <a:r>
+              <a:rPr lang="ko-KR" altLang="en-US" sz="4400" dirty="0">
+                <a:solidFill>
+                  <a:schemeClr val="bg1"/>
+                </a:solidFill>
+                <a:latin typeface="Noto Sans CJK KR Black" panose="020B0A00000000000000" pitchFamily="34" charset="-127"/>
+                <a:ea typeface="Noto Sans CJK KR Black" panose="020B0A00000000000000" pitchFamily="34" charset="-127"/>
+              </a:rPr>
+              <a:t>주차 강의의 목적</a:t>
+            </a:r>
+            <a:endParaRPr lang="en-US" altLang="ko-KR" sz="4400" dirty="0">
+              <a:solidFill>
+                <a:schemeClr val="bg1"/>
+              </a:solidFill>
+              <a:latin typeface="Noto Sans CJK KR Black" panose="020B0A00000000000000" pitchFamily="34" charset="-127"/>
+              <a:ea typeface="Noto Sans CJK KR Black" panose="020B0A00000000000000" pitchFamily="34" charset="-127"/>
+            </a:endParaRPr>
+          </a:p>
+          <a:p>
+            <a:endParaRPr lang="en-US" altLang="ko-KR" sz="4400" dirty="0">
+              <a:solidFill>
+                <a:schemeClr val="bg1"/>
+              </a:solidFill>
+              <a:latin typeface="Noto Sans CJK KR Black" panose="020B0A00000000000000" pitchFamily="34" charset="-127"/>
+              <a:ea typeface="Noto Sans CJK KR Black" panose="020B0A00000000000000" pitchFamily="34" charset="-127"/>
+            </a:endParaRPr>
+          </a:p>
+          <a:p>
+            <a:endParaRPr lang="en-US" altLang="ko-KR" sz="4400" dirty="0">
+              <a:solidFill>
+                <a:schemeClr val="bg1"/>
+              </a:solidFill>
+              <a:latin typeface="Noto Sans CJK KR Black" panose="020B0A00000000000000" pitchFamily="34" charset="-127"/>
+              <a:ea typeface="Noto Sans CJK KR Black" panose="020B0A00000000000000" pitchFamily="34" charset="-127"/>
+            </a:endParaRPr>
+          </a:p>
+          <a:p>
+            <a:r>
+              <a:rPr lang="en-US" altLang="ko-KR" sz="3200" dirty="0">
+                <a:solidFill>
+                  <a:schemeClr val="bg1"/>
+                </a:solidFill>
+                <a:latin typeface="Noto Sans CJK KR Black" panose="020B0A00000000000000" pitchFamily="34" charset="-127"/>
+                <a:ea typeface="Noto Sans CJK KR Black" panose="020B0A00000000000000" pitchFamily="34" charset="-127"/>
+              </a:rPr>
+              <a:t>“</a:t>
+            </a:r>
+            <a:r>
+              <a:rPr lang="ko-KR" altLang="en-US" sz="3200" dirty="0">
+                <a:solidFill>
+                  <a:schemeClr val="bg1"/>
+                </a:solidFill>
+                <a:latin typeface="Noto Sans CJK KR Black" panose="020B0A00000000000000" pitchFamily="34" charset="-127"/>
+                <a:ea typeface="Noto Sans CJK KR Black" panose="020B0A00000000000000" pitchFamily="34" charset="-127"/>
+              </a:rPr>
+              <a:t>시계열 데이터</a:t>
+            </a:r>
+            <a:r>
+              <a:rPr lang="en-US" altLang="ko-KR" sz="3200" dirty="0">
+                <a:solidFill>
+                  <a:schemeClr val="bg1"/>
+                </a:solidFill>
+                <a:latin typeface="Noto Sans CJK KR Black" panose="020B0A00000000000000" pitchFamily="34" charset="-127"/>
+                <a:ea typeface="Noto Sans CJK KR Black" panose="020B0A00000000000000" pitchFamily="34" charset="-127"/>
+              </a:rPr>
+              <a:t>/</a:t>
+            </a:r>
+            <a:r>
+              <a:rPr lang="ko-KR" altLang="en-US" sz="3200" dirty="0">
+                <a:solidFill>
+                  <a:schemeClr val="bg1"/>
+                </a:solidFill>
+                <a:latin typeface="Noto Sans CJK KR Black" panose="020B0A00000000000000" pitchFamily="34" charset="-127"/>
+                <a:ea typeface="Noto Sans CJK KR Black" panose="020B0A00000000000000" pitchFamily="34" charset="-127"/>
+              </a:rPr>
+              <a:t>분석과 기계학습의 차이</a:t>
+            </a:r>
+            <a:r>
+              <a:rPr lang="en-US" altLang="ko-KR" sz="3200" dirty="0">
+                <a:solidFill>
+                  <a:schemeClr val="bg1"/>
+                </a:solidFill>
+                <a:latin typeface="Noto Sans CJK KR Black" panose="020B0A00000000000000" pitchFamily="34" charset="-127"/>
+                <a:ea typeface="Noto Sans CJK KR Black" panose="020B0A00000000000000" pitchFamily="34" charset="-127"/>
+              </a:rPr>
+              <a:t>”</a:t>
+            </a:r>
+          </a:p>
+          <a:p>
+            <a:r>
+              <a:rPr lang="en-US" altLang="ko-KR" sz="3200" dirty="0">
+                <a:solidFill>
+                  <a:schemeClr val="bg1"/>
+                </a:solidFill>
+                <a:latin typeface="Noto Sans CJK KR Black" panose="020B0A00000000000000" pitchFamily="34" charset="-127"/>
+                <a:ea typeface="Noto Sans CJK KR Black" panose="020B0A00000000000000" pitchFamily="34" charset="-127"/>
+              </a:rPr>
+              <a:t>“(</a:t>
+            </a:r>
+            <a:r>
+              <a:rPr lang="ko-KR" altLang="en-US" sz="3200" dirty="0">
+                <a:solidFill>
+                  <a:schemeClr val="bg1"/>
+                </a:solidFill>
+                <a:latin typeface="Noto Sans CJK KR Black" panose="020B0A00000000000000" pitchFamily="34" charset="-127"/>
+                <a:ea typeface="Noto Sans CJK KR Black" panose="020B0A00000000000000" pitchFamily="34" charset="-127"/>
+              </a:rPr>
+              <a:t>시계열</a:t>
+            </a:r>
+            <a:r>
+              <a:rPr lang="en-US" altLang="ko-KR" sz="3200" dirty="0">
+                <a:solidFill>
+                  <a:schemeClr val="bg1"/>
+                </a:solidFill>
+                <a:latin typeface="Noto Sans CJK KR Black" panose="020B0A00000000000000" pitchFamily="34" charset="-127"/>
+                <a:ea typeface="Noto Sans CJK KR Black" panose="020B0A00000000000000" pitchFamily="34" charset="-127"/>
+              </a:rPr>
+              <a:t>) </a:t>
+            </a:r>
+            <a:r>
+              <a:rPr lang="ko-KR" altLang="en-US" sz="3200" dirty="0">
+                <a:solidFill>
+                  <a:schemeClr val="bg1"/>
+                </a:solidFill>
+                <a:latin typeface="Noto Sans CJK KR Black" panose="020B0A00000000000000" pitchFamily="34" charset="-127"/>
+                <a:ea typeface="Noto Sans CJK KR Black" panose="020B0A00000000000000" pitchFamily="34" charset="-127"/>
+              </a:rPr>
+              <a:t>회귀분석 요약</a:t>
+            </a:r>
+            <a:r>
+              <a:rPr lang="en-US" altLang="ko-KR" sz="3200" dirty="0">
+                <a:solidFill>
+                  <a:schemeClr val="bg1"/>
+                </a:solidFill>
+                <a:latin typeface="Noto Sans CJK KR Black" panose="020B0A00000000000000" pitchFamily="34" charset="-127"/>
+                <a:ea typeface="Noto Sans CJK KR Black" panose="020B0A00000000000000" pitchFamily="34" charset="-127"/>
+              </a:rPr>
+              <a:t>“</a:t>
+            </a:r>
+          </a:p>
+        </p:txBody>
+      </p:sp>
+      <p:sp>
+        <p:nvSpPr>
+          <p:cNvPr id="7" name="TextBox 6">
+            <a:extLst>
+              <a:ext uri="{FF2B5EF4-FFF2-40B4-BE49-F238E27FC236}">
+                <a16:creationId xmlns:a16="http://schemas.microsoft.com/office/drawing/2014/main" id="{7EF2C2D4-5A32-40D3-BF76-1F391D6EC140}"/>
+              </a:ext>
+            </a:extLst>
+          </p:cNvPr>
+          <p:cNvSpPr txBox="1"/>
+          <p:nvPr/>
+        </p:nvSpPr>
+        <p:spPr>
+          <a:xfrm>
+            <a:off x="4783981" y="611957"/>
+            <a:ext cx="7056784" cy="216726"/>
+          </a:xfrm>
+          <a:prstGeom prst="rect">
+            <a:avLst/>
+          </a:prstGeom>
+          <a:noFill/>
+        </p:spPr>
+        <p:txBody>
+          <a:bodyPr wrap="square" lIns="0" tIns="0" rIns="0" bIns="0" rtlCol="0" anchor="t">
+            <a:spAutoFit/>
+          </a:bodyPr>
+          <a:lstStyle/>
+          <a:p>
+            <a:pPr>
+              <a:lnSpc>
+                <a:spcPct val="150000"/>
+              </a:lnSpc>
+            </a:pPr>
+            <a:endParaRPr lang="en-US" altLang="ko-KR" sz="1050" dirty="0">
+              <a:solidFill>
+                <a:schemeClr val="bg1"/>
+              </a:solidFill>
+              <a:latin typeface="Noto Sans CJK KR Medium" panose="020B0600000000000000" pitchFamily="34" charset="-127"/>
+              <a:ea typeface="Noto Sans CJK KR Medium" panose="020B0600000000000000" pitchFamily="34" charset="-127"/>
+            </a:endParaRPr>
+          </a:p>
+        </p:txBody>
+      </p:sp>
     </p:spTree>
     <p:extLst>
       <p:ext uri="{BB962C8B-B14F-4D97-AF65-F5344CB8AC3E}">
-        <p14:creationId xmlns:p14="http://schemas.microsoft.com/office/powerpoint/2010/main" val="1268783180"/>
+        <p14:creationId xmlns:p14="http://schemas.microsoft.com/office/powerpoint/2010/main" val="986375043"/>
       </p:ext>
     </p:extLst>
   </p:cSld>
@@ -6159,13 +6291,13 @@
         </p:nvSpPr>
         <p:spPr>
           <a:xfrm>
-            <a:off x="608016" y="551987"/>
+            <a:off x="608012" y="539949"/>
             <a:ext cx="10944225" cy="1140090"/>
           </a:xfrm>
         </p:spPr>
         <p:txBody>
           <a:bodyPr>
-            <a:normAutofit/>
+            <a:normAutofit fontScale="90000"/>
           </a:bodyPr>
           <a:lstStyle/>
           <a:p>
@@ -6181,20 +6313,7 @@
                 <a:latin typeface="Noto Sans CJK KR Black" pitchFamily="34" charset="-127"/>
                 <a:ea typeface="Noto Sans CJK KR Black" pitchFamily="34" charset="-127"/>
               </a:rPr>
-              <a:t>4. </a:t>
-            </a:r>
-            <a:r>
-              <a:rPr lang="ko-KR" altLang="en-US" sz="4400" dirty="0" err="1">
-                <a:solidFill>
-                  <a:schemeClr val="tx1">
-                    <a:lumMod val="75000"/>
-                    <a:lumOff val="25000"/>
-                  </a:schemeClr>
-                </a:solidFill>
-                <a:latin typeface="Noto Sans CJK KR Black" pitchFamily="34" charset="-127"/>
-                <a:ea typeface="Noto Sans CJK KR Black" pitchFamily="34" charset="-127"/>
-              </a:rPr>
-              <a:t>전처리</a:t>
+              <a:t>3. (</a:t>
             </a:r>
             <a:r>
               <a:rPr lang="ko-KR" altLang="en-US" sz="4400" dirty="0">
@@ -6207,7 +6326,45 @@
                 <a:latin typeface="Noto Sans CJK KR Black" pitchFamily="34" charset="-127"/>
                 <a:ea typeface="Noto Sans CJK KR Black" pitchFamily="34" charset="-127"/>
               </a:rPr>
-              <a:t> 방향</a:t>
+              <a:t>시계열</a:t>
+            </a:r>
+            <a:r>
+              <a:rPr lang="en-US" altLang="ko-KR" sz="4400" dirty="0">
+                <a:solidFill>
+                  <a:schemeClr val="tx1">
+                    <a:lumMod val="75000"/>
+                    <a:lumOff val="25000"/>
+                  </a:schemeClr>
+                </a:solidFill>
+                <a:latin typeface="Noto Sans CJK KR Black" pitchFamily="34" charset="-127"/>
+                <a:ea typeface="Noto Sans CJK KR Black" pitchFamily="34" charset="-127"/>
+              </a:rPr>
+              <a:t>) </a:t>
+            </a:r>
+            <a:br>
+              <a:rPr lang="en-US" altLang="ko-KR" sz="4400" dirty="0">
+                <a:solidFill>
+                  <a:schemeClr val="tx1">
+                    <a:lumMod val="75000"/>
+                    <a:lumOff val="25000"/>
+                  </a:schemeClr>
+                </a:solidFill>
+                <a:latin typeface="Noto Sans CJK KR Black" pitchFamily="34" charset="-127"/>
+                <a:ea typeface="Noto Sans CJK KR Black" pitchFamily="34" charset="-127"/>
+              </a:rPr>
+            </a:br>
+            <a:r>
+              <a:rPr lang="ko-KR" altLang="en-US" sz="4400" dirty="0">
+                <a:solidFill>
+                  <a:schemeClr val="tx1">
+                    <a:lumMod val="75000"/>
+                    <a:lumOff val="25000"/>
+                  </a:schemeClr>
+                </a:solidFill>
+                <a:latin typeface="Noto Sans CJK KR Black" pitchFamily="34" charset="-127"/>
+                <a:ea typeface="Noto Sans CJK KR Black" pitchFamily="34" charset="-127"/>
+              </a:rPr>
+              <a:t>회귀분석 요약</a:t>
             </a:r>
             <a:endParaRPr lang="ko-KR" altLang="en-US" sz="4400" dirty="0">
               <a:solidFill>
@@ -6246,10 +6403,10 @@
       </p:sp>
       <p:pic>
         <p:nvPicPr>
-          <p:cNvPr id="6" name="그림 5">
+          <p:cNvPr id="4" name="그림 3">
             <a:extLst>
               <a:ext uri="{FF2B5EF4-FFF2-40B4-BE49-F238E27FC236}">
-                <a16:creationId xmlns:a16="http://schemas.microsoft.com/office/drawing/2014/main" id="{FAFF13B4-0E15-417A-8F56-900EF0739D81}"/>
+                <a16:creationId xmlns:a16="http://schemas.microsoft.com/office/drawing/2014/main" id="{D5CE9D58-DF8F-4BD6-927C-B10A30FC3CC2}"/>
               </a:ext>
             </a:extLst>
           </p:cNvPr>
@@ -6266,8 +6423,8 @@
         </p:blipFill>
         <p:spPr>
           <a:xfrm>
-            <a:off x="2136860" y="2268141"/>
-            <a:ext cx="7886529" cy="3076550"/>
+            <a:off x="5000005" y="0"/>
+            <a:ext cx="6643215" cy="6840538"/>
           </a:xfrm>
           <a:prstGeom prst="rect">
             <a:avLst/>
@@ -6277,7 +6434,7 @@
     </p:spTree>
     <p:extLst>
       <p:ext uri="{BB962C8B-B14F-4D97-AF65-F5344CB8AC3E}">
-        <p14:creationId xmlns:p14="http://schemas.microsoft.com/office/powerpoint/2010/main" val="837142781"/>
+        <p14:creationId xmlns:p14="http://schemas.microsoft.com/office/powerpoint/2010/main" val="3708835194"/>
       </p:ext>
     </p:extLst>
   </p:cSld>
@@ -6316,7 +6473,7 @@
         </p:nvSpPr>
         <p:spPr>
           <a:xfrm>
-            <a:off x="608016" y="551987"/>
+            <a:off x="608012" y="539949"/>
             <a:ext cx="10944225" cy="1140090"/>
           </a:xfrm>
         </p:spPr>
@@ -6338,20 +6495,7 @@
                 <a:latin typeface="Noto Sans CJK KR Black" pitchFamily="34" charset="-127"/>
                 <a:ea typeface="Noto Sans CJK KR Black" pitchFamily="34" charset="-127"/>
               </a:rPr>
-              <a:t>4. </a:t>
-            </a:r>
-            <a:r>
-              <a:rPr lang="ko-KR" altLang="en-US" sz="4400" dirty="0" err="1">
-                <a:solidFill>
-                  <a:schemeClr val="tx1">
-                    <a:lumMod val="75000"/>
-                    <a:lumOff val="25000"/>
-                  </a:schemeClr>
-                </a:solidFill>
-                <a:latin typeface="Noto Sans CJK KR Black" pitchFamily="34" charset="-127"/>
-                <a:ea typeface="Noto Sans CJK KR Black" pitchFamily="34" charset="-127"/>
-              </a:rPr>
-              <a:t>전처리</a:t>
+              <a:t>3. (</a:t>
             </a:r>
             <a:r>
               <a:rPr lang="ko-KR" altLang="en-US" sz="4400" dirty="0">
@@ -6364,7 +6508,33 @@
                 <a:latin typeface="Noto Sans CJK KR Black" pitchFamily="34" charset="-127"/>
                 <a:ea typeface="Noto Sans CJK KR Black" pitchFamily="34" charset="-127"/>
               </a:rPr>
-              <a:t> 방향</a:t>
+              <a:t>시계열</a:t>
+            </a:r>
+            <a:r>
+              <a:rPr lang="en-US" altLang="ko-KR" sz="4400" dirty="0">
+                <a:solidFill>
+                  <a:schemeClr val="tx1">
+                    <a:lumMod val="75000"/>
+                    <a:lumOff val="25000"/>
+                  </a:schemeClr>
+                </a:solidFill>
+                <a:latin typeface="Noto Sans CJK KR Black" pitchFamily="34" charset="-127"/>
+                <a:ea typeface="Noto Sans CJK KR Black" pitchFamily="34" charset="-127"/>
+              </a:rPr>
+              <a:t>) </a:t>
+            </a:r>
+            <a:r>
+              <a:rPr lang="ko-KR" altLang="en-US" sz="4400" dirty="0">
+                <a:solidFill>
+                  <a:schemeClr val="tx1">
+                    <a:lumMod val="75000"/>
+                    <a:lumOff val="25000"/>
+                  </a:schemeClr>
+                </a:solidFill>
+                <a:latin typeface="Noto Sans CJK KR Black" pitchFamily="34" charset="-127"/>
+                <a:ea typeface="Noto Sans CJK KR Black" pitchFamily="34" charset="-127"/>
+              </a:rPr>
+              <a:t>회귀분석 요약</a:t>
             </a:r>
             <a:endParaRPr lang="ko-KR" altLang="en-US" sz="4400" dirty="0">
               <a:solidFill>
@@ -6406,7 +6576,7 @@
           <p:cNvPr id="2" name="그림 1">
             <a:extLst>
               <a:ext uri="{FF2B5EF4-FFF2-40B4-BE49-F238E27FC236}">
-                <a16:creationId xmlns:a16="http://schemas.microsoft.com/office/drawing/2014/main" id="{E0C4559D-5F1A-4818-9FDA-1A5B74F1F52D}"/>
+                <a16:creationId xmlns:a16="http://schemas.microsoft.com/office/drawing/2014/main" id="{1B5C9A58-3AC5-4929-9C24-66C893D84FB8}"/>
               </a:ext>
             </a:extLst>
           </p:cNvPr>
@@ -6423,8 +6593,8 @@
         </p:blipFill>
         <p:spPr>
           <a:xfrm>
-            <a:off x="2522537" y="1468438"/>
-            <a:ext cx="7115175" cy="5372100"/>
+            <a:off x="1050924" y="1677190"/>
+            <a:ext cx="10058400" cy="4581525"/>
           </a:xfrm>
           <a:prstGeom prst="rect">
             <a:avLst/>
@@ -6434,7 +6604,7 @@
     </p:spTree>
     <p:extLst>
       <p:ext uri="{BB962C8B-B14F-4D97-AF65-F5344CB8AC3E}">
-        <p14:creationId xmlns:p14="http://schemas.microsoft.com/office/powerpoint/2010/main" val="1758560747"/>
+        <p14:creationId xmlns:p14="http://schemas.microsoft.com/office/powerpoint/2010/main" val="1144213523"/>
       </p:ext>
     </p:extLst>
   </p:cSld>
@@ -6473,7 +6643,7 @@
         </p:nvSpPr>
         <p:spPr>
           <a:xfrm>
-            <a:off x="608016" y="551987"/>
+            <a:off x="608012" y="539949"/>
             <a:ext cx="10944225" cy="1140090"/>
           </a:xfrm>
         </p:spPr>
@@ -6495,20 +6665,7 @@
                 <a:latin typeface="Noto Sans CJK KR Black" pitchFamily="34" charset="-127"/>
                 <a:ea typeface="Noto Sans CJK KR Black" pitchFamily="34" charset="-127"/>
               </a:rPr>
-              <a:t>4. </a:t>
-            </a:r>
-            <a:r>
-              <a:rPr lang="ko-KR" altLang="en-US" sz="4400" dirty="0" err="1">
-                <a:solidFill>
-                  <a:schemeClr val="tx1">
-                    <a:lumMod val="75000"/>
-                    <a:lumOff val="25000"/>
-                  </a:schemeClr>
-                </a:solidFill>
-                <a:latin typeface="Noto Sans CJK KR Black" pitchFamily="34" charset="-127"/>
-                <a:ea typeface="Noto Sans CJK KR Black" pitchFamily="34" charset="-127"/>
-              </a:rPr>
-              <a:t>전처리</a:t>
+              <a:t>3. (</a:t>
             </a:r>
             <a:r>
               <a:rPr lang="ko-KR" altLang="en-US" sz="4400" dirty="0">
@@ -6521,7 +6678,33 @@
                 <a:latin typeface="Noto Sans CJK KR Black" pitchFamily="34" charset="-127"/>
                 <a:ea typeface="Noto Sans CJK KR Black" pitchFamily="34" charset="-127"/>
               </a:rPr>
-              <a:t> 방향</a:t>
+              <a:t>시계열</a:t>
+            </a:r>
+            <a:r>
+              <a:rPr lang="en-US" altLang="ko-KR" sz="4400" dirty="0">
+                <a:solidFill>
+                  <a:schemeClr val="tx1">
+                    <a:lumMod val="75000"/>
+                    <a:lumOff val="25000"/>
+                  </a:schemeClr>
+                </a:solidFill>
+                <a:latin typeface="Noto Sans CJK KR Black" pitchFamily="34" charset="-127"/>
+                <a:ea typeface="Noto Sans CJK KR Black" pitchFamily="34" charset="-127"/>
+              </a:rPr>
+              <a:t>) </a:t>
+            </a:r>
+            <a:r>
+              <a:rPr lang="ko-KR" altLang="en-US" sz="4400" dirty="0">
+                <a:solidFill>
+                  <a:schemeClr val="tx1">
+                    <a:lumMod val="75000"/>
+                    <a:lumOff val="25000"/>
+                  </a:schemeClr>
+                </a:solidFill>
+                <a:latin typeface="Noto Sans CJK KR Black" pitchFamily="34" charset="-127"/>
+                <a:ea typeface="Noto Sans CJK KR Black" pitchFamily="34" charset="-127"/>
+              </a:rPr>
+              <a:t>회귀분석 요약</a:t>
             </a:r>
             <a:endParaRPr lang="ko-KR" altLang="en-US" sz="4400" dirty="0">
               <a:solidFill>
@@ -6563,7 +6746,7 @@
           <p:cNvPr id="2" name="그림 1">
             <a:extLst>
               <a:ext uri="{FF2B5EF4-FFF2-40B4-BE49-F238E27FC236}">
-                <a16:creationId xmlns:a16="http://schemas.microsoft.com/office/drawing/2014/main" id="{1BF6DD17-C952-4AD2-9C59-61E341706C78}"/>
+                <a16:creationId xmlns:a16="http://schemas.microsoft.com/office/drawing/2014/main" id="{C3D8D46E-2BD6-460D-9BCA-C25ADA2035CE}"/>
               </a:ext>
             </a:extLst>
           </p:cNvPr>
@@ -6580,8 +6763,8 @@
         </p:blipFill>
         <p:spPr>
           <a:xfrm>
-            <a:off x="2536825" y="1351881"/>
-            <a:ext cx="7086600" cy="5467350"/>
+            <a:off x="2989262" y="2605881"/>
+            <a:ext cx="6181725" cy="1628775"/>
           </a:xfrm>
           <a:prstGeom prst="rect">
             <a:avLst/>
@@ -6591,7 +6774,7 @@
     </p:spTree>
     <p:extLst>
       <p:ext uri="{BB962C8B-B14F-4D97-AF65-F5344CB8AC3E}">
-        <p14:creationId xmlns:p14="http://schemas.microsoft.com/office/powerpoint/2010/main" val="2259295827"/>
+        <p14:creationId xmlns:p14="http://schemas.microsoft.com/office/powerpoint/2010/main" val="34620820"/>
       </p:ext>
     </p:extLst>
   </p:cSld>
@@ -6630,7 +6813,7 @@
         </p:nvSpPr>
         <p:spPr>
           <a:xfrm>
-            <a:off x="608016" y="551987"/>
+            <a:off x="608012" y="539949"/>
             <a:ext cx="10944225" cy="1140090"/>
           </a:xfrm>
         </p:spPr>
@@ -6652,20 +6835,7 @@
                 <a:latin typeface="Noto Sans CJK KR Black" pitchFamily="34" charset="-127"/>
                 <a:ea typeface="Noto Sans CJK KR Black" pitchFamily="34" charset="-127"/>
               </a:rPr>
-              <a:t>4. </a:t>
-            </a:r>
-            <a:r>
-              <a:rPr lang="ko-KR" altLang="en-US" sz="4400" dirty="0" err="1">
-                <a:solidFill>
-                  <a:schemeClr val="tx1">
-                    <a:lumMod val="75000"/>
-                    <a:lumOff val="25000"/>
-                  </a:schemeClr>
-                </a:solidFill>
-                <a:latin typeface="Noto Sans CJK KR Black" pitchFamily="34" charset="-127"/>
-                <a:ea typeface="Noto Sans CJK KR Black" pitchFamily="34" charset="-127"/>
-              </a:rPr>
-              <a:t>전처리</a:t>
+              <a:t>3. (</a:t>
             </a:r>
             <a:r>
               <a:rPr lang="ko-KR" altLang="en-US" sz="4400" dirty="0">
@@ -6678,7 +6848,33 @@
                 <a:latin typeface="Noto Sans CJK KR Black" pitchFamily="34" charset="-127"/>
                 <a:ea typeface="Noto Sans CJK KR Black" pitchFamily="34" charset="-127"/>
               </a:rPr>
-              <a:t> 방향</a:t>
+              <a:t>시계열</a:t>
+            </a:r>
+            <a:r>
+              <a:rPr lang="en-US" altLang="ko-KR" sz="4400" dirty="0">
+                <a:solidFill>
+                  <a:schemeClr val="tx1">
+                    <a:lumMod val="75000"/>
+                    <a:lumOff val="25000"/>
+                  </a:schemeClr>
+                </a:solidFill>
+                <a:latin typeface="Noto Sans CJK KR Black" pitchFamily="34" charset="-127"/>
+                <a:ea typeface="Noto Sans CJK KR Black" pitchFamily="34" charset="-127"/>
+              </a:rPr>
+              <a:t>) </a:t>
+            </a:r>
+            <a:r>
+              <a:rPr lang="ko-KR" altLang="en-US" sz="4400" dirty="0">
+                <a:solidFill>
+                  <a:schemeClr val="tx1">
+                    <a:lumMod val="75000"/>
+                    <a:lumOff val="25000"/>
+                  </a:schemeClr>
+                </a:solidFill>
+                <a:latin typeface="Noto Sans CJK KR Black" pitchFamily="34" charset="-127"/>
+                <a:ea typeface="Noto Sans CJK KR Black" pitchFamily="34" charset="-127"/>
+              </a:rPr>
+              <a:t>회귀분석 요약</a:t>
             </a:r>
             <a:endParaRPr lang="ko-KR" altLang="en-US" sz="4400" dirty="0">
               <a:solidFill>
@@ -6720,7 +6916,7 @@
           <p:cNvPr id="2" name="그림 1">
             <a:extLst>
               <a:ext uri="{FF2B5EF4-FFF2-40B4-BE49-F238E27FC236}">
-                <a16:creationId xmlns:a16="http://schemas.microsoft.com/office/drawing/2014/main" id="{1BEB13CF-2200-4E8B-8EE6-9B47A4909897}"/>
+                <a16:creationId xmlns:a16="http://schemas.microsoft.com/office/drawing/2014/main" id="{9C3D65BF-B745-4154-9948-3D3FA843F8DA}"/>
               </a:ext>
             </a:extLst>
           </p:cNvPr>
@@ -6737,8 +6933,8 @@
         </p:blipFill>
         <p:spPr>
           <a:xfrm>
-            <a:off x="2484437" y="1923033"/>
-            <a:ext cx="7191375" cy="4229100"/>
+            <a:off x="2279649" y="1563217"/>
+            <a:ext cx="7600950" cy="5153025"/>
           </a:xfrm>
           <a:prstGeom prst="rect">
             <a:avLst/>
@@ -6748,7 +6944,7 @@
     </p:spTree>
     <p:extLst>
       <p:ext uri="{BB962C8B-B14F-4D97-AF65-F5344CB8AC3E}">
-        <p14:creationId xmlns:p14="http://schemas.microsoft.com/office/powerpoint/2010/main" val="1320692570"/>
+        <p14:creationId xmlns:p14="http://schemas.microsoft.com/office/powerpoint/2010/main" val="2604466384"/>
       </p:ext>
     </p:extLst>
   </p:cSld>
@@ -6787,13 +6983,13 @@
         </p:nvSpPr>
         <p:spPr>
           <a:xfrm>
-            <a:off x="608016" y="551987"/>
+            <a:off x="608012" y="539949"/>
             <a:ext cx="10944225" cy="1140090"/>
           </a:xfrm>
         </p:spPr>
         <p:txBody>
           <a:bodyPr>
-            <a:normAutofit/>
+            <a:normAutofit fontScale="90000"/>
           </a:bodyPr>
           <a:lstStyle/>
           <a:p>
@@ -6809,20 +7005,7 @@
                 <a:latin typeface="Noto Sans CJK KR Black" pitchFamily="34" charset="-127"/>
                 <a:ea typeface="Noto Sans CJK KR Black" pitchFamily="34" charset="-127"/>
               </a:rPr>
-              <a:t>4. </a:t>
-            </a:r>
-            <a:r>
-              <a:rPr lang="ko-KR" altLang="en-US" sz="4400" dirty="0" err="1">
-                <a:solidFill>
-                  <a:schemeClr val="tx1">
-                    <a:lumMod val="75000"/>
-                    <a:lumOff val="25000"/>
-                  </a:schemeClr>
-                </a:solidFill>
-                <a:latin typeface="Noto Sans CJK KR Black" pitchFamily="34" charset="-127"/>
-                <a:ea typeface="Noto Sans CJK KR Black" pitchFamily="34" charset="-127"/>
-              </a:rPr>
-              <a:t>전처리</a:t>
+              <a:t>3. (</a:t>
             </a:r>
             <a:r>
               <a:rPr lang="ko-KR" altLang="en-US" sz="4400" dirty="0">
@@ -6835,7 +7018,45 @@
                 <a:latin typeface="Noto Sans CJK KR Black" pitchFamily="34" charset="-127"/>
                 <a:ea typeface="Noto Sans CJK KR Black" pitchFamily="34" charset="-127"/>
               </a:rPr>
-              <a:t> 방향</a:t>
+              <a:t>시계열</a:t>
+            </a:r>
+            <a:r>
+              <a:rPr lang="en-US" altLang="ko-KR" sz="4400" dirty="0">
+                <a:solidFill>
+                  <a:schemeClr val="tx1">
+                    <a:lumMod val="75000"/>
+                    <a:lumOff val="25000"/>
+                  </a:schemeClr>
+                </a:solidFill>
+                <a:latin typeface="Noto Sans CJK KR Black" pitchFamily="34" charset="-127"/>
+                <a:ea typeface="Noto Sans CJK KR Black" pitchFamily="34" charset="-127"/>
+              </a:rPr>
+              <a:t>) </a:t>
+            </a:r>
+            <a:br>
+              <a:rPr lang="en-US" altLang="ko-KR" sz="4400" dirty="0">
+                <a:solidFill>
+                  <a:schemeClr val="tx1">
+                    <a:lumMod val="75000"/>
+                    <a:lumOff val="25000"/>
+                  </a:schemeClr>
+                </a:solidFill>
+                <a:latin typeface="Noto Sans CJK KR Black" pitchFamily="34" charset="-127"/>
+                <a:ea typeface="Noto Sans CJK KR Black" pitchFamily="34" charset="-127"/>
+              </a:rPr>
+            </a:br>
+            <a:r>
+              <a:rPr lang="ko-KR" altLang="en-US" sz="4400" dirty="0">
+                <a:solidFill>
+                  <a:schemeClr val="tx1">
+                    <a:lumMod val="75000"/>
+                    <a:lumOff val="25000"/>
+                  </a:schemeClr>
+                </a:solidFill>
+                <a:latin typeface="Noto Sans CJK KR Black" pitchFamily="34" charset="-127"/>
+                <a:ea typeface="Noto Sans CJK KR Black" pitchFamily="34" charset="-127"/>
+              </a:rPr>
+              <a:t>회귀분석 요약</a:t>
             </a:r>
             <a:endParaRPr lang="ko-KR" altLang="en-US" sz="4400" dirty="0">
               <a:solidFill>
@@ -6874,10 +7095,10 @@
       </p:sp>
       <p:pic>
         <p:nvPicPr>
-          <p:cNvPr id="2" name="그림 1">
+          <p:cNvPr id="4" name="그림 3">
             <a:extLst>
               <a:ext uri="{FF2B5EF4-FFF2-40B4-BE49-F238E27FC236}">
-                <a16:creationId xmlns:a16="http://schemas.microsoft.com/office/drawing/2014/main" id="{5ABAE676-176C-42F5-939C-D4BFCA5BFAEF}"/>
+                <a16:creationId xmlns:a16="http://schemas.microsoft.com/office/drawing/2014/main" id="{39155788-4C05-40E1-8490-CFCAFD1B7F10}"/>
               </a:ext>
             </a:extLst>
           </p:cNvPr>
@@ -6894,8 +7115,8 @@
         </p:blipFill>
         <p:spPr>
           <a:xfrm>
-            <a:off x="2498725" y="1908458"/>
-            <a:ext cx="7162800" cy="4314825"/>
+            <a:off x="4059940" y="71463"/>
+            <a:ext cx="7972425" cy="6772275"/>
           </a:xfrm>
           <a:prstGeom prst="rect">
             <a:avLst/>
@@ -6905,7 +7126,7 @@
     </p:spTree>
     <p:extLst>
       <p:ext uri="{BB962C8B-B14F-4D97-AF65-F5344CB8AC3E}">
-        <p14:creationId xmlns:p14="http://schemas.microsoft.com/office/powerpoint/2010/main" val="2354396076"/>
+        <p14:creationId xmlns:p14="http://schemas.microsoft.com/office/powerpoint/2010/main" val="1406599290"/>
       </p:ext>
     </p:extLst>
   </p:cSld>
@@ -6944,7 +7165,7 @@
         </p:nvSpPr>
         <p:spPr>
           <a:xfrm>
-            <a:off x="608016" y="551987"/>
+            <a:off x="608012" y="539949"/>
             <a:ext cx="10944225" cy="1140090"/>
           </a:xfrm>
         </p:spPr>
@@ -6966,20 +7187,7 @@
                 <a:latin typeface="Noto Sans CJK KR Black" pitchFamily="34" charset="-127"/>
                 <a:ea typeface="Noto Sans CJK KR Black" pitchFamily="34" charset="-127"/>
               </a:rPr>
-              <a:t>4. </a:t>
-            </a:r>
-            <a:r>
-              <a:rPr lang="ko-KR" altLang="en-US" sz="4400" dirty="0" err="1">
-                <a:solidFill>
-                  <a:schemeClr val="tx1">
-                    <a:lumMod val="75000"/>
-                    <a:lumOff val="25000"/>
-                  </a:schemeClr>
-                </a:solidFill>
-                <a:latin typeface="Noto Sans CJK KR Black" pitchFamily="34" charset="-127"/>
-                <a:ea typeface="Noto Sans CJK KR Black" pitchFamily="34" charset="-127"/>
-              </a:rPr>
-              <a:t>전처리</a:t>
+              <a:t>3. (</a:t>
             </a:r>
             <a:r>
               <a:rPr lang="ko-KR" altLang="en-US" sz="4400" dirty="0">
@@ -6992,7 +7200,33 @@
                 <a:latin typeface="Noto Sans CJK KR Black" pitchFamily="34" charset="-127"/>
                 <a:ea typeface="Noto Sans CJK KR Black" pitchFamily="34" charset="-127"/>
               </a:rPr>
-              <a:t> 방향</a:t>
+              <a:t>시계열</a:t>
+            </a:r>
+            <a:r>
+              <a:rPr lang="en-US" altLang="ko-KR" sz="4400" dirty="0">
+                <a:solidFill>
+                  <a:schemeClr val="tx1">
+                    <a:lumMod val="75000"/>
+                    <a:lumOff val="25000"/>
+                  </a:schemeClr>
+                </a:solidFill>
+                <a:latin typeface="Noto Sans CJK KR Black" pitchFamily="34" charset="-127"/>
+                <a:ea typeface="Noto Sans CJK KR Black" pitchFamily="34" charset="-127"/>
+              </a:rPr>
+              <a:t>) </a:t>
+            </a:r>
+            <a:r>
+              <a:rPr lang="ko-KR" altLang="en-US" sz="4400" dirty="0">
+                <a:solidFill>
+                  <a:schemeClr val="tx1">
+                    <a:lumMod val="75000"/>
+                    <a:lumOff val="25000"/>
+                  </a:schemeClr>
+                </a:solidFill>
+                <a:latin typeface="Noto Sans CJK KR Black" pitchFamily="34" charset="-127"/>
+                <a:ea typeface="Noto Sans CJK KR Black" pitchFamily="34" charset="-127"/>
+              </a:rPr>
+              <a:t>회귀분석 요약</a:t>
             </a:r>
             <a:endParaRPr lang="ko-KR" altLang="en-US" sz="4400" dirty="0">
               <a:solidFill>
@@ -7034,7 +7268,7 @@
           <p:cNvPr id="2" name="그림 1">
             <a:extLst>
               <a:ext uri="{FF2B5EF4-FFF2-40B4-BE49-F238E27FC236}">
-                <a16:creationId xmlns:a16="http://schemas.microsoft.com/office/drawing/2014/main" id="{B6AC89D2-538E-46ED-A64A-65C74DED974A}"/>
+                <a16:creationId xmlns:a16="http://schemas.microsoft.com/office/drawing/2014/main" id="{9CE8ECAB-D10A-4E6C-B052-236495B69D35}"/>
               </a:ext>
             </a:extLst>
           </p:cNvPr>
@@ -7051,8 +7285,8 @@
         </p:blipFill>
         <p:spPr>
           <a:xfrm>
-            <a:off x="1297225" y="2013719"/>
-            <a:ext cx="9565799" cy="4037236"/>
+            <a:off x="2265361" y="2268141"/>
+            <a:ext cx="7629525" cy="3200400"/>
           </a:xfrm>
           <a:prstGeom prst="rect">
             <a:avLst/>
@@ -7062,7 +7296,7 @@
     </p:spTree>
     <p:extLst>
       <p:ext uri="{BB962C8B-B14F-4D97-AF65-F5344CB8AC3E}">
-        <p14:creationId xmlns:p14="http://schemas.microsoft.com/office/powerpoint/2010/main" val="2904273551"/>
+        <p14:creationId xmlns:p14="http://schemas.microsoft.com/office/powerpoint/2010/main" val="3958259854"/>
       </p:ext>
     </p:extLst>
   </p:cSld>
@@ -7101,7 +7335,7 @@
         </p:nvSpPr>
         <p:spPr>
           <a:xfrm>
-            <a:off x="608016" y="551987"/>
+            <a:off x="608012" y="539949"/>
             <a:ext cx="10944225" cy="1140090"/>
           </a:xfrm>
         </p:spPr>
@@ -7123,20 +7357,7 @@
                 <a:latin typeface="Noto Sans CJK KR Black" pitchFamily="34" charset="-127"/>
                 <a:ea typeface="Noto Sans CJK KR Black" pitchFamily="34" charset="-127"/>
               </a:rPr>
-              <a:t>4. </a:t>
-            </a:r>
-            <a:r>
-              <a:rPr lang="ko-KR" altLang="en-US" sz="4400" dirty="0" err="1">
-                <a:solidFill>
-                  <a:schemeClr val="tx1">
-                    <a:lumMod val="75000"/>
-                    <a:lumOff val="25000"/>
-                  </a:schemeClr>
-                </a:solidFill>
-                <a:latin typeface="Noto Sans CJK KR Black" pitchFamily="34" charset="-127"/>
-                <a:ea typeface="Noto Sans CJK KR Black" pitchFamily="34" charset="-127"/>
-              </a:rPr>
-              <a:t>전처리</a:t>
+              <a:t>3. (</a:t>
             </a:r>
             <a:r>
               <a:rPr lang="ko-KR" altLang="en-US" sz="4400" dirty="0">
@@ -7149,7 +7370,33 @@
                 <a:latin typeface="Noto Sans CJK KR Black" pitchFamily="34" charset="-127"/>
                 <a:ea typeface="Noto Sans CJK KR Black" pitchFamily="34" charset="-127"/>
               </a:rPr>
-              <a:t> 방향</a:t>
+              <a:t>시계열</a:t>
+            </a:r>
+            <a:r>
+              <a:rPr lang="en-US" altLang="ko-KR" sz="4400" dirty="0">
+                <a:solidFill>
+                  <a:schemeClr val="tx1">
+                    <a:lumMod val="75000"/>
+                    <a:lumOff val="25000"/>
+                  </a:schemeClr>
+                </a:solidFill>
+                <a:latin typeface="Noto Sans CJK KR Black" pitchFamily="34" charset="-127"/>
+                <a:ea typeface="Noto Sans CJK KR Black" pitchFamily="34" charset="-127"/>
+              </a:rPr>
+              <a:t>) </a:t>
+            </a:r>
+            <a:r>
+              <a:rPr lang="ko-KR" altLang="en-US" sz="4400" dirty="0">
+                <a:solidFill>
+                  <a:schemeClr val="tx1">
+                    <a:lumMod val="75000"/>
+                    <a:lumOff val="25000"/>
+                  </a:schemeClr>
+                </a:solidFill>
+                <a:latin typeface="Noto Sans CJK KR Black" pitchFamily="34" charset="-127"/>
+                <a:ea typeface="Noto Sans CJK KR Black" pitchFamily="34" charset="-127"/>
+              </a:rPr>
+              <a:t>회귀분석 요약</a:t>
             </a:r>
             <a:endParaRPr lang="ko-KR" altLang="en-US" sz="4400" dirty="0">
               <a:solidFill>
@@ -7188,10 +7435,10 @@
       </p:sp>
       <p:pic>
         <p:nvPicPr>
-          <p:cNvPr id="4" name="그림 3">
+          <p:cNvPr id="2" name="그림 1">
             <a:extLst>
               <a:ext uri="{FF2B5EF4-FFF2-40B4-BE49-F238E27FC236}">
-                <a16:creationId xmlns:a16="http://schemas.microsoft.com/office/drawing/2014/main" id="{DA0E3B5A-DDE3-4CE4-8E4F-F19DE22A1292}"/>
+                <a16:creationId xmlns:a16="http://schemas.microsoft.com/office/drawing/2014/main" id="{453B9F90-88D0-482B-95CF-DE80D2FAF198}"/>
               </a:ext>
             </a:extLst>
           </p:cNvPr>
@@ -7208,8 +7455,8 @@
         </p:blipFill>
         <p:spPr>
           <a:xfrm>
-            <a:off x="1397232" y="2289192"/>
-            <a:ext cx="9365786" cy="3243238"/>
+            <a:off x="2236786" y="1836093"/>
+            <a:ext cx="7686675" cy="4133850"/>
           </a:xfrm>
           <a:prstGeom prst="rect">
             <a:avLst/>
@@ -7219,7 +7466,7 @@
     </p:spTree>
     <p:extLst>
       <p:ext uri="{BB962C8B-B14F-4D97-AF65-F5344CB8AC3E}">
-        <p14:creationId xmlns:p14="http://schemas.microsoft.com/office/powerpoint/2010/main" val="283302115"/>
+        <p14:creationId xmlns:p14="http://schemas.microsoft.com/office/powerpoint/2010/main" val="3404132233"/>
       </p:ext>
     </p:extLst>
   </p:cSld>
@@ -7258,13 +7505,13 @@
         </p:nvSpPr>
         <p:spPr>
           <a:xfrm>
-            <a:off x="608016" y="551987"/>
+            <a:off x="608012" y="539949"/>
             <a:ext cx="10944225" cy="1140090"/>
           </a:xfrm>
         </p:spPr>
         <p:txBody>
           <a:bodyPr>
-            <a:normAutofit/>
+            <a:normAutofit fontScale="90000"/>
           </a:bodyPr>
           <a:lstStyle/>
           <a:p>
@@ -7280,20 +7527,7 @@
                 <a:latin typeface="Noto Sans CJK KR Black" pitchFamily="34" charset="-127"/>
                 <a:ea typeface="Noto Sans CJK KR Black" pitchFamily="34" charset="-127"/>
               </a:rPr>
-              <a:t>4. </a:t>
-            </a:r>
-            <a:r>
-              <a:rPr lang="ko-KR" altLang="en-US" sz="4400" dirty="0" err="1">
-                <a:solidFill>
-                  <a:schemeClr val="tx1">
-                    <a:lumMod val="75000"/>
-                    <a:lumOff val="25000"/>
-                  </a:schemeClr>
-                </a:solidFill>
-                <a:latin typeface="Noto Sans CJK KR Black" pitchFamily="34" charset="-127"/>
-                <a:ea typeface="Noto Sans CJK KR Black" pitchFamily="34" charset="-127"/>
-              </a:rPr>
-              <a:t>전처리</a:t>
+              <a:t>3. (</a:t>
             </a:r>
             <a:r>
               <a:rPr lang="ko-KR" altLang="en-US" sz="4400" dirty="0">
@@ -7306,7 +7540,45 @@
                 <a:latin typeface="Noto Sans CJK KR Black" pitchFamily="34" charset="-127"/>
                 <a:ea typeface="Noto Sans CJK KR Black" pitchFamily="34" charset="-127"/>
               </a:rPr>
-              <a:t> 방향</a:t>
+              <a:t>시계열</a:t>
+            </a:r>
+            <a:r>
+              <a:rPr lang="en-US" altLang="ko-KR" sz="4400" dirty="0">
+                <a:solidFill>
+                  <a:schemeClr val="tx1">
+                    <a:lumMod val="75000"/>
+                    <a:lumOff val="25000"/>
+                  </a:schemeClr>
+                </a:solidFill>
+                <a:latin typeface="Noto Sans CJK KR Black" pitchFamily="34" charset="-127"/>
+                <a:ea typeface="Noto Sans CJK KR Black" pitchFamily="34" charset="-127"/>
+              </a:rPr>
+              <a:t>) </a:t>
+            </a:r>
+            <a:br>
+              <a:rPr lang="en-US" altLang="ko-KR" sz="4400" dirty="0">
+                <a:solidFill>
+                  <a:schemeClr val="tx1">
+                    <a:lumMod val="75000"/>
+                    <a:lumOff val="25000"/>
+                  </a:schemeClr>
+                </a:solidFill>
+                <a:latin typeface="Noto Sans CJK KR Black" pitchFamily="34" charset="-127"/>
+                <a:ea typeface="Noto Sans CJK KR Black" pitchFamily="34" charset="-127"/>
+              </a:rPr>
+            </a:br>
+            <a:r>
+              <a:rPr lang="ko-KR" altLang="en-US" sz="4400" dirty="0">
+                <a:solidFill>
+                  <a:schemeClr val="tx1">
+                    <a:lumMod val="75000"/>
+                    <a:lumOff val="25000"/>
+                  </a:schemeClr>
+                </a:solidFill>
+                <a:latin typeface="Noto Sans CJK KR Black" pitchFamily="34" charset="-127"/>
+                <a:ea typeface="Noto Sans CJK KR Black" pitchFamily="34" charset="-127"/>
+              </a:rPr>
+              <a:t>회귀분석 요약</a:t>
             </a:r>
             <a:endParaRPr lang="ko-KR" altLang="en-US" sz="4400" dirty="0">
               <a:solidFill>
@@ -7348,7 +7620,7 @@
           <p:cNvPr id="2" name="그림 1">
             <a:extLst>
               <a:ext uri="{FF2B5EF4-FFF2-40B4-BE49-F238E27FC236}">
-                <a16:creationId xmlns:a16="http://schemas.microsoft.com/office/drawing/2014/main" id="{8AEE9BC7-F6A2-42A6-B00F-AE58903195D8}"/>
+                <a16:creationId xmlns:a16="http://schemas.microsoft.com/office/drawing/2014/main" id="{018A6E6E-FD76-4616-A3E7-21307114884C}"/>
               </a:ext>
             </a:extLst>
           </p:cNvPr>
@@ -7365,8 +7637,8 @@
         </p:blipFill>
         <p:spPr>
           <a:xfrm>
-            <a:off x="3108325" y="1874925"/>
-            <a:ext cx="5943600" cy="4314825"/>
+            <a:off x="4156998" y="0"/>
+            <a:ext cx="7981950" cy="6791325"/>
           </a:xfrm>
           <a:prstGeom prst="rect">
             <a:avLst/>
@@ -7376,7 +7648,7 @@
     </p:spTree>
     <p:extLst>
       <p:ext uri="{BB962C8B-B14F-4D97-AF65-F5344CB8AC3E}">
-        <p14:creationId xmlns:p14="http://schemas.microsoft.com/office/powerpoint/2010/main" val="2815959786"/>
+        <p14:creationId xmlns:p14="http://schemas.microsoft.com/office/powerpoint/2010/main" val="4004974619"/>
       </p:ext>
     </p:extLst>
   </p:cSld>
@@ -7415,13 +7687,13 @@
         </p:nvSpPr>
         <p:spPr>
           <a:xfrm>
-            <a:off x="608016" y="551987"/>
+            <a:off x="608012" y="539949"/>
             <a:ext cx="10944225" cy="1140090"/>
           </a:xfrm>
         </p:spPr>
         <p:txBody>
           <a:bodyPr>
-            <a:normAutofit/>
+            <a:normAutofit fontScale="90000"/>
           </a:bodyPr>
           <a:lstStyle/>
           <a:p>
@@ -7437,7 +7709,7 @@
                 <a:latin typeface="Noto Sans CJK KR Black" pitchFamily="34" charset="-127"/>
                 <a:ea typeface="Noto Sans CJK KR Black" pitchFamily="34" charset="-127"/>
               </a:rPr>
-              <a:t>5. </a:t>
+              <a:t>3. (</a:t>
             </a:r>
             <a:r>
               <a:rPr lang="ko-KR" altLang="en-US" sz="4400" dirty="0">
@@ -7450,7 +7722,45 @@
                 <a:latin typeface="Noto Sans CJK KR Black" pitchFamily="34" charset="-127"/>
                 <a:ea typeface="Noto Sans CJK KR Black" pitchFamily="34" charset="-127"/>
               </a:rPr>
-              <a:t>모델링 방향</a:t>
+              <a:t>시계열</a:t>
+            </a:r>
+            <a:r>
+              <a:rPr lang="en-US" altLang="ko-KR" sz="4400" dirty="0">
+                <a:solidFill>
+                  <a:schemeClr val="tx1">
+                    <a:lumMod val="75000"/>
+                    <a:lumOff val="25000"/>
+                  </a:schemeClr>
+                </a:solidFill>
+                <a:latin typeface="Noto Sans CJK KR Black" pitchFamily="34" charset="-127"/>
+                <a:ea typeface="Noto Sans CJK KR Black" pitchFamily="34" charset="-127"/>
+              </a:rPr>
+              <a:t>) </a:t>
+            </a:r>
+            <a:br>
+              <a:rPr lang="en-US" altLang="ko-KR" sz="4400" dirty="0">
+                <a:solidFill>
+                  <a:schemeClr val="tx1">
+                    <a:lumMod val="75000"/>
+                    <a:lumOff val="25000"/>
+                  </a:schemeClr>
+                </a:solidFill>
+                <a:latin typeface="Noto Sans CJK KR Black" pitchFamily="34" charset="-127"/>
+                <a:ea typeface="Noto Sans CJK KR Black" pitchFamily="34" charset="-127"/>
+              </a:rPr>
+            </a:br>
+            <a:r>
+              <a:rPr lang="ko-KR" altLang="en-US" sz="4400" dirty="0">
+                <a:solidFill>
+                  <a:schemeClr val="tx1">
+                    <a:lumMod val="75000"/>
+                    <a:lumOff val="25000"/>
+                  </a:schemeClr>
+                </a:solidFill>
+                <a:latin typeface="Noto Sans CJK KR Black" pitchFamily="34" charset="-127"/>
+                <a:ea typeface="Noto Sans CJK KR Black" pitchFamily="34" charset="-127"/>
+              </a:rPr>
+              <a:t>회귀분석 요약</a:t>
             </a:r>
             <a:endParaRPr lang="ko-KR" altLang="en-US" sz="4400" dirty="0">
               <a:solidFill>
@@ -7489,10 +7799,10 @@
       </p:sp>
       <p:pic>
         <p:nvPicPr>
-          <p:cNvPr id="4" name="그림 3">
+          <p:cNvPr id="2" name="그림 1">
             <a:extLst>
               <a:ext uri="{FF2B5EF4-FFF2-40B4-BE49-F238E27FC236}">
-                <a16:creationId xmlns:a16="http://schemas.microsoft.com/office/drawing/2014/main" id="{5DA82A08-CFE5-46C0-9AA2-C861C3631522}"/>
+                <a16:creationId xmlns:a16="http://schemas.microsoft.com/office/drawing/2014/main" id="{5247731D-FA2D-4D0D-B652-962CD35CFC44}"/>
               </a:ext>
             </a:extLst>
           </p:cNvPr>
@@ -7509,8 +7819,8 @@
         </p:blipFill>
         <p:spPr>
           <a:xfrm>
-            <a:off x="1436687" y="1764469"/>
-            <a:ext cx="9286875" cy="4781550"/>
+            <a:off x="3991893" y="788638"/>
+            <a:ext cx="8143275" cy="5583960"/>
           </a:xfrm>
           <a:prstGeom prst="rect">
             <a:avLst/>
@@ -7520,7 +7830,7 @@
     </p:spTree>
     <p:extLst>
       <p:ext uri="{BB962C8B-B14F-4D97-AF65-F5344CB8AC3E}">
-        <p14:creationId xmlns:p14="http://schemas.microsoft.com/office/powerpoint/2010/main" val="820174571"/>
+        <p14:creationId xmlns:p14="http://schemas.microsoft.com/office/powerpoint/2010/main" val="1417976488"/>
       </p:ext>
     </p:extLst>
   </p:cSld>
@@ -7547,12 +7857,122 @@
           <a:chExt cx="0" cy="0"/>
         </a:xfrm>
       </p:grpSpPr>
+      <p:sp>
+        <p:nvSpPr>
+          <p:cNvPr id="5" name="제목 4"/>
+          <p:cNvSpPr>
+            <a:spLocks noGrp="1"/>
+          </p:cNvSpPr>
+          <p:nvPr>
+            <p:ph type="title"/>
+          </p:nvPr>
+        </p:nvSpPr>
+        <p:spPr>
+          <a:xfrm>
+            <a:off x="608012" y="539949"/>
+            <a:ext cx="10944225" cy="1140090"/>
+          </a:xfrm>
+        </p:spPr>
+        <p:txBody>
+          <a:bodyPr>
+            <a:normAutofit/>
+          </a:bodyPr>
+          <a:lstStyle/>
+          <a:p>
+            <a:pPr algn="l"/>
+            <a:r>
+              <a:rPr lang="en-US" altLang="ko-KR" sz="4400" dirty="0">
+                <a:solidFill>
+                  <a:schemeClr val="tx1">
+                    <a:lumMod val="75000"/>
+                    <a:lumOff val="25000"/>
+                  </a:schemeClr>
+                </a:solidFill>
+                <a:latin typeface="Noto Sans CJK KR Black" pitchFamily="34" charset="-127"/>
+                <a:ea typeface="Noto Sans CJK KR Black" pitchFamily="34" charset="-127"/>
+              </a:rPr>
+              <a:t>3. (</a:t>
+            </a:r>
+            <a:r>
+              <a:rPr lang="ko-KR" altLang="en-US" sz="4400" dirty="0">
+                <a:solidFill>
+                  <a:schemeClr val="tx1">
+                    <a:lumMod val="75000"/>
+                    <a:lumOff val="25000"/>
+                  </a:schemeClr>
+                </a:solidFill>
+                <a:latin typeface="Noto Sans CJK KR Black" pitchFamily="34" charset="-127"/>
+                <a:ea typeface="Noto Sans CJK KR Black" pitchFamily="34" charset="-127"/>
+              </a:rPr>
+              <a:t>시계열</a:t>
+            </a:r>
+            <a:r>
+              <a:rPr lang="en-US" altLang="ko-KR" sz="4400" dirty="0">
+                <a:solidFill>
+                  <a:schemeClr val="tx1">
+                    <a:lumMod val="75000"/>
+                    <a:lumOff val="25000"/>
+                  </a:schemeClr>
+                </a:solidFill>
+                <a:latin typeface="Noto Sans CJK KR Black" pitchFamily="34" charset="-127"/>
+                <a:ea typeface="Noto Sans CJK KR Black" pitchFamily="34" charset="-127"/>
+              </a:rPr>
+              <a:t>) </a:t>
+            </a:r>
+            <a:r>
+              <a:rPr lang="ko-KR" altLang="en-US" sz="4400" dirty="0">
+                <a:solidFill>
+                  <a:schemeClr val="tx1">
+                    <a:lumMod val="75000"/>
+                    <a:lumOff val="25000"/>
+                  </a:schemeClr>
+                </a:solidFill>
+                <a:latin typeface="Noto Sans CJK KR Black" pitchFamily="34" charset="-127"/>
+                <a:ea typeface="Noto Sans CJK KR Black" pitchFamily="34" charset="-127"/>
+              </a:rPr>
+              <a:t>회귀분석 요약</a:t>
+            </a:r>
+            <a:endParaRPr lang="ko-KR" altLang="en-US" sz="4400" dirty="0">
+              <a:solidFill>
+                <a:schemeClr val="tx1">
+                  <a:lumMod val="75000"/>
+                  <a:lumOff val="25000"/>
+                </a:schemeClr>
+              </a:solidFill>
+            </a:endParaRPr>
+          </a:p>
+        </p:txBody>
+      </p:sp>
+      <p:sp>
+        <p:nvSpPr>
+          <p:cNvPr id="3" name="슬라이드 번호 개체 틀 2"/>
+          <p:cNvSpPr>
+            <a:spLocks noGrp="1"/>
+          </p:cNvSpPr>
+          <p:nvPr>
+            <p:ph type="sldNum" sz="quarter" idx="12"/>
+          </p:nvPr>
+        </p:nvSpPr>
+        <p:spPr/>
+        <p:txBody>
+          <a:bodyPr/>
+          <a:lstStyle/>
+          <a:p>
+            <a:fld id="{6DDAE2C3-1A0B-474A-8CE8-AE55B8D9D4B1}" type="slidenum">
+              <a:rPr lang="ko-KR" altLang="en-US" smtClean="0"/>
+              <a:pPr/>
+              <a:t>29</a:t>
+            </a:fld>
+            <a:endParaRPr lang="ko-KR" altLang="en-US" dirty="0"/>
+          </a:p>
+        </p:txBody>
+      </p:sp>
       <p:pic>
         <p:nvPicPr>
-          <p:cNvPr id="6" name="그림 5">
+          <p:cNvPr id="2" name="그림 1">
             <a:extLst>
               <a:ext uri="{FF2B5EF4-FFF2-40B4-BE49-F238E27FC236}">
-                <a16:creationId xmlns:a16="http://schemas.microsoft.com/office/drawing/2014/main" id="{BBAC9E91-9153-408F-9FE7-180185DF5B99}"/>
+                <a16:creationId xmlns:a16="http://schemas.microsoft.com/office/drawing/2014/main" id="{E39D56FB-A8CE-4564-AA63-2AB0A3D06C98}"/>
               </a:ext>
             </a:extLst>
           </p:cNvPr>
@@ -7569,122 +7989,8 @@
         </p:blipFill>
         <p:spPr>
           <a:xfrm>
-            <a:off x="6302404" y="971997"/>
-            <a:ext cx="5843127" cy="5418815"/>
-          </a:xfrm>
-          <a:prstGeom prst="rect">
-            <a:avLst/>
-          </a:prstGeom>
-        </p:spPr>
-      </p:pic>
-      <p:sp>
-        <p:nvSpPr>
-          <p:cNvPr id="5" name="제목 4"/>
-          <p:cNvSpPr>
-            <a:spLocks noGrp="1"/>
-          </p:cNvSpPr>
-          <p:nvPr>
-            <p:ph type="title"/>
-          </p:nvPr>
-        </p:nvSpPr>
-        <p:spPr>
-          <a:xfrm>
-            <a:off x="608016" y="551987"/>
-            <a:ext cx="10944225" cy="1140090"/>
-          </a:xfrm>
-        </p:spPr>
-        <p:txBody>
-          <a:bodyPr>
-            <a:normAutofit/>
-          </a:bodyPr>
-          <a:lstStyle/>
-          <a:p>
-            <a:pPr algn="l"/>
-            <a:r>
-              <a:rPr lang="en-US" altLang="ko-KR" sz="4400" dirty="0">
-                <a:solidFill>
-                  <a:schemeClr val="tx1">
-                    <a:lumMod val="75000"/>
-                    <a:lumOff val="25000"/>
-                  </a:schemeClr>
-                </a:solidFill>
-                <a:latin typeface="Noto Sans CJK KR Black" pitchFamily="34" charset="-127"/>
-                <a:ea typeface="Noto Sans CJK KR Black" pitchFamily="34" charset="-127"/>
-              </a:rPr>
-              <a:t>5. </a:t>
-            </a:r>
-            <a:r>
-              <a:rPr lang="ko-KR" altLang="en-US" sz="4400" dirty="0">
-                <a:solidFill>
-                  <a:schemeClr val="tx1">
-                    <a:lumMod val="75000"/>
-                    <a:lumOff val="25000"/>
-                  </a:schemeClr>
-                </a:solidFill>
-                <a:latin typeface="Noto Sans CJK KR Black" pitchFamily="34" charset="-127"/>
-                <a:ea typeface="Noto Sans CJK KR Black" pitchFamily="34" charset="-127"/>
-              </a:rPr>
-              <a:t>모델링 방향</a:t>
-            </a:r>
-            <a:endParaRPr lang="ko-KR" altLang="en-US" sz="4400" dirty="0">
-              <a:solidFill>
-                <a:schemeClr val="tx1">
-                  <a:lumMod val="75000"/>
-                  <a:lumOff val="25000"/>
-                </a:schemeClr>
-              </a:solidFill>
-            </a:endParaRPr>
-          </a:p>
-        </p:txBody>
-      </p:sp>
-      <p:sp>
-        <p:nvSpPr>
-          <p:cNvPr id="3" name="슬라이드 번호 개체 틀 2"/>
-          <p:cNvSpPr>
-            <a:spLocks noGrp="1"/>
-          </p:cNvSpPr>
-          <p:nvPr>
-            <p:ph type="sldNum" sz="quarter" idx="12"/>
-          </p:nvPr>
-        </p:nvSpPr>
-        <p:spPr/>
-        <p:txBody>
-          <a:bodyPr/>
-          <a:lstStyle/>
-          <a:p>
-            <a:fld id="{6DDAE2C3-1A0B-474A-8CE8-AE55B8D9D4B1}" type="slidenum">
-              <a:rPr lang="ko-KR" altLang="en-US" smtClean="0"/>
-              <a:pPr/>
-              <a:t>29</a:t>
-            </a:fld>
-            <a:endParaRPr lang="ko-KR" altLang="en-US" dirty="0"/>
-          </a:p>
-        </p:txBody>
-      </p:sp>
-      <p:pic>
-        <p:nvPicPr>
-          <p:cNvPr id="2" name="그림 1">
-            <a:extLst>
-              <a:ext uri="{FF2B5EF4-FFF2-40B4-BE49-F238E27FC236}">
-                <a16:creationId xmlns:a16="http://schemas.microsoft.com/office/drawing/2014/main" id="{A8E7DBC2-0D69-4312-BD20-AE362E019A49}"/>
-              </a:ext>
-            </a:extLst>
-          </p:cNvPr>
-          <p:cNvPicPr>
-            <a:picLocks noChangeAspect="1"/>
-          </p:cNvPicPr>
-          <p:nvPr/>
-        </p:nvPicPr>
-        <p:blipFill>
-          <a:blip r:embed="rId3"/>
-          <a:stretch>
-            <a:fillRect/>
-          </a:stretch>
-        </p:blipFill>
-        <p:spPr>
-          <a:xfrm>
-            <a:off x="34386" y="2058895"/>
-            <a:ext cx="6362700" cy="4495800"/>
+            <a:off x="3965574" y="2268141"/>
+            <a:ext cx="4229100" cy="3028950"/>
           </a:xfrm>
           <a:prstGeom prst="rect">
             <a:avLst/>
@@ -7694,7 +8000,7 @@
     </p:spTree>
     <p:extLst>
       <p:ext uri="{BB962C8B-B14F-4D97-AF65-F5344CB8AC3E}">
-        <p14:creationId xmlns:p14="http://schemas.microsoft.com/office/powerpoint/2010/main" val="2012214992"/>
+        <p14:creationId xmlns:p14="http://schemas.microsoft.com/office/powerpoint/2010/main" val="869829343"/>
       </p:ext>
     </p:extLst>
   </p:cSld>
@@ -7723,95 +8029,6 @@
       </p:grpSpPr>
       <p:sp>
         <p:nvSpPr>
-          <p:cNvPr id="5" name="제목 4"/>
-          <p:cNvSpPr>
-            <a:spLocks noGrp="1"/>
-          </p:cNvSpPr>
-          <p:nvPr>
-            <p:ph type="title"/>
-          </p:nvPr>
-        </p:nvSpPr>
-        <p:spPr>
-          <a:xfrm>
-            <a:off x="608016" y="551987"/>
-            <a:ext cx="10944225" cy="1140090"/>
-          </a:xfrm>
-        </p:spPr>
-        <p:txBody>
-          <a:bodyPr>
-            <a:normAutofit/>
-          </a:bodyPr>
-          <a:lstStyle/>
-          <a:p>
-            <a:pPr algn="l"/>
-            <a:r>
-              <a:rPr lang="ko-KR" altLang="en-US" sz="4400" dirty="0">
-                <a:solidFill>
-                  <a:schemeClr val="tx1">
-                    <a:lumMod val="75000"/>
-                    <a:lumOff val="25000"/>
-                  </a:schemeClr>
-                </a:solidFill>
-                <a:latin typeface="Noto Sans CJK KR Black" pitchFamily="34" charset="-127"/>
-                <a:ea typeface="Noto Sans CJK KR Black" pitchFamily="34" charset="-127"/>
-              </a:rPr>
-              <a:t>강의순서</a:t>
-            </a:r>
-            <a:r>
-              <a:rPr lang="en-US" altLang="ko-KR" sz="4400" dirty="0">
-                <a:solidFill>
-                  <a:schemeClr val="tx1">
-                    <a:lumMod val="75000"/>
-                    <a:lumOff val="25000"/>
-                  </a:schemeClr>
-                </a:solidFill>
-                <a:latin typeface="Noto Sans CJK KR Black" pitchFamily="34" charset="-127"/>
-                <a:ea typeface="Noto Sans CJK KR Black" pitchFamily="34" charset="-127"/>
-              </a:rPr>
-              <a:t>(Part1: 2</a:t>
-            </a:r>
-            <a:r>
-              <a:rPr lang="ko-KR" altLang="en-US" sz="4400" dirty="0">
-                <a:solidFill>
-                  <a:schemeClr val="tx1">
-                    <a:lumMod val="75000"/>
-                    <a:lumOff val="25000"/>
-                  </a:schemeClr>
-                </a:solidFill>
-                <a:latin typeface="Noto Sans CJK KR Black" pitchFamily="34" charset="-127"/>
-                <a:ea typeface="Noto Sans CJK KR Black" pitchFamily="34" charset="-127"/>
-              </a:rPr>
-              <a:t>회차</a:t>
-            </a:r>
-            <a:r>
-              <a:rPr lang="en-US" altLang="ko-KR" sz="4400" dirty="0">
-                <a:solidFill>
-                  <a:schemeClr val="tx1">
-                    <a:lumMod val="75000"/>
-                    <a:lumOff val="25000"/>
-                  </a:schemeClr>
-                </a:solidFill>
-                <a:latin typeface="Noto Sans CJK KR Black" pitchFamily="34" charset="-127"/>
-                <a:ea typeface="Noto Sans CJK KR Black" pitchFamily="34" charset="-127"/>
-              </a:rPr>
-              <a:t>)</a:t>
-            </a:r>
-            <a:r>
-              <a:rPr lang="ko-KR" altLang="en-US" sz="4400" dirty="0">
-                <a:solidFill>
-                  <a:schemeClr val="tx1">
-                    <a:lumMod val="75000"/>
-                    <a:lumOff val="25000"/>
-                  </a:schemeClr>
-                </a:solidFill>
-              </a:rPr>
-              <a:t> </a:t>
-            </a:r>
-          </a:p>
-        </p:txBody>
-      </p:sp>
-      <p:sp>
-        <p:nvSpPr>
           <p:cNvPr id="15" name="슬라이드 번호 개체 틀 14"/>
           <p:cNvSpPr>
             <a:spLocks noGrp="1"/>
@@ -7836,10 +8053,10 @@
       </p:sp>
       <p:pic>
         <p:nvPicPr>
-          <p:cNvPr id="2" name="그림 1">
+          <p:cNvPr id="6" name="그림 5">
             <a:extLst>
               <a:ext uri="{FF2B5EF4-FFF2-40B4-BE49-F238E27FC236}">
-                <a16:creationId xmlns:a16="http://schemas.microsoft.com/office/drawing/2014/main" id="{2A3AFCE8-F8D3-4355-89A3-7DEA2269857E}"/>
+                <a16:creationId xmlns:a16="http://schemas.microsoft.com/office/drawing/2014/main" id="{FBF6FBD4-F457-4986-8934-E1BD8B371B17}"/>
               </a:ext>
             </a:extLst>
           </p:cNvPr>
@@ -7856,8 +8073,8 @@
         </p:blipFill>
         <p:spPr>
           <a:xfrm>
-            <a:off x="2480125" y="1693765"/>
-            <a:ext cx="7200000" cy="4903068"/>
+            <a:off x="3470275" y="243681"/>
+            <a:ext cx="5219700" cy="6353175"/>
           </a:xfrm>
           <a:prstGeom prst="rect">
             <a:avLst/>
@@ -7878,2069 +8095,6 @@
 </file>
 
 <file path=ppt/slides/slide30.xml><?xml version="1.0" encoding="utf-8"?>
-<p:sld xmlns:a="http://schemas.openxmlformats.org/drawingml/2006/main" xmlns:r="http://schemas.openxmlformats.org/officeDocument/2006/relationships" xmlns:p="http://schemas.openxmlformats.org/presentationml/2006/main">
-  <p:cSld>
-    <p:spTree>
-      <p:nvGrpSpPr>
-        <p:cNvPr id="1" name=""/>
-        <p:cNvGrpSpPr/>
-        <p:nvPr/>
-      </p:nvGrpSpPr>
-      <p:grpSpPr>
-        <a:xfrm>
-          <a:off x="0" y="0"/>
-          <a:ext cx="0" cy="0"/>
-          <a:chOff x="0" y="0"/>
-          <a:chExt cx="0" cy="0"/>
-        </a:xfrm>
-      </p:grpSpPr>
-      <p:sp>
-        <p:nvSpPr>
-          <p:cNvPr id="5" name="제목 4"/>
-          <p:cNvSpPr>
-            <a:spLocks noGrp="1"/>
-          </p:cNvSpPr>
-          <p:nvPr>
-            <p:ph type="title"/>
-          </p:nvPr>
-        </p:nvSpPr>
-        <p:spPr>
-          <a:xfrm>
-            <a:off x="608016" y="551987"/>
-            <a:ext cx="10944225" cy="1140090"/>
-          </a:xfrm>
-        </p:spPr>
-        <p:txBody>
-          <a:bodyPr>
-            <a:normAutofit/>
-          </a:bodyPr>
-          <a:lstStyle/>
-          <a:p>
-            <a:pPr algn="l"/>
-            <a:r>
-              <a:rPr lang="en-US" altLang="ko-KR" sz="4400" dirty="0">
-                <a:solidFill>
-                  <a:schemeClr val="tx1">
-                    <a:lumMod val="75000"/>
-                    <a:lumOff val="25000"/>
-                  </a:schemeClr>
-                </a:solidFill>
-                <a:latin typeface="Noto Sans CJK KR Black" pitchFamily="34" charset="-127"/>
-                <a:ea typeface="Noto Sans CJK KR Black" pitchFamily="34" charset="-127"/>
-              </a:rPr>
-              <a:t>5. </a:t>
-            </a:r>
-            <a:r>
-              <a:rPr lang="ko-KR" altLang="en-US" sz="4400" dirty="0">
-                <a:solidFill>
-                  <a:schemeClr val="tx1">
-                    <a:lumMod val="75000"/>
-                    <a:lumOff val="25000"/>
-                  </a:schemeClr>
-                </a:solidFill>
-                <a:latin typeface="Noto Sans CJK KR Black" pitchFamily="34" charset="-127"/>
-                <a:ea typeface="Noto Sans CJK KR Black" pitchFamily="34" charset="-127"/>
-              </a:rPr>
-              <a:t>모델링 방향</a:t>
-            </a:r>
-            <a:endParaRPr lang="ko-KR" altLang="en-US" sz="4400" dirty="0">
-              <a:solidFill>
-                <a:schemeClr val="tx1">
-                  <a:lumMod val="75000"/>
-                  <a:lumOff val="25000"/>
-                </a:schemeClr>
-              </a:solidFill>
-            </a:endParaRPr>
-          </a:p>
-        </p:txBody>
-      </p:sp>
-      <p:sp>
-        <p:nvSpPr>
-          <p:cNvPr id="3" name="슬라이드 번호 개체 틀 2"/>
-          <p:cNvSpPr>
-            <a:spLocks noGrp="1"/>
-          </p:cNvSpPr>
-          <p:nvPr>
-            <p:ph type="sldNum" sz="quarter" idx="12"/>
-          </p:nvPr>
-        </p:nvSpPr>
-        <p:spPr/>
-        <p:txBody>
-          <a:bodyPr/>
-          <a:lstStyle/>
-          <a:p>
-            <a:fld id="{6DDAE2C3-1A0B-474A-8CE8-AE55B8D9D4B1}" type="slidenum">
-              <a:rPr lang="ko-KR" altLang="en-US" smtClean="0"/>
-              <a:pPr/>
-              <a:t>30</a:t>
-            </a:fld>
-            <a:endParaRPr lang="ko-KR" altLang="en-US" dirty="0"/>
-          </a:p>
-        </p:txBody>
-      </p:sp>
-      <p:pic>
-        <p:nvPicPr>
-          <p:cNvPr id="2" name="그림 1">
-            <a:extLst>
-              <a:ext uri="{FF2B5EF4-FFF2-40B4-BE49-F238E27FC236}">
-                <a16:creationId xmlns:a16="http://schemas.microsoft.com/office/drawing/2014/main" id="{BA66B43F-47C5-41BB-8215-5DDCA37AE8B0}"/>
-              </a:ext>
-            </a:extLst>
-          </p:cNvPr>
-          <p:cNvPicPr>
-            <a:picLocks noChangeAspect="1"/>
-          </p:cNvPicPr>
-          <p:nvPr/>
-        </p:nvPicPr>
-        <p:blipFill>
-          <a:blip r:embed="rId2"/>
-          <a:stretch>
-            <a:fillRect/>
-          </a:stretch>
-        </p:blipFill>
-        <p:spPr>
-          <a:xfrm>
-            <a:off x="191715" y="1535020"/>
-            <a:ext cx="6505575" cy="5019675"/>
-          </a:xfrm>
-          <a:prstGeom prst="rect">
-            <a:avLst/>
-          </a:prstGeom>
-        </p:spPr>
-      </p:pic>
-      <p:pic>
-        <p:nvPicPr>
-          <p:cNvPr id="4" name="그림 3">
-            <a:extLst>
-              <a:ext uri="{FF2B5EF4-FFF2-40B4-BE49-F238E27FC236}">
-                <a16:creationId xmlns:a16="http://schemas.microsoft.com/office/drawing/2014/main" id="{1998AAD1-7103-4C83-BD9F-0F0EF736F749}"/>
-              </a:ext>
-            </a:extLst>
-          </p:cNvPr>
-          <p:cNvPicPr>
-            <a:picLocks noChangeAspect="1"/>
-          </p:cNvPicPr>
-          <p:nvPr/>
-        </p:nvPicPr>
-        <p:blipFill>
-          <a:blip r:embed="rId3"/>
-          <a:stretch>
-            <a:fillRect/>
-          </a:stretch>
-        </p:blipFill>
-        <p:spPr>
-          <a:xfrm>
-            <a:off x="6686572" y="2556173"/>
-            <a:ext cx="5343525" cy="2105025"/>
-          </a:xfrm>
-          <a:prstGeom prst="rect">
-            <a:avLst/>
-          </a:prstGeom>
-        </p:spPr>
-      </p:pic>
-    </p:spTree>
-    <p:extLst>
-      <p:ext uri="{BB962C8B-B14F-4D97-AF65-F5344CB8AC3E}">
-        <p14:creationId xmlns:p14="http://schemas.microsoft.com/office/powerpoint/2010/main" val="505519641"/>
-      </p:ext>
-    </p:extLst>
-  </p:cSld>
-  <p:clrMapOvr>
-    <a:masterClrMapping/>
-  </p:clrMapOvr>
-</p:sld>
-</file>
-
-<file path=ppt/slides/slide31.xml><?xml version="1.0" encoding="utf-8"?>
-<p:sld xmlns:a="http://schemas.openxmlformats.org/drawingml/2006/main" xmlns:r="http://schemas.openxmlformats.org/officeDocument/2006/relationships" xmlns:p="http://schemas.openxmlformats.org/presentationml/2006/main">
-  <p:cSld>
-    <p:spTree>
-      <p:nvGrpSpPr>
-        <p:cNvPr id="1" name=""/>
-        <p:cNvGrpSpPr/>
-        <p:nvPr/>
-      </p:nvGrpSpPr>
-      <p:grpSpPr>
-        <a:xfrm>
-          <a:off x="0" y="0"/>
-          <a:ext cx="0" cy="0"/>
-          <a:chOff x="0" y="0"/>
-          <a:chExt cx="0" cy="0"/>
-        </a:xfrm>
-      </p:grpSpPr>
-      <p:sp>
-        <p:nvSpPr>
-          <p:cNvPr id="5" name="제목 4"/>
-          <p:cNvSpPr>
-            <a:spLocks noGrp="1"/>
-          </p:cNvSpPr>
-          <p:nvPr>
-            <p:ph type="title"/>
-          </p:nvPr>
-        </p:nvSpPr>
-        <p:spPr>
-          <a:xfrm>
-            <a:off x="608016" y="551987"/>
-            <a:ext cx="10944225" cy="1140090"/>
-          </a:xfrm>
-        </p:spPr>
-        <p:txBody>
-          <a:bodyPr>
-            <a:normAutofit/>
-          </a:bodyPr>
-          <a:lstStyle/>
-          <a:p>
-            <a:pPr algn="l"/>
-            <a:r>
-              <a:rPr lang="en-US" altLang="ko-KR" sz="4400" dirty="0">
-                <a:solidFill>
-                  <a:schemeClr val="tx1">
-                    <a:lumMod val="75000"/>
-                    <a:lumOff val="25000"/>
-                  </a:schemeClr>
-                </a:solidFill>
-                <a:latin typeface="Noto Sans CJK KR Black" pitchFamily="34" charset="-127"/>
-                <a:ea typeface="Noto Sans CJK KR Black" pitchFamily="34" charset="-127"/>
-              </a:rPr>
-              <a:t>5. </a:t>
-            </a:r>
-            <a:r>
-              <a:rPr lang="ko-KR" altLang="en-US" sz="4400" dirty="0">
-                <a:solidFill>
-                  <a:schemeClr val="tx1">
-                    <a:lumMod val="75000"/>
-                    <a:lumOff val="25000"/>
-                  </a:schemeClr>
-                </a:solidFill>
-                <a:latin typeface="Noto Sans CJK KR Black" pitchFamily="34" charset="-127"/>
-                <a:ea typeface="Noto Sans CJK KR Black" pitchFamily="34" charset="-127"/>
-              </a:rPr>
-              <a:t>모델링 방향</a:t>
-            </a:r>
-            <a:endParaRPr lang="ko-KR" altLang="en-US" sz="4400" dirty="0">
-              <a:solidFill>
-                <a:schemeClr val="tx1">
-                  <a:lumMod val="75000"/>
-                  <a:lumOff val="25000"/>
-                </a:schemeClr>
-              </a:solidFill>
-            </a:endParaRPr>
-          </a:p>
-        </p:txBody>
-      </p:sp>
-      <p:sp>
-        <p:nvSpPr>
-          <p:cNvPr id="3" name="슬라이드 번호 개체 틀 2"/>
-          <p:cNvSpPr>
-            <a:spLocks noGrp="1"/>
-          </p:cNvSpPr>
-          <p:nvPr>
-            <p:ph type="sldNum" sz="quarter" idx="12"/>
-          </p:nvPr>
-        </p:nvSpPr>
-        <p:spPr/>
-        <p:txBody>
-          <a:bodyPr/>
-          <a:lstStyle/>
-          <a:p>
-            <a:fld id="{6DDAE2C3-1A0B-474A-8CE8-AE55B8D9D4B1}" type="slidenum">
-              <a:rPr lang="ko-KR" altLang="en-US" smtClean="0"/>
-              <a:pPr/>
-              <a:t>31</a:t>
-            </a:fld>
-            <a:endParaRPr lang="ko-KR" altLang="en-US" dirty="0"/>
-          </a:p>
-        </p:txBody>
-      </p:sp>
-      <p:pic>
-        <p:nvPicPr>
-          <p:cNvPr id="2" name="그림 1">
-            <a:extLst>
-              <a:ext uri="{FF2B5EF4-FFF2-40B4-BE49-F238E27FC236}">
-                <a16:creationId xmlns:a16="http://schemas.microsoft.com/office/drawing/2014/main" id="{744CDB84-15B7-49B3-8775-D58BD65C0E4C}"/>
-              </a:ext>
-            </a:extLst>
-          </p:cNvPr>
-          <p:cNvPicPr>
-            <a:picLocks noChangeAspect="1"/>
-          </p:cNvPicPr>
-          <p:nvPr/>
-        </p:nvPicPr>
-        <p:blipFill>
-          <a:blip r:embed="rId2"/>
-          <a:stretch>
-            <a:fillRect/>
-          </a:stretch>
-        </p:blipFill>
-        <p:spPr>
-          <a:xfrm>
-            <a:off x="1941319" y="1908101"/>
-            <a:ext cx="8277611" cy="4380450"/>
-          </a:xfrm>
-          <a:prstGeom prst="rect">
-            <a:avLst/>
-          </a:prstGeom>
-        </p:spPr>
-      </p:pic>
-    </p:spTree>
-    <p:extLst>
-      <p:ext uri="{BB962C8B-B14F-4D97-AF65-F5344CB8AC3E}">
-        <p14:creationId xmlns:p14="http://schemas.microsoft.com/office/powerpoint/2010/main" val="3380370254"/>
-      </p:ext>
-    </p:extLst>
-  </p:cSld>
-  <p:clrMapOvr>
-    <a:masterClrMapping/>
-  </p:clrMapOvr>
-</p:sld>
-</file>
-
-<file path=ppt/slides/slide32.xml><?xml version="1.0" encoding="utf-8"?>
-<p:sld xmlns:a="http://schemas.openxmlformats.org/drawingml/2006/main" xmlns:r="http://schemas.openxmlformats.org/officeDocument/2006/relationships" xmlns:p="http://schemas.openxmlformats.org/presentationml/2006/main">
-  <p:cSld>
-    <p:spTree>
-      <p:nvGrpSpPr>
-        <p:cNvPr id="1" name=""/>
-        <p:cNvGrpSpPr/>
-        <p:nvPr/>
-      </p:nvGrpSpPr>
-      <p:grpSpPr>
-        <a:xfrm>
-          <a:off x="0" y="0"/>
-          <a:ext cx="0" cy="0"/>
-          <a:chOff x="0" y="0"/>
-          <a:chExt cx="0" cy="0"/>
-        </a:xfrm>
-      </p:grpSpPr>
-      <p:sp>
-        <p:nvSpPr>
-          <p:cNvPr id="5" name="제목 4"/>
-          <p:cNvSpPr>
-            <a:spLocks noGrp="1"/>
-          </p:cNvSpPr>
-          <p:nvPr>
-            <p:ph type="title"/>
-          </p:nvPr>
-        </p:nvSpPr>
-        <p:spPr>
-          <a:xfrm>
-            <a:off x="608016" y="551987"/>
-            <a:ext cx="10944225" cy="1140090"/>
-          </a:xfrm>
-        </p:spPr>
-        <p:txBody>
-          <a:bodyPr>
-            <a:normAutofit/>
-          </a:bodyPr>
-          <a:lstStyle/>
-          <a:p>
-            <a:pPr algn="l"/>
-            <a:r>
-              <a:rPr lang="en-US" altLang="ko-KR" sz="4400" dirty="0">
-                <a:solidFill>
-                  <a:schemeClr val="tx1">
-                    <a:lumMod val="75000"/>
-                    <a:lumOff val="25000"/>
-                  </a:schemeClr>
-                </a:solidFill>
-                <a:latin typeface="Noto Sans CJK KR Black" pitchFamily="34" charset="-127"/>
-                <a:ea typeface="Noto Sans CJK KR Black" pitchFamily="34" charset="-127"/>
-              </a:rPr>
-              <a:t>5. </a:t>
-            </a:r>
-            <a:r>
-              <a:rPr lang="ko-KR" altLang="en-US" sz="4400" dirty="0">
-                <a:solidFill>
-                  <a:schemeClr val="tx1">
-                    <a:lumMod val="75000"/>
-                    <a:lumOff val="25000"/>
-                  </a:schemeClr>
-                </a:solidFill>
-                <a:latin typeface="Noto Sans CJK KR Black" pitchFamily="34" charset="-127"/>
-                <a:ea typeface="Noto Sans CJK KR Black" pitchFamily="34" charset="-127"/>
-              </a:rPr>
-              <a:t>모델링 방향</a:t>
-            </a:r>
-            <a:endParaRPr lang="ko-KR" altLang="en-US" sz="4400" dirty="0">
-              <a:solidFill>
-                <a:schemeClr val="tx1">
-                  <a:lumMod val="75000"/>
-                  <a:lumOff val="25000"/>
-                </a:schemeClr>
-              </a:solidFill>
-            </a:endParaRPr>
-          </a:p>
-        </p:txBody>
-      </p:sp>
-      <p:sp>
-        <p:nvSpPr>
-          <p:cNvPr id="3" name="슬라이드 번호 개체 틀 2"/>
-          <p:cNvSpPr>
-            <a:spLocks noGrp="1"/>
-          </p:cNvSpPr>
-          <p:nvPr>
-            <p:ph type="sldNum" sz="quarter" idx="12"/>
-          </p:nvPr>
-        </p:nvSpPr>
-        <p:spPr/>
-        <p:txBody>
-          <a:bodyPr/>
-          <a:lstStyle/>
-          <a:p>
-            <a:fld id="{6DDAE2C3-1A0B-474A-8CE8-AE55B8D9D4B1}" type="slidenum">
-              <a:rPr lang="ko-KR" altLang="en-US" smtClean="0"/>
-              <a:pPr/>
-              <a:t>32</a:t>
-            </a:fld>
-            <a:endParaRPr lang="ko-KR" altLang="en-US" dirty="0"/>
-          </a:p>
-        </p:txBody>
-      </p:sp>
-      <p:pic>
-        <p:nvPicPr>
-          <p:cNvPr id="2" name="그림 1">
-            <a:extLst>
-              <a:ext uri="{FF2B5EF4-FFF2-40B4-BE49-F238E27FC236}">
-                <a16:creationId xmlns:a16="http://schemas.microsoft.com/office/drawing/2014/main" id="{4BFDC321-EAB2-4930-80F9-4DAB77509BF3}"/>
-              </a:ext>
-            </a:extLst>
-          </p:cNvPr>
-          <p:cNvPicPr>
-            <a:picLocks noChangeAspect="1"/>
-          </p:cNvPicPr>
-          <p:nvPr/>
-        </p:nvPicPr>
-        <p:blipFill>
-          <a:blip r:embed="rId2"/>
-          <a:stretch>
-            <a:fillRect/>
-          </a:stretch>
-        </p:blipFill>
-        <p:spPr>
-          <a:xfrm>
-            <a:off x="1514062" y="1958327"/>
-            <a:ext cx="9132126" cy="4214019"/>
-          </a:xfrm>
-          <a:prstGeom prst="rect">
-            <a:avLst/>
-          </a:prstGeom>
-        </p:spPr>
-      </p:pic>
-    </p:spTree>
-    <p:extLst>
-      <p:ext uri="{BB962C8B-B14F-4D97-AF65-F5344CB8AC3E}">
-        <p14:creationId xmlns:p14="http://schemas.microsoft.com/office/powerpoint/2010/main" val="1217955557"/>
-      </p:ext>
-    </p:extLst>
-  </p:cSld>
-  <p:clrMapOvr>
-    <a:masterClrMapping/>
-  </p:clrMapOvr>
-</p:sld>
-</file>
-
-<file path=ppt/slides/slide33.xml><?xml version="1.0" encoding="utf-8"?>
-<p:sld xmlns:a="http://schemas.openxmlformats.org/drawingml/2006/main" xmlns:r="http://schemas.openxmlformats.org/officeDocument/2006/relationships" xmlns:p="http://schemas.openxmlformats.org/presentationml/2006/main">
-  <p:cSld>
-    <p:spTree>
-      <p:nvGrpSpPr>
-        <p:cNvPr id="1" name=""/>
-        <p:cNvGrpSpPr/>
-        <p:nvPr/>
-      </p:nvGrpSpPr>
-      <p:grpSpPr>
-        <a:xfrm>
-          <a:off x="0" y="0"/>
-          <a:ext cx="0" cy="0"/>
-          <a:chOff x="0" y="0"/>
-          <a:chExt cx="0" cy="0"/>
-        </a:xfrm>
-      </p:grpSpPr>
-      <p:sp>
-        <p:nvSpPr>
-          <p:cNvPr id="5" name="제목 4"/>
-          <p:cNvSpPr>
-            <a:spLocks noGrp="1"/>
-          </p:cNvSpPr>
-          <p:nvPr>
-            <p:ph type="title"/>
-          </p:nvPr>
-        </p:nvSpPr>
-        <p:spPr>
-          <a:xfrm>
-            <a:off x="608016" y="551987"/>
-            <a:ext cx="10944225" cy="1140090"/>
-          </a:xfrm>
-        </p:spPr>
-        <p:txBody>
-          <a:bodyPr>
-            <a:normAutofit/>
-          </a:bodyPr>
-          <a:lstStyle/>
-          <a:p>
-            <a:pPr algn="l"/>
-            <a:r>
-              <a:rPr lang="en-US" altLang="ko-KR" sz="4400" dirty="0">
-                <a:solidFill>
-                  <a:schemeClr val="tx1">
-                    <a:lumMod val="75000"/>
-                    <a:lumOff val="25000"/>
-                  </a:schemeClr>
-                </a:solidFill>
-                <a:latin typeface="Noto Sans CJK KR Black" pitchFamily="34" charset="-127"/>
-                <a:ea typeface="Noto Sans CJK KR Black" pitchFamily="34" charset="-127"/>
-              </a:rPr>
-              <a:t>6. </a:t>
-            </a:r>
-            <a:r>
-              <a:rPr lang="ko-KR" altLang="en-US" sz="4400" dirty="0">
-                <a:solidFill>
-                  <a:schemeClr val="tx1">
-                    <a:lumMod val="75000"/>
-                    <a:lumOff val="25000"/>
-                  </a:schemeClr>
-                </a:solidFill>
-                <a:latin typeface="Noto Sans CJK KR Black" pitchFamily="34" charset="-127"/>
-                <a:ea typeface="Noto Sans CJK KR Black" pitchFamily="34" charset="-127"/>
-              </a:rPr>
-              <a:t>검증지표 방향</a:t>
-            </a:r>
-            <a:endParaRPr lang="ko-KR" altLang="en-US" sz="4400" dirty="0">
-              <a:solidFill>
-                <a:schemeClr val="tx1">
-                  <a:lumMod val="75000"/>
-                  <a:lumOff val="25000"/>
-                </a:schemeClr>
-              </a:solidFill>
-            </a:endParaRPr>
-          </a:p>
-        </p:txBody>
-      </p:sp>
-      <p:sp>
-        <p:nvSpPr>
-          <p:cNvPr id="3" name="슬라이드 번호 개체 틀 2"/>
-          <p:cNvSpPr>
-            <a:spLocks noGrp="1"/>
-          </p:cNvSpPr>
-          <p:nvPr>
-            <p:ph type="sldNum" sz="quarter" idx="12"/>
-          </p:nvPr>
-        </p:nvSpPr>
-        <p:spPr/>
-        <p:txBody>
-          <a:bodyPr/>
-          <a:lstStyle/>
-          <a:p>
-            <a:fld id="{6DDAE2C3-1A0B-474A-8CE8-AE55B8D9D4B1}" type="slidenum">
-              <a:rPr lang="ko-KR" altLang="en-US" smtClean="0"/>
-              <a:pPr/>
-              <a:t>33</a:t>
-            </a:fld>
-            <a:endParaRPr lang="ko-KR" altLang="en-US" dirty="0"/>
-          </a:p>
-        </p:txBody>
-      </p:sp>
-      <p:pic>
-        <p:nvPicPr>
-          <p:cNvPr id="2" name="그림 1">
-            <a:extLst>
-              <a:ext uri="{FF2B5EF4-FFF2-40B4-BE49-F238E27FC236}">
-                <a16:creationId xmlns:a16="http://schemas.microsoft.com/office/drawing/2014/main" id="{E63C4440-C380-4F0B-B594-1FCF34E56F5A}"/>
-              </a:ext>
-            </a:extLst>
-          </p:cNvPr>
-          <p:cNvPicPr>
-            <a:picLocks noChangeAspect="1"/>
-          </p:cNvPicPr>
-          <p:nvPr/>
-        </p:nvPicPr>
-        <p:blipFill>
-          <a:blip r:embed="rId2"/>
-          <a:stretch>
-            <a:fillRect/>
-          </a:stretch>
-        </p:blipFill>
-        <p:spPr>
-          <a:xfrm>
-            <a:off x="1360487" y="1636893"/>
-            <a:ext cx="9439275" cy="4772025"/>
-          </a:xfrm>
-          <a:prstGeom prst="rect">
-            <a:avLst/>
-          </a:prstGeom>
-        </p:spPr>
-      </p:pic>
-    </p:spTree>
-    <p:extLst>
-      <p:ext uri="{BB962C8B-B14F-4D97-AF65-F5344CB8AC3E}">
-        <p14:creationId xmlns:p14="http://schemas.microsoft.com/office/powerpoint/2010/main" val="3848065617"/>
-      </p:ext>
-    </p:extLst>
-  </p:cSld>
-  <p:clrMapOvr>
-    <a:masterClrMapping/>
-  </p:clrMapOvr>
-</p:sld>
-</file>
-
-<file path=ppt/slides/slide34.xml><?xml version="1.0" encoding="utf-8"?>
-<p:sld xmlns:a="http://schemas.openxmlformats.org/drawingml/2006/main" xmlns:r="http://schemas.openxmlformats.org/officeDocument/2006/relationships" xmlns:p="http://schemas.openxmlformats.org/presentationml/2006/main">
-  <p:cSld>
-    <p:spTree>
-      <p:nvGrpSpPr>
-        <p:cNvPr id="1" name=""/>
-        <p:cNvGrpSpPr/>
-        <p:nvPr/>
-      </p:nvGrpSpPr>
-      <p:grpSpPr>
-        <a:xfrm>
-          <a:off x="0" y="0"/>
-          <a:ext cx="0" cy="0"/>
-          <a:chOff x="0" y="0"/>
-          <a:chExt cx="0" cy="0"/>
-        </a:xfrm>
-      </p:grpSpPr>
-      <p:sp>
-        <p:nvSpPr>
-          <p:cNvPr id="5" name="제목 4"/>
-          <p:cNvSpPr>
-            <a:spLocks noGrp="1"/>
-          </p:cNvSpPr>
-          <p:nvPr>
-            <p:ph type="title"/>
-          </p:nvPr>
-        </p:nvSpPr>
-        <p:spPr>
-          <a:xfrm>
-            <a:off x="608016" y="551987"/>
-            <a:ext cx="10944225" cy="1140090"/>
-          </a:xfrm>
-        </p:spPr>
-        <p:txBody>
-          <a:bodyPr>
-            <a:normAutofit/>
-          </a:bodyPr>
-          <a:lstStyle/>
-          <a:p>
-            <a:pPr algn="l"/>
-            <a:r>
-              <a:rPr lang="en-US" altLang="ko-KR" sz="4400" dirty="0">
-                <a:solidFill>
-                  <a:schemeClr val="tx1">
-                    <a:lumMod val="75000"/>
-                    <a:lumOff val="25000"/>
-                  </a:schemeClr>
-                </a:solidFill>
-                <a:latin typeface="Noto Sans CJK KR Black" pitchFamily="34" charset="-127"/>
-                <a:ea typeface="Noto Sans CJK KR Black" pitchFamily="34" charset="-127"/>
-              </a:rPr>
-              <a:t>6. </a:t>
-            </a:r>
-            <a:r>
-              <a:rPr lang="ko-KR" altLang="en-US" sz="4400" dirty="0">
-                <a:solidFill>
-                  <a:schemeClr val="tx1">
-                    <a:lumMod val="75000"/>
-                    <a:lumOff val="25000"/>
-                  </a:schemeClr>
-                </a:solidFill>
-                <a:latin typeface="Noto Sans CJK KR Black" pitchFamily="34" charset="-127"/>
-                <a:ea typeface="Noto Sans CJK KR Black" pitchFamily="34" charset="-127"/>
-              </a:rPr>
-              <a:t>검증지표 방향</a:t>
-            </a:r>
-            <a:endParaRPr lang="ko-KR" altLang="en-US" sz="4400" dirty="0">
-              <a:solidFill>
-                <a:schemeClr val="tx1">
-                  <a:lumMod val="75000"/>
-                  <a:lumOff val="25000"/>
-                </a:schemeClr>
-              </a:solidFill>
-            </a:endParaRPr>
-          </a:p>
-        </p:txBody>
-      </p:sp>
-      <p:sp>
-        <p:nvSpPr>
-          <p:cNvPr id="3" name="슬라이드 번호 개체 틀 2"/>
-          <p:cNvSpPr>
-            <a:spLocks noGrp="1"/>
-          </p:cNvSpPr>
-          <p:nvPr>
-            <p:ph type="sldNum" sz="quarter" idx="12"/>
-          </p:nvPr>
-        </p:nvSpPr>
-        <p:spPr/>
-        <p:txBody>
-          <a:bodyPr/>
-          <a:lstStyle/>
-          <a:p>
-            <a:fld id="{6DDAE2C3-1A0B-474A-8CE8-AE55B8D9D4B1}" type="slidenum">
-              <a:rPr lang="ko-KR" altLang="en-US" smtClean="0"/>
-              <a:pPr/>
-              <a:t>34</a:t>
-            </a:fld>
-            <a:endParaRPr lang="ko-KR" altLang="en-US" dirty="0"/>
-          </a:p>
-        </p:txBody>
-      </p:sp>
-      <p:pic>
-        <p:nvPicPr>
-          <p:cNvPr id="2" name="그림 1">
-            <a:extLst>
-              <a:ext uri="{FF2B5EF4-FFF2-40B4-BE49-F238E27FC236}">
-                <a16:creationId xmlns:a16="http://schemas.microsoft.com/office/drawing/2014/main" id="{47EE2FF6-38F2-4CEE-A7B4-633122B4895E}"/>
-              </a:ext>
-            </a:extLst>
-          </p:cNvPr>
-          <p:cNvPicPr>
-            <a:picLocks noChangeAspect="1"/>
-          </p:cNvPicPr>
-          <p:nvPr/>
-        </p:nvPicPr>
-        <p:blipFill>
-          <a:blip r:embed="rId2"/>
-          <a:stretch>
-            <a:fillRect/>
-          </a:stretch>
-        </p:blipFill>
-        <p:spPr>
-          <a:xfrm>
-            <a:off x="2503487" y="1563482"/>
-            <a:ext cx="7153275" cy="5019675"/>
-          </a:xfrm>
-          <a:prstGeom prst="rect">
-            <a:avLst/>
-          </a:prstGeom>
-        </p:spPr>
-      </p:pic>
-    </p:spTree>
-    <p:extLst>
-      <p:ext uri="{BB962C8B-B14F-4D97-AF65-F5344CB8AC3E}">
-        <p14:creationId xmlns:p14="http://schemas.microsoft.com/office/powerpoint/2010/main" val="2458485132"/>
-      </p:ext>
-    </p:extLst>
-  </p:cSld>
-  <p:clrMapOvr>
-    <a:masterClrMapping/>
-  </p:clrMapOvr>
-</p:sld>
-</file>
-
-<file path=ppt/slides/slide35.xml><?xml version="1.0" encoding="utf-8"?>
-<p:sld xmlns:a="http://schemas.openxmlformats.org/drawingml/2006/main" xmlns:r="http://schemas.openxmlformats.org/officeDocument/2006/relationships" xmlns:p="http://schemas.openxmlformats.org/presentationml/2006/main">
-  <p:cSld>
-    <p:spTree>
-      <p:nvGrpSpPr>
-        <p:cNvPr id="1" name=""/>
-        <p:cNvGrpSpPr/>
-        <p:nvPr/>
-      </p:nvGrpSpPr>
-      <p:grpSpPr>
-        <a:xfrm>
-          <a:off x="0" y="0"/>
-          <a:ext cx="0" cy="0"/>
-          <a:chOff x="0" y="0"/>
-          <a:chExt cx="0" cy="0"/>
-        </a:xfrm>
-      </p:grpSpPr>
-      <p:sp>
-        <p:nvSpPr>
-          <p:cNvPr id="5" name="제목 4"/>
-          <p:cNvSpPr>
-            <a:spLocks noGrp="1"/>
-          </p:cNvSpPr>
-          <p:nvPr>
-            <p:ph type="title"/>
-          </p:nvPr>
-        </p:nvSpPr>
-        <p:spPr>
-          <a:xfrm>
-            <a:off x="608016" y="551987"/>
-            <a:ext cx="10944225" cy="1140090"/>
-          </a:xfrm>
-        </p:spPr>
-        <p:txBody>
-          <a:bodyPr>
-            <a:normAutofit fontScale="90000"/>
-          </a:bodyPr>
-          <a:lstStyle/>
-          <a:p>
-            <a:pPr algn="l"/>
-            <a:r>
-              <a:rPr lang="en-US" altLang="ko-KR" sz="4400" dirty="0">
-                <a:solidFill>
-                  <a:schemeClr val="tx1">
-                    <a:lumMod val="75000"/>
-                    <a:lumOff val="25000"/>
-                  </a:schemeClr>
-                </a:solidFill>
-                <a:latin typeface="Noto Sans CJK KR Black" pitchFamily="34" charset="-127"/>
-                <a:ea typeface="Noto Sans CJK KR Black" pitchFamily="34" charset="-127"/>
-              </a:rPr>
-              <a:t>6. </a:t>
-            </a:r>
-            <a:r>
-              <a:rPr lang="ko-KR" altLang="en-US" sz="4400" dirty="0">
-                <a:solidFill>
-                  <a:schemeClr val="tx1">
-                    <a:lumMod val="75000"/>
-                    <a:lumOff val="25000"/>
-                  </a:schemeClr>
-                </a:solidFill>
-                <a:latin typeface="Noto Sans CJK KR Black" pitchFamily="34" charset="-127"/>
-                <a:ea typeface="Noto Sans CJK KR Black" pitchFamily="34" charset="-127"/>
-              </a:rPr>
-              <a:t>검증지표 </a:t>
-            </a:r>
-            <a:br>
-              <a:rPr lang="en-US" altLang="ko-KR" sz="4400" dirty="0">
-                <a:solidFill>
-                  <a:schemeClr val="tx1">
-                    <a:lumMod val="75000"/>
-                    <a:lumOff val="25000"/>
-                  </a:schemeClr>
-                </a:solidFill>
-                <a:latin typeface="Noto Sans CJK KR Black" pitchFamily="34" charset="-127"/>
-                <a:ea typeface="Noto Sans CJK KR Black" pitchFamily="34" charset="-127"/>
-              </a:rPr>
-            </a:br>
-            <a:r>
-              <a:rPr lang="ko-KR" altLang="en-US" sz="4400" dirty="0">
-                <a:solidFill>
-                  <a:schemeClr val="tx1">
-                    <a:lumMod val="75000"/>
-                    <a:lumOff val="25000"/>
-                  </a:schemeClr>
-                </a:solidFill>
-                <a:latin typeface="Noto Sans CJK KR Black" pitchFamily="34" charset="-127"/>
-                <a:ea typeface="Noto Sans CJK KR Black" pitchFamily="34" charset="-127"/>
-              </a:rPr>
-              <a:t>방향</a:t>
-            </a:r>
-            <a:endParaRPr lang="ko-KR" altLang="en-US" sz="4400" dirty="0">
-              <a:solidFill>
-                <a:schemeClr val="tx1">
-                  <a:lumMod val="75000"/>
-                  <a:lumOff val="25000"/>
-                </a:schemeClr>
-              </a:solidFill>
-            </a:endParaRPr>
-          </a:p>
-        </p:txBody>
-      </p:sp>
-      <p:sp>
-        <p:nvSpPr>
-          <p:cNvPr id="3" name="슬라이드 번호 개체 틀 2"/>
-          <p:cNvSpPr>
-            <a:spLocks noGrp="1"/>
-          </p:cNvSpPr>
-          <p:nvPr>
-            <p:ph type="sldNum" sz="quarter" idx="12"/>
-          </p:nvPr>
-        </p:nvSpPr>
-        <p:spPr/>
-        <p:txBody>
-          <a:bodyPr/>
-          <a:lstStyle/>
-          <a:p>
-            <a:fld id="{6DDAE2C3-1A0B-474A-8CE8-AE55B8D9D4B1}" type="slidenum">
-              <a:rPr lang="ko-KR" altLang="en-US" smtClean="0"/>
-              <a:pPr/>
-              <a:t>35</a:t>
-            </a:fld>
-            <a:endParaRPr lang="ko-KR" altLang="en-US" dirty="0"/>
-          </a:p>
-        </p:txBody>
-      </p:sp>
-      <p:pic>
-        <p:nvPicPr>
-          <p:cNvPr id="2" name="그림 1">
-            <a:extLst>
-              <a:ext uri="{FF2B5EF4-FFF2-40B4-BE49-F238E27FC236}">
-                <a16:creationId xmlns:a16="http://schemas.microsoft.com/office/drawing/2014/main" id="{BBDC7C7D-94B4-4B99-8535-FC98DD16A0DC}"/>
-              </a:ext>
-            </a:extLst>
-          </p:cNvPr>
-          <p:cNvPicPr>
-            <a:picLocks noChangeAspect="1"/>
-          </p:cNvPicPr>
-          <p:nvPr/>
-        </p:nvPicPr>
-        <p:blipFill>
-          <a:blip r:embed="rId2"/>
-          <a:stretch>
-            <a:fillRect/>
-          </a:stretch>
-        </p:blipFill>
-        <p:spPr>
-          <a:xfrm>
-            <a:off x="4320921" y="38894"/>
-            <a:ext cx="7677150" cy="6762750"/>
-          </a:xfrm>
-          <a:prstGeom prst="rect">
-            <a:avLst/>
-          </a:prstGeom>
-        </p:spPr>
-      </p:pic>
-    </p:spTree>
-    <p:extLst>
-      <p:ext uri="{BB962C8B-B14F-4D97-AF65-F5344CB8AC3E}">
-        <p14:creationId xmlns:p14="http://schemas.microsoft.com/office/powerpoint/2010/main" val="713768955"/>
-      </p:ext>
-    </p:extLst>
-  </p:cSld>
-  <p:clrMapOvr>
-    <a:masterClrMapping/>
-  </p:clrMapOvr>
-</p:sld>
-</file>
-
-<file path=ppt/slides/slide36.xml><?xml version="1.0" encoding="utf-8"?>
-<p:sld xmlns:a="http://schemas.openxmlformats.org/drawingml/2006/main" xmlns:r="http://schemas.openxmlformats.org/officeDocument/2006/relationships" xmlns:p="http://schemas.openxmlformats.org/presentationml/2006/main">
-  <p:cSld>
-    <p:spTree>
-      <p:nvGrpSpPr>
-        <p:cNvPr id="1" name=""/>
-        <p:cNvGrpSpPr/>
-        <p:nvPr/>
-      </p:nvGrpSpPr>
-      <p:grpSpPr>
-        <a:xfrm>
-          <a:off x="0" y="0"/>
-          <a:ext cx="0" cy="0"/>
-          <a:chOff x="0" y="0"/>
-          <a:chExt cx="0" cy="0"/>
-        </a:xfrm>
-      </p:grpSpPr>
-      <p:sp>
-        <p:nvSpPr>
-          <p:cNvPr id="5" name="제목 4"/>
-          <p:cNvSpPr>
-            <a:spLocks noGrp="1"/>
-          </p:cNvSpPr>
-          <p:nvPr>
-            <p:ph type="title"/>
-          </p:nvPr>
-        </p:nvSpPr>
-        <p:spPr>
-          <a:xfrm>
-            <a:off x="608016" y="551987"/>
-            <a:ext cx="10944225" cy="1140090"/>
-          </a:xfrm>
-        </p:spPr>
-        <p:txBody>
-          <a:bodyPr>
-            <a:normAutofit/>
-          </a:bodyPr>
-          <a:lstStyle/>
-          <a:p>
-            <a:pPr algn="l"/>
-            <a:r>
-              <a:rPr lang="en-US" altLang="ko-KR" sz="4400" dirty="0">
-                <a:solidFill>
-                  <a:schemeClr val="tx1">
-                    <a:lumMod val="75000"/>
-                    <a:lumOff val="25000"/>
-                  </a:schemeClr>
-                </a:solidFill>
-                <a:latin typeface="Noto Sans CJK KR Black" pitchFamily="34" charset="-127"/>
-                <a:ea typeface="Noto Sans CJK KR Black" pitchFamily="34" charset="-127"/>
-              </a:rPr>
-              <a:t>6. </a:t>
-            </a:r>
-            <a:r>
-              <a:rPr lang="ko-KR" altLang="en-US" sz="4400" dirty="0">
-                <a:solidFill>
-                  <a:schemeClr val="tx1">
-                    <a:lumMod val="75000"/>
-                    <a:lumOff val="25000"/>
-                  </a:schemeClr>
-                </a:solidFill>
-                <a:latin typeface="Noto Sans CJK KR Black" pitchFamily="34" charset="-127"/>
-                <a:ea typeface="Noto Sans CJK KR Black" pitchFamily="34" charset="-127"/>
-              </a:rPr>
-              <a:t>검증지표 방향</a:t>
-            </a:r>
-            <a:endParaRPr lang="ko-KR" altLang="en-US" sz="4400" dirty="0">
-              <a:solidFill>
-                <a:schemeClr val="tx1">
-                  <a:lumMod val="75000"/>
-                  <a:lumOff val="25000"/>
-                </a:schemeClr>
-              </a:solidFill>
-            </a:endParaRPr>
-          </a:p>
-        </p:txBody>
-      </p:sp>
-      <p:sp>
-        <p:nvSpPr>
-          <p:cNvPr id="3" name="슬라이드 번호 개체 틀 2"/>
-          <p:cNvSpPr>
-            <a:spLocks noGrp="1"/>
-          </p:cNvSpPr>
-          <p:nvPr>
-            <p:ph type="sldNum" sz="quarter" idx="12"/>
-          </p:nvPr>
-        </p:nvSpPr>
-        <p:spPr/>
-        <p:txBody>
-          <a:bodyPr/>
-          <a:lstStyle/>
-          <a:p>
-            <a:fld id="{6DDAE2C3-1A0B-474A-8CE8-AE55B8D9D4B1}" type="slidenum">
-              <a:rPr lang="ko-KR" altLang="en-US" smtClean="0"/>
-              <a:pPr/>
-              <a:t>36</a:t>
-            </a:fld>
-            <a:endParaRPr lang="ko-KR" altLang="en-US" dirty="0"/>
-          </a:p>
-        </p:txBody>
-      </p:sp>
-      <p:pic>
-        <p:nvPicPr>
-          <p:cNvPr id="2" name="그림 1">
-            <a:extLst>
-              <a:ext uri="{FF2B5EF4-FFF2-40B4-BE49-F238E27FC236}">
-                <a16:creationId xmlns:a16="http://schemas.microsoft.com/office/drawing/2014/main" id="{7C82A643-FBB5-4C4C-A9DE-60723D1FBECB}"/>
-              </a:ext>
-            </a:extLst>
-          </p:cNvPr>
-          <p:cNvPicPr>
-            <a:picLocks noChangeAspect="1"/>
-          </p:cNvPicPr>
-          <p:nvPr/>
-        </p:nvPicPr>
-        <p:blipFill>
-          <a:blip r:embed="rId2"/>
-          <a:stretch>
-            <a:fillRect/>
-          </a:stretch>
-        </p:blipFill>
-        <p:spPr>
-          <a:xfrm>
-            <a:off x="2484437" y="1950741"/>
-            <a:ext cx="7191375" cy="4400550"/>
-          </a:xfrm>
-          <a:prstGeom prst="rect">
-            <a:avLst/>
-          </a:prstGeom>
-        </p:spPr>
-      </p:pic>
-    </p:spTree>
-    <p:extLst>
-      <p:ext uri="{BB962C8B-B14F-4D97-AF65-F5344CB8AC3E}">
-        <p14:creationId xmlns:p14="http://schemas.microsoft.com/office/powerpoint/2010/main" val="3452796597"/>
-      </p:ext>
-    </p:extLst>
-  </p:cSld>
-  <p:clrMapOvr>
-    <a:masterClrMapping/>
-  </p:clrMapOvr>
-</p:sld>
-</file>
-
-<file path=ppt/slides/slide37.xml><?xml version="1.0" encoding="utf-8"?>
-<p:sld xmlns:a="http://schemas.openxmlformats.org/drawingml/2006/main" xmlns:r="http://schemas.openxmlformats.org/officeDocument/2006/relationships" xmlns:p="http://schemas.openxmlformats.org/presentationml/2006/main">
-  <p:cSld>
-    <p:spTree>
-      <p:nvGrpSpPr>
-        <p:cNvPr id="1" name=""/>
-        <p:cNvGrpSpPr/>
-        <p:nvPr/>
-      </p:nvGrpSpPr>
-      <p:grpSpPr>
-        <a:xfrm>
-          <a:off x="0" y="0"/>
-          <a:ext cx="0" cy="0"/>
-          <a:chOff x="0" y="0"/>
-          <a:chExt cx="0" cy="0"/>
-        </a:xfrm>
-      </p:grpSpPr>
-      <p:sp>
-        <p:nvSpPr>
-          <p:cNvPr id="5" name="제목 4"/>
-          <p:cNvSpPr>
-            <a:spLocks noGrp="1"/>
-          </p:cNvSpPr>
-          <p:nvPr>
-            <p:ph type="title"/>
-          </p:nvPr>
-        </p:nvSpPr>
-        <p:spPr>
-          <a:xfrm>
-            <a:off x="608016" y="551987"/>
-            <a:ext cx="10944225" cy="1140090"/>
-          </a:xfrm>
-        </p:spPr>
-        <p:txBody>
-          <a:bodyPr>
-            <a:normAutofit/>
-          </a:bodyPr>
-          <a:lstStyle/>
-          <a:p>
-            <a:pPr algn="l"/>
-            <a:r>
-              <a:rPr lang="en-US" altLang="ko-KR" sz="4400" dirty="0">
-                <a:solidFill>
-                  <a:schemeClr val="tx1">
-                    <a:lumMod val="75000"/>
-                    <a:lumOff val="25000"/>
-                  </a:schemeClr>
-                </a:solidFill>
-                <a:latin typeface="Noto Sans CJK KR Black" pitchFamily="34" charset="-127"/>
-                <a:ea typeface="Noto Sans CJK KR Black" pitchFamily="34" charset="-127"/>
-              </a:rPr>
-              <a:t>6. </a:t>
-            </a:r>
-            <a:r>
-              <a:rPr lang="ko-KR" altLang="en-US" sz="4400" dirty="0">
-                <a:solidFill>
-                  <a:schemeClr val="tx1">
-                    <a:lumMod val="75000"/>
-                    <a:lumOff val="25000"/>
-                  </a:schemeClr>
-                </a:solidFill>
-                <a:latin typeface="Noto Sans CJK KR Black" pitchFamily="34" charset="-127"/>
-                <a:ea typeface="Noto Sans CJK KR Black" pitchFamily="34" charset="-127"/>
-              </a:rPr>
-              <a:t>검증지표 방향</a:t>
-            </a:r>
-            <a:endParaRPr lang="ko-KR" altLang="en-US" sz="4400" dirty="0">
-              <a:solidFill>
-                <a:schemeClr val="tx1">
-                  <a:lumMod val="75000"/>
-                  <a:lumOff val="25000"/>
-                </a:schemeClr>
-              </a:solidFill>
-            </a:endParaRPr>
-          </a:p>
-        </p:txBody>
-      </p:sp>
-      <p:sp>
-        <p:nvSpPr>
-          <p:cNvPr id="3" name="슬라이드 번호 개체 틀 2"/>
-          <p:cNvSpPr>
-            <a:spLocks noGrp="1"/>
-          </p:cNvSpPr>
-          <p:nvPr>
-            <p:ph type="sldNum" sz="quarter" idx="12"/>
-          </p:nvPr>
-        </p:nvSpPr>
-        <p:spPr/>
-        <p:txBody>
-          <a:bodyPr/>
-          <a:lstStyle/>
-          <a:p>
-            <a:fld id="{6DDAE2C3-1A0B-474A-8CE8-AE55B8D9D4B1}" type="slidenum">
-              <a:rPr lang="ko-KR" altLang="en-US" smtClean="0"/>
-              <a:pPr/>
-              <a:t>37</a:t>
-            </a:fld>
-            <a:endParaRPr lang="ko-KR" altLang="en-US" dirty="0"/>
-          </a:p>
-        </p:txBody>
-      </p:sp>
-      <p:pic>
-        <p:nvPicPr>
-          <p:cNvPr id="2" name="그림 1">
-            <a:extLst>
-              <a:ext uri="{FF2B5EF4-FFF2-40B4-BE49-F238E27FC236}">
-                <a16:creationId xmlns:a16="http://schemas.microsoft.com/office/drawing/2014/main" id="{B112E827-B3F4-4D2B-8C9D-A7F25631EE60}"/>
-              </a:ext>
-            </a:extLst>
-          </p:cNvPr>
-          <p:cNvPicPr>
-            <a:picLocks noChangeAspect="1"/>
-          </p:cNvPicPr>
-          <p:nvPr/>
-        </p:nvPicPr>
-        <p:blipFill>
-          <a:blip r:embed="rId2"/>
-          <a:stretch>
-            <a:fillRect/>
-          </a:stretch>
-        </p:blipFill>
-        <p:spPr>
-          <a:xfrm>
-            <a:off x="3075" y="1536143"/>
-            <a:ext cx="4905375" cy="5200650"/>
-          </a:xfrm>
-          <a:prstGeom prst="rect">
-            <a:avLst/>
-          </a:prstGeom>
-        </p:spPr>
-      </p:pic>
-      <p:pic>
-        <p:nvPicPr>
-          <p:cNvPr id="4" name="그림 3">
-            <a:extLst>
-              <a:ext uri="{FF2B5EF4-FFF2-40B4-BE49-F238E27FC236}">
-                <a16:creationId xmlns:a16="http://schemas.microsoft.com/office/drawing/2014/main" id="{7A2CCE8E-C2D5-42D0-87D9-8560FE5B52D7}"/>
-              </a:ext>
-            </a:extLst>
-          </p:cNvPr>
-          <p:cNvPicPr>
-            <a:picLocks noChangeAspect="1"/>
-          </p:cNvPicPr>
-          <p:nvPr/>
-        </p:nvPicPr>
-        <p:blipFill>
-          <a:blip r:embed="rId3"/>
-          <a:stretch>
-            <a:fillRect/>
-          </a:stretch>
-        </p:blipFill>
-        <p:spPr>
-          <a:xfrm>
-            <a:off x="4881197" y="1836093"/>
-            <a:ext cx="7259747" cy="4201072"/>
-          </a:xfrm>
-          <a:prstGeom prst="rect">
-            <a:avLst/>
-          </a:prstGeom>
-        </p:spPr>
-      </p:pic>
-    </p:spTree>
-    <p:extLst>
-      <p:ext uri="{BB962C8B-B14F-4D97-AF65-F5344CB8AC3E}">
-        <p14:creationId xmlns:p14="http://schemas.microsoft.com/office/powerpoint/2010/main" val="2956615766"/>
-      </p:ext>
-    </p:extLst>
-  </p:cSld>
-  <p:clrMapOvr>
-    <a:masterClrMapping/>
-  </p:clrMapOvr>
-</p:sld>
-</file>
-
-<file path=ppt/slides/slide38.xml><?xml version="1.0" encoding="utf-8"?>
-<p:sld xmlns:a="http://schemas.openxmlformats.org/drawingml/2006/main" xmlns:r="http://schemas.openxmlformats.org/officeDocument/2006/relationships" xmlns:p="http://schemas.openxmlformats.org/presentationml/2006/main">
-  <p:cSld>
-    <p:spTree>
-      <p:nvGrpSpPr>
-        <p:cNvPr id="1" name=""/>
-        <p:cNvGrpSpPr/>
-        <p:nvPr/>
-      </p:nvGrpSpPr>
-      <p:grpSpPr>
-        <a:xfrm>
-          <a:off x="0" y="0"/>
-          <a:ext cx="0" cy="0"/>
-          <a:chOff x="0" y="0"/>
-          <a:chExt cx="0" cy="0"/>
-        </a:xfrm>
-      </p:grpSpPr>
-      <p:sp>
-        <p:nvSpPr>
-          <p:cNvPr id="5" name="제목 4"/>
-          <p:cNvSpPr>
-            <a:spLocks noGrp="1"/>
-          </p:cNvSpPr>
-          <p:nvPr>
-            <p:ph type="title"/>
-          </p:nvPr>
-        </p:nvSpPr>
-        <p:spPr>
-          <a:xfrm>
-            <a:off x="608016" y="551987"/>
-            <a:ext cx="10944225" cy="1140090"/>
-          </a:xfrm>
-        </p:spPr>
-        <p:txBody>
-          <a:bodyPr>
-            <a:normAutofit/>
-          </a:bodyPr>
-          <a:lstStyle/>
-          <a:p>
-            <a:pPr algn="l"/>
-            <a:r>
-              <a:rPr lang="en-US" altLang="ko-KR" sz="4400" dirty="0">
-                <a:solidFill>
-                  <a:schemeClr val="tx1">
-                    <a:lumMod val="75000"/>
-                    <a:lumOff val="25000"/>
-                  </a:schemeClr>
-                </a:solidFill>
-                <a:latin typeface="Noto Sans CJK KR Black" pitchFamily="34" charset="-127"/>
-                <a:ea typeface="Noto Sans CJK KR Black" pitchFamily="34" charset="-127"/>
-              </a:rPr>
-              <a:t>7. </a:t>
-            </a:r>
-            <a:r>
-              <a:rPr lang="ko-KR" altLang="en-US" sz="4400" dirty="0" err="1">
-                <a:solidFill>
-                  <a:schemeClr val="tx1">
-                    <a:lumMod val="75000"/>
-                    <a:lumOff val="25000"/>
-                  </a:schemeClr>
-                </a:solidFill>
-                <a:latin typeface="Noto Sans CJK KR Black" pitchFamily="34" charset="-127"/>
-                <a:ea typeface="Noto Sans CJK KR Black" pitchFamily="34" charset="-127"/>
-              </a:rPr>
-              <a:t>잔차진단</a:t>
-            </a:r>
-            <a:r>
-              <a:rPr lang="ko-KR" altLang="en-US" sz="4400" dirty="0">
-                <a:solidFill>
-                  <a:schemeClr val="tx1">
-                    <a:lumMod val="75000"/>
-                    <a:lumOff val="25000"/>
-                  </a:schemeClr>
-                </a:solidFill>
-                <a:latin typeface="Noto Sans CJK KR Black" pitchFamily="34" charset="-127"/>
-                <a:ea typeface="Noto Sans CJK KR Black" pitchFamily="34" charset="-127"/>
-              </a:rPr>
-              <a:t> 방향</a:t>
-            </a:r>
-            <a:endParaRPr lang="ko-KR" altLang="en-US" sz="4400" dirty="0">
-              <a:solidFill>
-                <a:schemeClr val="tx1">
-                  <a:lumMod val="75000"/>
-                  <a:lumOff val="25000"/>
-                </a:schemeClr>
-              </a:solidFill>
-            </a:endParaRPr>
-          </a:p>
-        </p:txBody>
-      </p:sp>
-      <p:sp>
-        <p:nvSpPr>
-          <p:cNvPr id="3" name="슬라이드 번호 개체 틀 2"/>
-          <p:cNvSpPr>
-            <a:spLocks noGrp="1"/>
-          </p:cNvSpPr>
-          <p:nvPr>
-            <p:ph type="sldNum" sz="quarter" idx="12"/>
-          </p:nvPr>
-        </p:nvSpPr>
-        <p:spPr/>
-        <p:txBody>
-          <a:bodyPr/>
-          <a:lstStyle/>
-          <a:p>
-            <a:fld id="{6DDAE2C3-1A0B-474A-8CE8-AE55B8D9D4B1}" type="slidenum">
-              <a:rPr lang="ko-KR" altLang="en-US" smtClean="0"/>
-              <a:pPr/>
-              <a:t>38</a:t>
-            </a:fld>
-            <a:endParaRPr lang="ko-KR" altLang="en-US" dirty="0"/>
-          </a:p>
-        </p:txBody>
-      </p:sp>
-      <p:pic>
-        <p:nvPicPr>
-          <p:cNvPr id="2" name="그림 1">
-            <a:extLst>
-              <a:ext uri="{FF2B5EF4-FFF2-40B4-BE49-F238E27FC236}">
-                <a16:creationId xmlns:a16="http://schemas.microsoft.com/office/drawing/2014/main" id="{FC44336D-B94A-42FE-A868-3B864A98F8F4}"/>
-              </a:ext>
-            </a:extLst>
-          </p:cNvPr>
-          <p:cNvPicPr>
-            <a:picLocks noChangeAspect="1"/>
-          </p:cNvPicPr>
-          <p:nvPr/>
-        </p:nvPicPr>
-        <p:blipFill>
-          <a:blip r:embed="rId2"/>
-          <a:stretch>
-            <a:fillRect/>
-          </a:stretch>
-        </p:blipFill>
-        <p:spPr>
-          <a:xfrm>
-            <a:off x="1912937" y="1503450"/>
-            <a:ext cx="8334375" cy="5057775"/>
-          </a:xfrm>
-          <a:prstGeom prst="rect">
-            <a:avLst/>
-          </a:prstGeom>
-        </p:spPr>
-      </p:pic>
-    </p:spTree>
-    <p:extLst>
-      <p:ext uri="{BB962C8B-B14F-4D97-AF65-F5344CB8AC3E}">
-        <p14:creationId xmlns:p14="http://schemas.microsoft.com/office/powerpoint/2010/main" val="1375735512"/>
-      </p:ext>
-    </p:extLst>
-  </p:cSld>
-  <p:clrMapOvr>
-    <a:masterClrMapping/>
-  </p:clrMapOvr>
-</p:sld>
-</file>
-
-<file path=ppt/slides/slide39.xml><?xml version="1.0" encoding="utf-8"?>
-<p:sld xmlns:a="http://schemas.openxmlformats.org/drawingml/2006/main" xmlns:r="http://schemas.openxmlformats.org/officeDocument/2006/relationships" xmlns:p="http://schemas.openxmlformats.org/presentationml/2006/main">
-  <p:cSld>
-    <p:spTree>
-      <p:nvGrpSpPr>
-        <p:cNvPr id="1" name=""/>
-        <p:cNvGrpSpPr/>
-        <p:nvPr/>
-      </p:nvGrpSpPr>
-      <p:grpSpPr>
-        <a:xfrm>
-          <a:off x="0" y="0"/>
-          <a:ext cx="0" cy="0"/>
-          <a:chOff x="0" y="0"/>
-          <a:chExt cx="0" cy="0"/>
-        </a:xfrm>
-      </p:grpSpPr>
-      <p:sp>
-        <p:nvSpPr>
-          <p:cNvPr id="5" name="제목 4"/>
-          <p:cNvSpPr>
-            <a:spLocks noGrp="1"/>
-          </p:cNvSpPr>
-          <p:nvPr>
-            <p:ph type="title"/>
-          </p:nvPr>
-        </p:nvSpPr>
-        <p:spPr>
-          <a:xfrm>
-            <a:off x="608016" y="551987"/>
-            <a:ext cx="10944225" cy="1140090"/>
-          </a:xfrm>
-        </p:spPr>
-        <p:txBody>
-          <a:bodyPr>
-            <a:normAutofit/>
-          </a:bodyPr>
-          <a:lstStyle/>
-          <a:p>
-            <a:pPr algn="l"/>
-            <a:r>
-              <a:rPr lang="en-US" altLang="ko-KR" sz="4400" dirty="0">
-                <a:solidFill>
-                  <a:schemeClr val="tx1">
-                    <a:lumMod val="75000"/>
-                    <a:lumOff val="25000"/>
-                  </a:schemeClr>
-                </a:solidFill>
-                <a:latin typeface="Noto Sans CJK KR Black" pitchFamily="34" charset="-127"/>
-                <a:ea typeface="Noto Sans CJK KR Black" pitchFamily="34" charset="-127"/>
-              </a:rPr>
-              <a:t>7. </a:t>
-            </a:r>
-            <a:r>
-              <a:rPr lang="ko-KR" altLang="en-US" sz="4400" dirty="0" err="1">
-                <a:solidFill>
-                  <a:schemeClr val="tx1">
-                    <a:lumMod val="75000"/>
-                    <a:lumOff val="25000"/>
-                  </a:schemeClr>
-                </a:solidFill>
-                <a:latin typeface="Noto Sans CJK KR Black" pitchFamily="34" charset="-127"/>
-                <a:ea typeface="Noto Sans CJK KR Black" pitchFamily="34" charset="-127"/>
-              </a:rPr>
-              <a:t>잔차진단</a:t>
-            </a:r>
-            <a:r>
-              <a:rPr lang="ko-KR" altLang="en-US" sz="4400" dirty="0">
-                <a:solidFill>
-                  <a:schemeClr val="tx1">
-                    <a:lumMod val="75000"/>
-                    <a:lumOff val="25000"/>
-                  </a:schemeClr>
-                </a:solidFill>
-                <a:latin typeface="Noto Sans CJK KR Black" pitchFamily="34" charset="-127"/>
-                <a:ea typeface="Noto Sans CJK KR Black" pitchFamily="34" charset="-127"/>
-              </a:rPr>
-              <a:t> 방향</a:t>
-            </a:r>
-            <a:endParaRPr lang="ko-KR" altLang="en-US" sz="4400" dirty="0">
-              <a:solidFill>
-                <a:schemeClr val="tx1">
-                  <a:lumMod val="75000"/>
-                  <a:lumOff val="25000"/>
-                </a:schemeClr>
-              </a:solidFill>
-            </a:endParaRPr>
-          </a:p>
-        </p:txBody>
-      </p:sp>
-      <p:sp>
-        <p:nvSpPr>
-          <p:cNvPr id="3" name="슬라이드 번호 개체 틀 2"/>
-          <p:cNvSpPr>
-            <a:spLocks noGrp="1"/>
-          </p:cNvSpPr>
-          <p:nvPr>
-            <p:ph type="sldNum" sz="quarter" idx="12"/>
-          </p:nvPr>
-        </p:nvSpPr>
-        <p:spPr/>
-        <p:txBody>
-          <a:bodyPr/>
-          <a:lstStyle/>
-          <a:p>
-            <a:fld id="{6DDAE2C3-1A0B-474A-8CE8-AE55B8D9D4B1}" type="slidenum">
-              <a:rPr lang="ko-KR" altLang="en-US" smtClean="0"/>
-              <a:pPr/>
-              <a:t>39</a:t>
-            </a:fld>
-            <a:endParaRPr lang="ko-KR" altLang="en-US" dirty="0"/>
-          </a:p>
-        </p:txBody>
-      </p:sp>
-      <p:pic>
-        <p:nvPicPr>
-          <p:cNvPr id="4" name="그림 3">
-            <a:extLst>
-              <a:ext uri="{FF2B5EF4-FFF2-40B4-BE49-F238E27FC236}">
-                <a16:creationId xmlns:a16="http://schemas.microsoft.com/office/drawing/2014/main" id="{AB89FBB5-0CB1-4AB2-853B-323CA3B697B3}"/>
-              </a:ext>
-            </a:extLst>
-          </p:cNvPr>
-          <p:cNvPicPr>
-            <a:picLocks noChangeAspect="1"/>
-          </p:cNvPicPr>
-          <p:nvPr/>
-        </p:nvPicPr>
-        <p:blipFill>
-          <a:blip r:embed="rId2"/>
-          <a:stretch>
-            <a:fillRect/>
-          </a:stretch>
-        </p:blipFill>
-        <p:spPr>
-          <a:xfrm>
-            <a:off x="2108200" y="1504363"/>
-            <a:ext cx="7943850" cy="5324475"/>
-          </a:xfrm>
-          <a:prstGeom prst="rect">
-            <a:avLst/>
-          </a:prstGeom>
-        </p:spPr>
-      </p:pic>
-    </p:spTree>
-    <p:extLst>
-      <p:ext uri="{BB962C8B-B14F-4D97-AF65-F5344CB8AC3E}">
-        <p14:creationId xmlns:p14="http://schemas.microsoft.com/office/powerpoint/2010/main" val="3219041799"/>
-      </p:ext>
-    </p:extLst>
-  </p:cSld>
-  <p:clrMapOvr>
-    <a:masterClrMapping/>
-  </p:clrMapOvr>
-</p:sld>
-</file>
-
-<file path=ppt/slides/slide4.xml><?xml version="1.0" encoding="utf-8"?>
-<p:sld xmlns:a="http://schemas.openxmlformats.org/drawingml/2006/main" xmlns:r="http://schemas.openxmlformats.org/officeDocument/2006/relationships" xmlns:p="http://schemas.openxmlformats.org/presentationml/2006/main">
-  <p:cSld>
-    <p:spTree>
-      <p:nvGrpSpPr>
-        <p:cNvPr id="1" name=""/>
-        <p:cNvGrpSpPr/>
-        <p:nvPr/>
-      </p:nvGrpSpPr>
-      <p:grpSpPr>
-        <a:xfrm>
-          <a:off x="0" y="0"/>
-          <a:ext cx="0" cy="0"/>
-          <a:chOff x="0" y="0"/>
-          <a:chExt cx="0" cy="0"/>
-        </a:xfrm>
-      </p:grpSpPr>
-      <p:sp>
-        <p:nvSpPr>
-          <p:cNvPr id="5" name="제목 4"/>
-          <p:cNvSpPr>
-            <a:spLocks noGrp="1"/>
-          </p:cNvSpPr>
-          <p:nvPr>
-            <p:ph type="title"/>
-          </p:nvPr>
-        </p:nvSpPr>
-        <p:spPr>
-          <a:xfrm>
-            <a:off x="608016" y="551987"/>
-            <a:ext cx="10944225" cy="1140090"/>
-          </a:xfrm>
-        </p:spPr>
-        <p:txBody>
-          <a:bodyPr>
-            <a:normAutofit/>
-          </a:bodyPr>
-          <a:lstStyle/>
-          <a:p>
-            <a:pPr algn="l"/>
-            <a:r>
-              <a:rPr lang="ko-KR" altLang="en-US" sz="4400" dirty="0">
-                <a:solidFill>
-                  <a:schemeClr val="tx1">
-                    <a:lumMod val="75000"/>
-                    <a:lumOff val="25000"/>
-                  </a:schemeClr>
-                </a:solidFill>
-                <a:latin typeface="Noto Sans CJK KR Black" pitchFamily="34" charset="-127"/>
-                <a:ea typeface="Noto Sans CJK KR Black" pitchFamily="34" charset="-127"/>
-              </a:rPr>
-              <a:t>강의순서</a:t>
-            </a:r>
-            <a:r>
-              <a:rPr lang="en-US" altLang="ko-KR" sz="4400" dirty="0">
-                <a:solidFill>
-                  <a:schemeClr val="tx1">
-                    <a:lumMod val="75000"/>
-                    <a:lumOff val="25000"/>
-                  </a:schemeClr>
-                </a:solidFill>
-                <a:latin typeface="Noto Sans CJK KR Black" pitchFamily="34" charset="-127"/>
-                <a:ea typeface="Noto Sans CJK KR Black" pitchFamily="34" charset="-127"/>
-              </a:rPr>
-              <a:t>(Part2: 3</a:t>
-            </a:r>
-            <a:r>
-              <a:rPr lang="ko-KR" altLang="en-US" sz="4400" dirty="0">
-                <a:solidFill>
-                  <a:schemeClr val="tx1">
-                    <a:lumMod val="75000"/>
-                    <a:lumOff val="25000"/>
-                  </a:schemeClr>
-                </a:solidFill>
-                <a:latin typeface="Noto Sans CJK KR Black" pitchFamily="34" charset="-127"/>
-                <a:ea typeface="Noto Sans CJK KR Black" pitchFamily="34" charset="-127"/>
-              </a:rPr>
-              <a:t>회차</a:t>
-            </a:r>
-            <a:r>
-              <a:rPr lang="en-US" altLang="ko-KR" sz="4400" dirty="0">
-                <a:solidFill>
-                  <a:schemeClr val="tx1">
-                    <a:lumMod val="75000"/>
-                    <a:lumOff val="25000"/>
-                  </a:schemeClr>
-                </a:solidFill>
-                <a:latin typeface="Noto Sans CJK KR Black" pitchFamily="34" charset="-127"/>
-                <a:ea typeface="Noto Sans CJK KR Black" pitchFamily="34" charset="-127"/>
-              </a:rPr>
-              <a:t>)</a:t>
-            </a:r>
-            <a:r>
-              <a:rPr lang="ko-KR" altLang="en-US" sz="4400" dirty="0">
-                <a:solidFill>
-                  <a:schemeClr val="tx1">
-                    <a:lumMod val="75000"/>
-                    <a:lumOff val="25000"/>
-                  </a:schemeClr>
-                </a:solidFill>
-              </a:rPr>
-              <a:t> </a:t>
-            </a:r>
-          </a:p>
-        </p:txBody>
-      </p:sp>
-      <p:sp>
-        <p:nvSpPr>
-          <p:cNvPr id="15" name="슬라이드 번호 개체 틀 14"/>
-          <p:cNvSpPr>
-            <a:spLocks noGrp="1"/>
-          </p:cNvSpPr>
-          <p:nvPr>
-            <p:ph type="sldNum" sz="quarter" idx="12"/>
-          </p:nvPr>
-        </p:nvSpPr>
-        <p:spPr/>
-        <p:txBody>
-          <a:bodyPr/>
-          <a:lstStyle/>
-          <a:p>
-            <a:fld id="{6DDAE2C3-1A0B-474A-8CE8-AE55B8D9D4B1}" type="slidenum">
-              <a:rPr lang="ko-KR" altLang="en-US" smtClean="0"/>
-              <a:pPr/>
-              <a:t>4</a:t>
-            </a:fld>
-            <a:endParaRPr lang="ko-KR" altLang="en-US" dirty="0"/>
-          </a:p>
-        </p:txBody>
-      </p:sp>
-      <p:pic>
-        <p:nvPicPr>
-          <p:cNvPr id="3" name="그림 2">
-            <a:extLst>
-              <a:ext uri="{FF2B5EF4-FFF2-40B4-BE49-F238E27FC236}">
-                <a16:creationId xmlns:a16="http://schemas.microsoft.com/office/drawing/2014/main" id="{CF5C1197-6925-4CD1-8BF3-9D070F7F6533}"/>
-              </a:ext>
-            </a:extLst>
-          </p:cNvPr>
-          <p:cNvPicPr>
-            <a:picLocks noChangeAspect="1"/>
-          </p:cNvPicPr>
-          <p:nvPr/>
-        </p:nvPicPr>
-        <p:blipFill>
-          <a:blip r:embed="rId2"/>
-          <a:stretch>
-            <a:fillRect/>
-          </a:stretch>
-        </p:blipFill>
-        <p:spPr>
-          <a:xfrm>
-            <a:off x="7200256" y="652793"/>
-            <a:ext cx="4320000" cy="6084000"/>
-          </a:xfrm>
-          <a:prstGeom prst="rect">
-            <a:avLst/>
-          </a:prstGeom>
-        </p:spPr>
-      </p:pic>
-    </p:spTree>
-    <p:extLst>
-      <p:ext uri="{BB962C8B-B14F-4D97-AF65-F5344CB8AC3E}">
-        <p14:creationId xmlns:p14="http://schemas.microsoft.com/office/powerpoint/2010/main" val="2877754834"/>
-      </p:ext>
-    </p:extLst>
-  </p:cSld>
-  <p:clrMapOvr>
-    <a:masterClrMapping/>
-  </p:clrMapOvr>
-</p:sld>
-</file>
-
-<file path=ppt/slides/slide40.xml><?xml version="1.0" encoding="utf-8"?>
-<p:sld xmlns:a="http://schemas.openxmlformats.org/drawingml/2006/main" xmlns:r="http://schemas.openxmlformats.org/officeDocument/2006/relationships" xmlns:p="http://schemas.openxmlformats.org/presentationml/2006/main">
-  <p:cSld>
-    <p:spTree>
-      <p:nvGrpSpPr>
-        <p:cNvPr id="1" name=""/>
-        <p:cNvGrpSpPr/>
-        <p:nvPr/>
-      </p:nvGrpSpPr>
-      <p:grpSpPr>
-        <a:xfrm>
-          <a:off x="0" y="0"/>
-          <a:ext cx="0" cy="0"/>
-          <a:chOff x="0" y="0"/>
-          <a:chExt cx="0" cy="0"/>
-        </a:xfrm>
-      </p:grpSpPr>
-      <p:sp>
-        <p:nvSpPr>
-          <p:cNvPr id="5" name="제목 4"/>
-          <p:cNvSpPr>
-            <a:spLocks noGrp="1"/>
-          </p:cNvSpPr>
-          <p:nvPr>
-            <p:ph type="title"/>
-          </p:nvPr>
-        </p:nvSpPr>
-        <p:spPr>
-          <a:xfrm>
-            <a:off x="608016" y="551987"/>
-            <a:ext cx="10944225" cy="1140090"/>
-          </a:xfrm>
-        </p:spPr>
-        <p:txBody>
-          <a:bodyPr>
-            <a:normAutofit fontScale="90000"/>
-          </a:bodyPr>
-          <a:lstStyle/>
-          <a:p>
-            <a:pPr algn="l"/>
-            <a:r>
-              <a:rPr lang="en-US" altLang="ko-KR" sz="4400" dirty="0">
-                <a:solidFill>
-                  <a:schemeClr val="tx1">
-                    <a:lumMod val="75000"/>
-                    <a:lumOff val="25000"/>
-                  </a:schemeClr>
-                </a:solidFill>
-                <a:latin typeface="Noto Sans CJK KR Black" pitchFamily="34" charset="-127"/>
-                <a:ea typeface="Noto Sans CJK KR Black" pitchFamily="34" charset="-127"/>
-              </a:rPr>
-              <a:t>7. </a:t>
-            </a:r>
-            <a:r>
-              <a:rPr lang="ko-KR" altLang="en-US" sz="4400" dirty="0" err="1">
-                <a:solidFill>
-                  <a:schemeClr val="tx1">
-                    <a:lumMod val="75000"/>
-                    <a:lumOff val="25000"/>
-                  </a:schemeClr>
-                </a:solidFill>
-                <a:latin typeface="Noto Sans CJK KR Black" pitchFamily="34" charset="-127"/>
-                <a:ea typeface="Noto Sans CJK KR Black" pitchFamily="34" charset="-127"/>
-              </a:rPr>
-              <a:t>잔차진단</a:t>
-            </a:r>
-            <a:r>
-              <a:rPr lang="ko-KR" altLang="en-US" sz="4400" dirty="0">
-                <a:solidFill>
-                  <a:schemeClr val="tx1">
-                    <a:lumMod val="75000"/>
-                    <a:lumOff val="25000"/>
-                  </a:schemeClr>
-                </a:solidFill>
-                <a:latin typeface="Noto Sans CJK KR Black" pitchFamily="34" charset="-127"/>
-                <a:ea typeface="Noto Sans CJK KR Black" pitchFamily="34" charset="-127"/>
-              </a:rPr>
-              <a:t> </a:t>
-            </a:r>
-            <a:br>
-              <a:rPr lang="en-US" altLang="ko-KR" sz="4400" dirty="0">
-                <a:solidFill>
-                  <a:schemeClr val="tx1">
-                    <a:lumMod val="75000"/>
-                    <a:lumOff val="25000"/>
-                  </a:schemeClr>
-                </a:solidFill>
-                <a:latin typeface="Noto Sans CJK KR Black" pitchFamily="34" charset="-127"/>
-                <a:ea typeface="Noto Sans CJK KR Black" pitchFamily="34" charset="-127"/>
-              </a:rPr>
-            </a:br>
-            <a:r>
-              <a:rPr lang="ko-KR" altLang="en-US" sz="4400" dirty="0">
-                <a:solidFill>
-                  <a:schemeClr val="tx1">
-                    <a:lumMod val="75000"/>
-                    <a:lumOff val="25000"/>
-                  </a:schemeClr>
-                </a:solidFill>
-                <a:latin typeface="Noto Sans CJK KR Black" pitchFamily="34" charset="-127"/>
-                <a:ea typeface="Noto Sans CJK KR Black" pitchFamily="34" charset="-127"/>
-              </a:rPr>
-              <a:t>방향</a:t>
-            </a:r>
-            <a:endParaRPr lang="ko-KR" altLang="en-US" sz="4400" dirty="0">
-              <a:solidFill>
-                <a:schemeClr val="tx1">
-                  <a:lumMod val="75000"/>
-                  <a:lumOff val="25000"/>
-                </a:schemeClr>
-              </a:solidFill>
-            </a:endParaRPr>
-          </a:p>
-        </p:txBody>
-      </p:sp>
-      <p:sp>
-        <p:nvSpPr>
-          <p:cNvPr id="3" name="슬라이드 번호 개체 틀 2"/>
-          <p:cNvSpPr>
-            <a:spLocks noGrp="1"/>
-          </p:cNvSpPr>
-          <p:nvPr>
-            <p:ph type="sldNum" sz="quarter" idx="12"/>
-          </p:nvPr>
-        </p:nvSpPr>
-        <p:spPr/>
-        <p:txBody>
-          <a:bodyPr/>
-          <a:lstStyle/>
-          <a:p>
-            <a:fld id="{6DDAE2C3-1A0B-474A-8CE8-AE55B8D9D4B1}" type="slidenum">
-              <a:rPr lang="ko-KR" altLang="en-US" smtClean="0"/>
-              <a:pPr/>
-              <a:t>40</a:t>
-            </a:fld>
-            <a:endParaRPr lang="ko-KR" altLang="en-US" dirty="0"/>
-          </a:p>
-        </p:txBody>
-      </p:sp>
-      <p:pic>
-        <p:nvPicPr>
-          <p:cNvPr id="2" name="그림 1">
-            <a:extLst>
-              <a:ext uri="{FF2B5EF4-FFF2-40B4-BE49-F238E27FC236}">
-                <a16:creationId xmlns:a16="http://schemas.microsoft.com/office/drawing/2014/main" id="{6E2C0910-E554-441C-92BF-03799FD2F569}"/>
-              </a:ext>
-            </a:extLst>
-          </p:cNvPr>
-          <p:cNvPicPr>
-            <a:picLocks noChangeAspect="1"/>
-          </p:cNvPicPr>
-          <p:nvPr/>
-        </p:nvPicPr>
-        <p:blipFill>
-          <a:blip r:embed="rId2"/>
-          <a:stretch>
-            <a:fillRect/>
-          </a:stretch>
-        </p:blipFill>
-        <p:spPr>
-          <a:xfrm>
-            <a:off x="4025317" y="382495"/>
-            <a:ext cx="8001000" cy="6172200"/>
-          </a:xfrm>
-          <a:prstGeom prst="rect">
-            <a:avLst/>
-          </a:prstGeom>
-        </p:spPr>
-      </p:pic>
-    </p:spTree>
-    <p:extLst>
-      <p:ext uri="{BB962C8B-B14F-4D97-AF65-F5344CB8AC3E}">
-        <p14:creationId xmlns:p14="http://schemas.microsoft.com/office/powerpoint/2010/main" val="4255575792"/>
-      </p:ext>
-    </p:extLst>
-  </p:cSld>
-  <p:clrMapOvr>
-    <a:masterClrMapping/>
-  </p:clrMapOvr>
-</p:sld>
-</file>
-
-<file path=ppt/slides/slide41.xml><?xml version="1.0" encoding="utf-8"?>
-<p:sld xmlns:a="http://schemas.openxmlformats.org/drawingml/2006/main" xmlns:r="http://schemas.openxmlformats.org/officeDocument/2006/relationships" xmlns:p="http://schemas.openxmlformats.org/presentationml/2006/main">
-  <p:cSld>
-    <p:spTree>
-      <p:nvGrpSpPr>
-        <p:cNvPr id="1" name=""/>
-        <p:cNvGrpSpPr/>
-        <p:nvPr/>
-      </p:nvGrpSpPr>
-      <p:grpSpPr>
-        <a:xfrm>
-          <a:off x="0" y="0"/>
-          <a:ext cx="0" cy="0"/>
-          <a:chOff x="0" y="0"/>
-          <a:chExt cx="0" cy="0"/>
-        </a:xfrm>
-      </p:grpSpPr>
-      <p:sp>
-        <p:nvSpPr>
-          <p:cNvPr id="5" name="제목 4"/>
-          <p:cNvSpPr>
-            <a:spLocks noGrp="1"/>
-          </p:cNvSpPr>
-          <p:nvPr>
-            <p:ph type="title"/>
-          </p:nvPr>
-        </p:nvSpPr>
-        <p:spPr>
-          <a:xfrm>
-            <a:off x="608016" y="551987"/>
-            <a:ext cx="10944225" cy="1140090"/>
-          </a:xfrm>
-        </p:spPr>
-        <p:txBody>
-          <a:bodyPr>
-            <a:normAutofit/>
-          </a:bodyPr>
-          <a:lstStyle/>
-          <a:p>
-            <a:pPr algn="l"/>
-            <a:r>
-              <a:rPr lang="en-US" altLang="ko-KR" sz="4400" dirty="0">
-                <a:solidFill>
-                  <a:schemeClr val="tx1">
-                    <a:lumMod val="75000"/>
-                    <a:lumOff val="25000"/>
-                  </a:schemeClr>
-                </a:solidFill>
-                <a:latin typeface="Noto Sans CJK KR Black" pitchFamily="34" charset="-127"/>
-                <a:ea typeface="Noto Sans CJK KR Black" pitchFamily="34" charset="-127"/>
-              </a:rPr>
-              <a:t>7. </a:t>
-            </a:r>
-            <a:r>
-              <a:rPr lang="ko-KR" altLang="en-US" sz="4400" dirty="0" err="1">
-                <a:solidFill>
-                  <a:schemeClr val="tx1">
-                    <a:lumMod val="75000"/>
-                    <a:lumOff val="25000"/>
-                  </a:schemeClr>
-                </a:solidFill>
-                <a:latin typeface="Noto Sans CJK KR Black" pitchFamily="34" charset="-127"/>
-                <a:ea typeface="Noto Sans CJK KR Black" pitchFamily="34" charset="-127"/>
-              </a:rPr>
-              <a:t>잔차진단</a:t>
-            </a:r>
-            <a:r>
-              <a:rPr lang="ko-KR" altLang="en-US" sz="4400" dirty="0">
-                <a:solidFill>
-                  <a:schemeClr val="tx1">
-                    <a:lumMod val="75000"/>
-                    <a:lumOff val="25000"/>
-                  </a:schemeClr>
-                </a:solidFill>
-                <a:latin typeface="Noto Sans CJK KR Black" pitchFamily="34" charset="-127"/>
-                <a:ea typeface="Noto Sans CJK KR Black" pitchFamily="34" charset="-127"/>
-              </a:rPr>
-              <a:t> 방향</a:t>
-            </a:r>
-            <a:endParaRPr lang="ko-KR" altLang="en-US" sz="4400" dirty="0">
-              <a:solidFill>
-                <a:schemeClr val="tx1">
-                  <a:lumMod val="75000"/>
-                  <a:lumOff val="25000"/>
-                </a:schemeClr>
-              </a:solidFill>
-            </a:endParaRPr>
-          </a:p>
-        </p:txBody>
-      </p:sp>
-      <p:sp>
-        <p:nvSpPr>
-          <p:cNvPr id="3" name="슬라이드 번호 개체 틀 2"/>
-          <p:cNvSpPr>
-            <a:spLocks noGrp="1"/>
-          </p:cNvSpPr>
-          <p:nvPr>
-            <p:ph type="sldNum" sz="quarter" idx="12"/>
-          </p:nvPr>
-        </p:nvSpPr>
-        <p:spPr/>
-        <p:txBody>
-          <a:bodyPr/>
-          <a:lstStyle/>
-          <a:p>
-            <a:fld id="{6DDAE2C3-1A0B-474A-8CE8-AE55B8D9D4B1}" type="slidenum">
-              <a:rPr lang="ko-KR" altLang="en-US" smtClean="0"/>
-              <a:pPr/>
-              <a:t>41</a:t>
-            </a:fld>
-            <a:endParaRPr lang="ko-KR" altLang="en-US" dirty="0"/>
-          </a:p>
-        </p:txBody>
-      </p:sp>
-      <p:pic>
-        <p:nvPicPr>
-          <p:cNvPr id="2" name="그림 1">
-            <a:extLst>
-              <a:ext uri="{FF2B5EF4-FFF2-40B4-BE49-F238E27FC236}">
-                <a16:creationId xmlns:a16="http://schemas.microsoft.com/office/drawing/2014/main" id="{D66EF150-37CE-49F0-A40B-051118C64C80}"/>
-              </a:ext>
-            </a:extLst>
-          </p:cNvPr>
-          <p:cNvPicPr>
-            <a:picLocks noChangeAspect="1"/>
-          </p:cNvPicPr>
-          <p:nvPr/>
-        </p:nvPicPr>
-        <p:blipFill>
-          <a:blip r:embed="rId2"/>
-          <a:stretch>
-            <a:fillRect/>
-          </a:stretch>
-        </p:blipFill>
-        <p:spPr>
-          <a:xfrm>
-            <a:off x="1722437" y="1836093"/>
-            <a:ext cx="8715375" cy="3876675"/>
-          </a:xfrm>
-          <a:prstGeom prst="rect">
-            <a:avLst/>
-          </a:prstGeom>
-        </p:spPr>
-      </p:pic>
-    </p:spTree>
-    <p:extLst>
-      <p:ext uri="{BB962C8B-B14F-4D97-AF65-F5344CB8AC3E}">
-        <p14:creationId xmlns:p14="http://schemas.microsoft.com/office/powerpoint/2010/main" val="1215707014"/>
-      </p:ext>
-    </p:extLst>
-  </p:cSld>
-  <p:clrMapOvr>
-    <a:masterClrMapping/>
-  </p:clrMapOvr>
-</p:sld>
-</file>
-
-<file path=ppt/slides/slide42.xml><?xml version="1.0" encoding="utf-8"?>
 <p:sld xmlns:a="http://schemas.openxmlformats.org/drawingml/2006/main" xmlns:r="http://schemas.openxmlformats.org/officeDocument/2006/relationships" xmlns:p="http://schemas.openxmlformats.org/presentationml/2006/main">
   <p:cSld>
     <p:spTree>
@@ -10126,19 +8280,9 @@
 </p:sld>
 </file>
 
-<file path=ppt/slides/slide5.xml><?xml version="1.0" encoding="utf-8"?>
+<file path=ppt/slides/slide4.xml><?xml version="1.0" encoding="utf-8"?>
 <p:sld xmlns:a="http://schemas.openxmlformats.org/drawingml/2006/main" xmlns:r="http://schemas.openxmlformats.org/officeDocument/2006/relationships" xmlns:p="http://schemas.openxmlformats.org/presentationml/2006/main">
   <p:cSld>
-    <p:bg>
-      <p:bgPr>
-        <a:solidFill>
-          <a:schemeClr val="bg1">
-            <a:lumMod val="65000"/>
-          </a:schemeClr>
-        </a:solidFill>
-        <a:effectLst/>
-      </p:bgPr>
-    </p:bg>
     <p:spTree>
       <p:nvGrpSpPr>
         <p:cNvPr id="1" name=""/>
@@ -10155,7 +8299,119 @@
       </p:grpSpPr>
       <p:sp>
         <p:nvSpPr>
-          <p:cNvPr id="4" name="슬라이드 번호 개체 틀 3"/>
+          <p:cNvPr id="5" name="제목 4"/>
+          <p:cNvSpPr>
+            <a:spLocks noGrp="1"/>
+          </p:cNvSpPr>
+          <p:nvPr>
+            <p:ph type="title"/>
+          </p:nvPr>
+        </p:nvSpPr>
+        <p:spPr>
+          <a:xfrm>
+            <a:off x="608012" y="539949"/>
+            <a:ext cx="10944225" cy="1140090"/>
+          </a:xfrm>
+        </p:spPr>
+        <p:txBody>
+          <a:bodyPr>
+            <a:normAutofit/>
+          </a:bodyPr>
+          <a:lstStyle/>
+          <a:p>
+            <a:pPr algn="l"/>
+            <a:r>
+              <a:rPr lang="en-US" altLang="ko-KR" sz="4400" dirty="0">
+                <a:solidFill>
+                  <a:schemeClr val="tx1">
+                    <a:lumMod val="75000"/>
+                    <a:lumOff val="25000"/>
+                  </a:schemeClr>
+                </a:solidFill>
+                <a:latin typeface="Noto Sans CJK KR Black" pitchFamily="34" charset="-127"/>
+                <a:ea typeface="Noto Sans CJK KR Black" pitchFamily="34" charset="-127"/>
+              </a:rPr>
+              <a:t>2. </a:t>
+            </a:r>
+            <a:r>
+              <a:rPr lang="ko-KR" altLang="en-US" sz="4400" dirty="0">
+                <a:solidFill>
+                  <a:schemeClr val="tx1">
+                    <a:lumMod val="75000"/>
+                    <a:lumOff val="25000"/>
+                  </a:schemeClr>
+                </a:solidFill>
+                <a:latin typeface="Noto Sans CJK KR Black" pitchFamily="34" charset="-127"/>
+                <a:ea typeface="Noto Sans CJK KR Black" pitchFamily="34" charset="-127"/>
+              </a:rPr>
+              <a:t>시계열</a:t>
+            </a:r>
+            <a:r>
+              <a:rPr lang="en-US" altLang="ko-KR" sz="4400" dirty="0">
+                <a:solidFill>
+                  <a:schemeClr val="tx1">
+                    <a:lumMod val="75000"/>
+                    <a:lumOff val="25000"/>
+                  </a:schemeClr>
+                </a:solidFill>
+                <a:latin typeface="Noto Sans CJK KR Black" pitchFamily="34" charset="-127"/>
+                <a:ea typeface="Noto Sans CJK KR Black" pitchFamily="34" charset="-127"/>
+              </a:rPr>
+              <a:t> </a:t>
+            </a:r>
+            <a:r>
+              <a:rPr lang="ko-KR" altLang="en-US" sz="4400" dirty="0">
+                <a:solidFill>
+                  <a:schemeClr val="tx1">
+                    <a:lumMod val="75000"/>
+                    <a:lumOff val="25000"/>
+                  </a:schemeClr>
+                </a:solidFill>
+                <a:latin typeface="Noto Sans CJK KR Black" pitchFamily="34" charset="-127"/>
+                <a:ea typeface="Noto Sans CJK KR Black" pitchFamily="34" charset="-127"/>
+              </a:rPr>
+              <a:t>데이터</a:t>
+            </a:r>
+            <a:r>
+              <a:rPr lang="en-US" altLang="ko-KR" sz="4400" dirty="0">
+                <a:solidFill>
+                  <a:schemeClr val="tx1">
+                    <a:lumMod val="75000"/>
+                    <a:lumOff val="25000"/>
+                  </a:schemeClr>
+                </a:solidFill>
+                <a:latin typeface="Noto Sans CJK KR Black" pitchFamily="34" charset="-127"/>
+                <a:ea typeface="Noto Sans CJK KR Black" pitchFamily="34" charset="-127"/>
+              </a:rPr>
+              <a:t>/</a:t>
+            </a:r>
+            <a:r>
+              <a:rPr lang="ko-KR" altLang="en-US" sz="4400" dirty="0">
+                <a:solidFill>
+                  <a:schemeClr val="tx1">
+                    <a:lumMod val="75000"/>
+                    <a:lumOff val="25000"/>
+                  </a:schemeClr>
+                </a:solidFill>
+                <a:latin typeface="Noto Sans CJK KR Black" pitchFamily="34" charset="-127"/>
+                <a:ea typeface="Noto Sans CJK KR Black" pitchFamily="34" charset="-127"/>
+              </a:rPr>
+              <a:t>분석과 기계학습의 차이</a:t>
+            </a:r>
+            <a:endParaRPr lang="ko-KR" altLang="en-US" sz="4400" dirty="0">
+              <a:solidFill>
+                <a:schemeClr val="tx1">
+                  <a:lumMod val="75000"/>
+                  <a:lumOff val="25000"/>
+                </a:schemeClr>
+              </a:solidFill>
+            </a:endParaRPr>
+          </a:p>
+        </p:txBody>
+      </p:sp>
+      <p:sp>
+        <p:nvSpPr>
+          <p:cNvPr id="3" name="슬라이드 번호 개체 틀 2"/>
           <p:cNvSpPr>
             <a:spLocks noGrp="1"/>
           </p:cNvSpPr>
@@ -10171,228 +8427,76 @@
             <a:fld id="{6DDAE2C3-1A0B-474A-8CE8-AE55B8D9D4B1}" type="slidenum">
               <a:rPr lang="ko-KR" altLang="en-US" smtClean="0"/>
               <a:pPr/>
-              <a:t>5</a:t>
+              <a:t>4</a:t>
             </a:fld>
             <a:endParaRPr lang="ko-KR" altLang="en-US" dirty="0"/>
           </a:p>
         </p:txBody>
       </p:sp>
-      <p:sp>
-        <p:nvSpPr>
-          <p:cNvPr id="11" name="TextBox 10"/>
-          <p:cNvSpPr txBox="1"/>
+      <p:pic>
+        <p:nvPicPr>
+          <p:cNvPr id="4" name="그림 3">
+            <a:extLst>
+              <a:ext uri="{FF2B5EF4-FFF2-40B4-BE49-F238E27FC236}">
+                <a16:creationId xmlns:a16="http://schemas.microsoft.com/office/drawing/2014/main" id="{50D6F013-DC69-4406-B375-769C3A12F3B8}"/>
+              </a:ext>
+            </a:extLst>
+          </p:cNvPr>
+          <p:cNvPicPr>
+            <a:picLocks noChangeAspect="1"/>
+          </p:cNvPicPr>
           <p:nvPr/>
-        </p:nvSpPr>
+        </p:nvPicPr>
+        <p:blipFill>
+          <a:blip r:embed="rId2"/>
+          <a:stretch>
+            <a:fillRect/>
+          </a:stretch>
+        </p:blipFill>
         <p:spPr>
           <a:xfrm>
-            <a:off x="542135" y="855851"/>
-            <a:ext cx="9786462" cy="2708434"/>
+            <a:off x="608012" y="2379054"/>
+            <a:ext cx="4762500" cy="3476625"/>
           </a:xfrm>
           <a:prstGeom prst="rect">
             <a:avLst/>
           </a:prstGeom>
-          <a:noFill/>
         </p:spPr>
-        <p:txBody>
-          <a:bodyPr wrap="square" lIns="0" tIns="0" rIns="0" bIns="0" rtlCol="0" anchor="t">
-            <a:spAutoFit/>
-          </a:bodyPr>
-          <a:lstStyle/>
-          <a:p>
-            <a:r>
-              <a:rPr lang="en-US" altLang="ko-KR" sz="4400" dirty="0">
-                <a:solidFill>
-                  <a:schemeClr val="bg1"/>
-                </a:solidFill>
-                <a:latin typeface="Noto Sans CJK KR Black" panose="020B0A00000000000000" pitchFamily="34" charset="-127"/>
-                <a:ea typeface="Noto Sans CJK KR Black" panose="020B0A00000000000000" pitchFamily="34" charset="-127"/>
-              </a:rPr>
-              <a:t>Part1: 1</a:t>
-            </a:r>
-            <a:r>
-              <a:rPr lang="ko-KR" altLang="en-US" sz="4400" dirty="0">
-                <a:solidFill>
-                  <a:schemeClr val="bg1"/>
-                </a:solidFill>
-                <a:latin typeface="Noto Sans CJK KR Black" panose="020B0A00000000000000" pitchFamily="34" charset="-127"/>
-                <a:ea typeface="Noto Sans CJK KR Black" panose="020B0A00000000000000" pitchFamily="34" charset="-127"/>
-              </a:rPr>
-              <a:t>회차 강의의 목적</a:t>
-            </a:r>
-            <a:r>
-              <a:rPr lang="en-US" altLang="ko-KR" sz="4400" dirty="0">
-                <a:solidFill>
-                  <a:schemeClr val="bg1"/>
-                </a:solidFill>
-                <a:latin typeface="Noto Sans CJK KR Black" panose="020B0A00000000000000" pitchFamily="34" charset="-127"/>
-                <a:ea typeface="Noto Sans CJK KR Black" panose="020B0A00000000000000" pitchFamily="34" charset="-127"/>
-              </a:rPr>
-              <a:t>.</a:t>
-            </a:r>
-          </a:p>
-          <a:p>
-            <a:endParaRPr lang="en-US" altLang="ko-KR" sz="4400" dirty="0">
-              <a:solidFill>
-                <a:schemeClr val="bg1"/>
-              </a:solidFill>
-              <a:latin typeface="Noto Sans CJK KR Black" panose="020B0A00000000000000" pitchFamily="34" charset="-127"/>
-              <a:ea typeface="Noto Sans CJK KR Black" panose="020B0A00000000000000" pitchFamily="34" charset="-127"/>
-            </a:endParaRPr>
-          </a:p>
-          <a:p>
-            <a:r>
-              <a:rPr lang="en-US" altLang="ko-KR" sz="4400" dirty="0">
-                <a:solidFill>
-                  <a:schemeClr val="bg1"/>
-                </a:solidFill>
-                <a:latin typeface="Noto Sans CJK KR Black" panose="020B0A00000000000000" pitchFamily="34" charset="-127"/>
-                <a:ea typeface="Noto Sans CJK KR Black" panose="020B0A00000000000000" pitchFamily="34" charset="-127"/>
-              </a:rPr>
-              <a:t>“</a:t>
-            </a:r>
-            <a:r>
-              <a:rPr lang="ko-KR" altLang="en-US" sz="4400" dirty="0">
-                <a:solidFill>
-                  <a:schemeClr val="bg1"/>
-                </a:solidFill>
-                <a:latin typeface="Noto Sans CJK KR Black" panose="020B0A00000000000000" pitchFamily="34" charset="-127"/>
-                <a:ea typeface="Noto Sans CJK KR Black" panose="020B0A00000000000000" pitchFamily="34" charset="-127"/>
-              </a:rPr>
-              <a:t>분석 </a:t>
-            </a:r>
-            <a:r>
-              <a:rPr lang="ko-KR" altLang="en-US" sz="4400" dirty="0" err="1">
-                <a:solidFill>
-                  <a:schemeClr val="bg1"/>
-                </a:solidFill>
-                <a:latin typeface="Noto Sans CJK KR Black" panose="020B0A00000000000000" pitchFamily="34" charset="-127"/>
-                <a:ea typeface="Noto Sans CJK KR Black" panose="020B0A00000000000000" pitchFamily="34" charset="-127"/>
-              </a:rPr>
-              <a:t>싸이클</a:t>
-            </a:r>
-            <a:r>
-              <a:rPr lang="ko-KR" altLang="en-US" sz="4400" dirty="0">
-                <a:solidFill>
-                  <a:schemeClr val="bg1"/>
-                </a:solidFill>
-                <a:latin typeface="Noto Sans CJK KR Black" panose="020B0A00000000000000" pitchFamily="34" charset="-127"/>
-                <a:ea typeface="Noto Sans CJK KR Black" panose="020B0A00000000000000" pitchFamily="34" charset="-127"/>
-              </a:rPr>
-              <a:t> 이해 </a:t>
-            </a:r>
-            <a:endParaRPr lang="en-US" altLang="ko-KR" sz="4400" dirty="0">
-              <a:solidFill>
-                <a:schemeClr val="bg1"/>
-              </a:solidFill>
-              <a:latin typeface="Noto Sans CJK KR Black" panose="020B0A00000000000000" pitchFamily="34" charset="-127"/>
-              <a:ea typeface="Noto Sans CJK KR Black" panose="020B0A00000000000000" pitchFamily="34" charset="-127"/>
-            </a:endParaRPr>
-          </a:p>
-          <a:p>
-            <a:r>
-              <a:rPr lang="ko-KR" altLang="en-US" sz="4400" dirty="0">
-                <a:solidFill>
-                  <a:schemeClr val="bg1"/>
-                </a:solidFill>
-                <a:latin typeface="Noto Sans CJK KR Black" panose="020B0A00000000000000" pitchFamily="34" charset="-127"/>
-                <a:ea typeface="Noto Sans CJK KR Black" panose="020B0A00000000000000" pitchFamily="34" charset="-127"/>
-              </a:rPr>
-              <a:t>및 수학</a:t>
-            </a:r>
-            <a:r>
-              <a:rPr lang="en-US" altLang="ko-KR" sz="4400" dirty="0">
-                <a:solidFill>
-                  <a:schemeClr val="bg1"/>
-                </a:solidFill>
-                <a:latin typeface="Noto Sans CJK KR Black" panose="020B0A00000000000000" pitchFamily="34" charset="-127"/>
-                <a:ea typeface="Noto Sans CJK KR Black" panose="020B0A00000000000000" pitchFamily="34" charset="-127"/>
-              </a:rPr>
-              <a:t>/</a:t>
-            </a:r>
-            <a:r>
-              <a:rPr lang="ko-KR" altLang="en-US" sz="4400" dirty="0">
-                <a:solidFill>
-                  <a:schemeClr val="bg1"/>
-                </a:solidFill>
-                <a:latin typeface="Noto Sans CJK KR Black" panose="020B0A00000000000000" pitchFamily="34" charset="-127"/>
-                <a:ea typeface="Noto Sans CJK KR Black" panose="020B0A00000000000000" pitchFamily="34" charset="-127"/>
-              </a:rPr>
-              <a:t>통계</a:t>
-            </a:r>
-            <a:r>
-              <a:rPr lang="en-US" altLang="ko-KR" sz="4400" dirty="0">
-                <a:solidFill>
-                  <a:schemeClr val="bg1"/>
-                </a:solidFill>
-                <a:latin typeface="Noto Sans CJK KR Black" panose="020B0A00000000000000" pitchFamily="34" charset="-127"/>
-                <a:ea typeface="Noto Sans CJK KR Black" panose="020B0A00000000000000" pitchFamily="34" charset="-127"/>
-              </a:rPr>
-              <a:t>/Python </a:t>
-            </a:r>
-            <a:r>
-              <a:rPr lang="ko-KR" altLang="en-US" sz="4400" dirty="0">
-                <a:solidFill>
-                  <a:schemeClr val="bg1"/>
-                </a:solidFill>
-                <a:latin typeface="Noto Sans CJK KR Black" panose="020B0A00000000000000" pitchFamily="34" charset="-127"/>
-                <a:ea typeface="Noto Sans CJK KR Black" panose="020B0A00000000000000" pitchFamily="34" charset="-127"/>
-              </a:rPr>
-              <a:t>언어 이해하기</a:t>
-            </a:r>
-            <a:r>
-              <a:rPr lang="en-US" altLang="ko-KR" sz="4400" dirty="0">
-                <a:solidFill>
-                  <a:schemeClr val="bg1"/>
-                </a:solidFill>
-                <a:latin typeface="Noto Sans CJK KR Black" panose="020B0A00000000000000" pitchFamily="34" charset="-127"/>
-                <a:ea typeface="Noto Sans CJK KR Black" panose="020B0A00000000000000" pitchFamily="34" charset="-127"/>
-              </a:rPr>
-              <a:t>”</a:t>
-            </a:r>
-          </a:p>
-        </p:txBody>
-      </p:sp>
-      <p:sp>
-        <p:nvSpPr>
-          <p:cNvPr id="12" name="TextBox 11"/>
-          <p:cNvSpPr txBox="1"/>
+      </p:pic>
+      <p:pic>
+        <p:nvPicPr>
+          <p:cNvPr id="6" name="그림 5">
+            <a:extLst>
+              <a:ext uri="{FF2B5EF4-FFF2-40B4-BE49-F238E27FC236}">
+                <a16:creationId xmlns:a16="http://schemas.microsoft.com/office/drawing/2014/main" id="{F22DDB76-DCD7-40D6-B592-8CCEF5228ED1}"/>
+              </a:ext>
+            </a:extLst>
+          </p:cNvPr>
+          <p:cNvPicPr>
+            <a:picLocks noChangeAspect="1"/>
+          </p:cNvPicPr>
           <p:nvPr/>
-        </p:nvSpPr>
+        </p:nvPicPr>
+        <p:blipFill>
+          <a:blip r:embed="rId3"/>
+          <a:stretch>
+            <a:fillRect/>
+          </a:stretch>
+        </p:blipFill>
         <p:spPr>
           <a:xfrm>
-            <a:off x="4783981" y="611957"/>
-            <a:ext cx="7056784" cy="216726"/>
+            <a:off x="6224141" y="1883753"/>
+            <a:ext cx="5191125" cy="4467225"/>
           </a:xfrm>
           <a:prstGeom prst="rect">
             <a:avLst/>
           </a:prstGeom>
-          <a:noFill/>
         </p:spPr>
-        <p:txBody>
-          <a:bodyPr wrap="square" lIns="0" tIns="0" rIns="0" bIns="0" rtlCol="0" anchor="t">
-            <a:spAutoFit/>
-          </a:bodyPr>
-          <a:lstStyle/>
-          <a:p>
-            <a:pPr>
-              <a:lnSpc>
-                <a:spcPct val="150000"/>
-              </a:lnSpc>
-            </a:pPr>
-            <a:endParaRPr lang="en-US" altLang="ko-KR" sz="1050" dirty="0">
-              <a:solidFill>
-                <a:schemeClr val="bg1"/>
-              </a:solidFill>
-              <a:latin typeface="Noto Sans CJK KR Medium" panose="020B0600000000000000" pitchFamily="34" charset="-127"/>
-              <a:ea typeface="Noto Sans CJK KR Medium" panose="020B0600000000000000" pitchFamily="34" charset="-127"/>
-            </a:endParaRPr>
-          </a:p>
-        </p:txBody>
-      </p:sp>
+      </p:pic>
     </p:spTree>
     <p:extLst>
       <p:ext uri="{BB962C8B-B14F-4D97-AF65-F5344CB8AC3E}">
-        <p14:creationId xmlns:p14="http://schemas.microsoft.com/office/powerpoint/2010/main" val="986375043"/>
+        <p14:creationId xmlns:p14="http://schemas.microsoft.com/office/powerpoint/2010/main" val="362415506"/>
       </p:ext>
     </p:extLst>
   </p:cSld>
@@ -10402,19 +8506,9 @@
 </p:sld>
 </file>
 
-<file path=ppt/slides/slide6.xml><?xml version="1.0" encoding="utf-8"?>
+<file path=ppt/slides/slide5.xml><?xml version="1.0" encoding="utf-8"?>
 <p:sld xmlns:a="http://schemas.openxmlformats.org/drawingml/2006/main" xmlns:r="http://schemas.openxmlformats.org/officeDocument/2006/relationships" xmlns:p="http://schemas.openxmlformats.org/presentationml/2006/main">
   <p:cSld>
-    <p:bg>
-      <p:bgPr>
-        <a:solidFill>
-          <a:schemeClr val="bg1">
-            <a:lumMod val="65000"/>
-          </a:schemeClr>
-        </a:solidFill>
-        <a:effectLst/>
-      </p:bgPr>
-    </p:bg>
     <p:spTree>
       <p:nvGrpSpPr>
         <p:cNvPr id="1" name=""/>
@@ -10431,7 +8525,144 @@
       </p:grpSpPr>
       <p:sp>
         <p:nvSpPr>
-          <p:cNvPr id="4" name="슬라이드 번호 개체 틀 3"/>
+          <p:cNvPr id="5" name="제목 4"/>
+          <p:cNvSpPr>
+            <a:spLocks noGrp="1"/>
+          </p:cNvSpPr>
+          <p:nvPr>
+            <p:ph type="title"/>
+          </p:nvPr>
+        </p:nvSpPr>
+        <p:spPr>
+          <a:xfrm>
+            <a:off x="608012" y="539949"/>
+            <a:ext cx="10944225" cy="1140090"/>
+          </a:xfrm>
+        </p:spPr>
+        <p:txBody>
+          <a:bodyPr>
+            <a:normAutofit fontScale="90000"/>
+          </a:bodyPr>
+          <a:lstStyle/>
+          <a:p>
+            <a:pPr algn="l"/>
+            <a:r>
+              <a:rPr lang="en-US" altLang="ko-KR" sz="4400" dirty="0">
+                <a:solidFill>
+                  <a:schemeClr val="tx1">
+                    <a:lumMod val="75000"/>
+                    <a:lumOff val="25000"/>
+                  </a:schemeClr>
+                </a:solidFill>
+                <a:latin typeface="Noto Sans CJK KR Black" pitchFamily="34" charset="-127"/>
+                <a:ea typeface="Noto Sans CJK KR Black" pitchFamily="34" charset="-127"/>
+              </a:rPr>
+              <a:t>2. </a:t>
+            </a:r>
+            <a:r>
+              <a:rPr lang="ko-KR" altLang="en-US" sz="4400" dirty="0">
+                <a:solidFill>
+                  <a:schemeClr val="tx1">
+                    <a:lumMod val="75000"/>
+                    <a:lumOff val="25000"/>
+                  </a:schemeClr>
+                </a:solidFill>
+                <a:latin typeface="Noto Sans CJK KR Black" pitchFamily="34" charset="-127"/>
+                <a:ea typeface="Noto Sans CJK KR Black" pitchFamily="34" charset="-127"/>
+              </a:rPr>
+              <a:t>시계열</a:t>
+            </a:r>
+            <a:r>
+              <a:rPr lang="en-US" altLang="ko-KR" sz="4400" dirty="0">
+                <a:solidFill>
+                  <a:schemeClr val="tx1">
+                    <a:lumMod val="75000"/>
+                    <a:lumOff val="25000"/>
+                  </a:schemeClr>
+                </a:solidFill>
+                <a:latin typeface="Noto Sans CJK KR Black" pitchFamily="34" charset="-127"/>
+                <a:ea typeface="Noto Sans CJK KR Black" pitchFamily="34" charset="-127"/>
+              </a:rPr>
+              <a:t> </a:t>
+            </a:r>
+            <a:r>
+              <a:rPr lang="ko-KR" altLang="en-US" sz="4400" dirty="0">
+                <a:solidFill>
+                  <a:schemeClr val="tx1">
+                    <a:lumMod val="75000"/>
+                    <a:lumOff val="25000"/>
+                  </a:schemeClr>
+                </a:solidFill>
+                <a:latin typeface="Noto Sans CJK KR Black" pitchFamily="34" charset="-127"/>
+                <a:ea typeface="Noto Sans CJK KR Black" pitchFamily="34" charset="-127"/>
+              </a:rPr>
+              <a:t>데이터</a:t>
+            </a:r>
+            <a:r>
+              <a:rPr lang="en-US" altLang="ko-KR" sz="4400" dirty="0">
+                <a:solidFill>
+                  <a:schemeClr val="tx1">
+                    <a:lumMod val="75000"/>
+                    <a:lumOff val="25000"/>
+                  </a:schemeClr>
+                </a:solidFill>
+                <a:latin typeface="Noto Sans CJK KR Black" pitchFamily="34" charset="-127"/>
+                <a:ea typeface="Noto Sans CJK KR Black" pitchFamily="34" charset="-127"/>
+              </a:rPr>
+              <a:t>/</a:t>
+            </a:r>
+            <a:r>
+              <a:rPr lang="ko-KR" altLang="en-US" sz="4400" dirty="0">
+                <a:solidFill>
+                  <a:schemeClr val="tx1">
+                    <a:lumMod val="75000"/>
+                    <a:lumOff val="25000"/>
+                  </a:schemeClr>
+                </a:solidFill>
+                <a:latin typeface="Noto Sans CJK KR Black" pitchFamily="34" charset="-127"/>
+                <a:ea typeface="Noto Sans CJK KR Black" pitchFamily="34" charset="-127"/>
+              </a:rPr>
+              <a:t>분석과</a:t>
+            </a:r>
+            <a:br>
+              <a:rPr lang="en-US" altLang="ko-KR" sz="4400" dirty="0">
+                <a:solidFill>
+                  <a:schemeClr val="tx1">
+                    <a:lumMod val="75000"/>
+                    <a:lumOff val="25000"/>
+                  </a:schemeClr>
+                </a:solidFill>
+                <a:latin typeface="Noto Sans CJK KR Black" pitchFamily="34" charset="-127"/>
+                <a:ea typeface="Noto Sans CJK KR Black" pitchFamily="34" charset="-127"/>
+              </a:rPr>
+            </a:br>
+            <a:r>
+              <a:rPr lang="ko-KR" altLang="en-US" sz="4400" dirty="0">
+                <a:solidFill>
+                  <a:schemeClr val="tx1">
+                    <a:lumMod val="75000"/>
+                    <a:lumOff val="25000"/>
+                  </a:schemeClr>
+                </a:solidFill>
+                <a:latin typeface="Noto Sans CJK KR Black" pitchFamily="34" charset="-127"/>
+                <a:ea typeface="Noto Sans CJK KR Black" pitchFamily="34" charset="-127"/>
+              </a:rPr>
+              <a:t> 기계학습의 차이</a:t>
+            </a:r>
+            <a:endParaRPr lang="ko-KR" altLang="en-US" sz="4400" dirty="0">
+              <a:solidFill>
+                <a:schemeClr val="tx1">
+                  <a:lumMod val="75000"/>
+                  <a:lumOff val="25000"/>
+                </a:schemeClr>
+              </a:solidFill>
+            </a:endParaRPr>
+          </a:p>
+        </p:txBody>
+      </p:sp>
+      <p:sp>
+        <p:nvSpPr>
+          <p:cNvPr id="3" name="슬라이드 번호 개체 틀 2"/>
           <p:cNvSpPr>
             <a:spLocks noGrp="1"/>
           </p:cNvSpPr>
@@ -10447,172 +8678,46 @@
             <a:fld id="{6DDAE2C3-1A0B-474A-8CE8-AE55B8D9D4B1}" type="slidenum">
               <a:rPr lang="ko-KR" altLang="en-US" smtClean="0"/>
               <a:pPr/>
-              <a:t>6</a:t>
+              <a:t>5</a:t>
             </a:fld>
             <a:endParaRPr lang="ko-KR" altLang="en-US" dirty="0"/>
           </a:p>
         </p:txBody>
       </p:sp>
-      <p:sp>
-        <p:nvSpPr>
-          <p:cNvPr id="11" name="TextBox 10"/>
-          <p:cNvSpPr txBox="1"/>
+      <p:pic>
+        <p:nvPicPr>
+          <p:cNvPr id="2" name="그림 1">
+            <a:extLst>
+              <a:ext uri="{FF2B5EF4-FFF2-40B4-BE49-F238E27FC236}">
+                <a16:creationId xmlns:a16="http://schemas.microsoft.com/office/drawing/2014/main" id="{97724287-F85F-403F-B616-E7D80B3BF250}"/>
+              </a:ext>
+            </a:extLst>
+          </p:cNvPr>
+          <p:cNvPicPr>
+            <a:picLocks noChangeAspect="1"/>
+          </p:cNvPicPr>
           <p:nvPr/>
-        </p:nvSpPr>
+        </p:nvPicPr>
+        <p:blipFill>
+          <a:blip r:embed="rId2"/>
+          <a:stretch>
+            <a:fillRect/>
+          </a:stretch>
+        </p:blipFill>
         <p:spPr>
           <a:xfrm>
-            <a:off x="542135" y="855851"/>
-            <a:ext cx="9786462" cy="2708434"/>
+            <a:off x="6349113" y="529389"/>
+            <a:ext cx="5181600" cy="6200775"/>
           </a:xfrm>
           <a:prstGeom prst="rect">
             <a:avLst/>
           </a:prstGeom>
-          <a:solidFill>
-            <a:schemeClr val="bg1">
-              <a:lumMod val="65000"/>
-            </a:schemeClr>
-          </a:solidFill>
         </p:spPr>
-        <p:txBody>
-          <a:bodyPr wrap="square" lIns="0" tIns="0" rIns="0" bIns="0" rtlCol="0" anchor="t">
-            <a:spAutoFit/>
-          </a:bodyPr>
-          <a:lstStyle/>
-          <a:p>
-            <a:r>
-              <a:rPr lang="en-US" altLang="ko-KR" sz="4400" dirty="0">
-                <a:solidFill>
-                  <a:schemeClr val="bg1"/>
-                </a:solidFill>
-                <a:latin typeface="Noto Sans CJK KR Black" panose="020B0A00000000000000" pitchFamily="34" charset="-127"/>
-                <a:ea typeface="Noto Sans CJK KR Black" panose="020B0A00000000000000" pitchFamily="34" charset="-127"/>
-              </a:rPr>
-              <a:t>Part1: 2</a:t>
-            </a:r>
-            <a:r>
-              <a:rPr lang="ko-KR" altLang="en-US" sz="4400" dirty="0">
-                <a:solidFill>
-                  <a:schemeClr val="bg1"/>
-                </a:solidFill>
-                <a:latin typeface="Noto Sans CJK KR Black" panose="020B0A00000000000000" pitchFamily="34" charset="-127"/>
-                <a:ea typeface="Noto Sans CJK KR Black" panose="020B0A00000000000000" pitchFamily="34" charset="-127"/>
-              </a:rPr>
-              <a:t>회차 강의의 목적</a:t>
-            </a:r>
-            <a:r>
-              <a:rPr lang="en-US" altLang="ko-KR" sz="4400" dirty="0">
-                <a:solidFill>
-                  <a:schemeClr val="bg1"/>
-                </a:solidFill>
-                <a:latin typeface="Noto Sans CJK KR Black" panose="020B0A00000000000000" pitchFamily="34" charset="-127"/>
-                <a:ea typeface="Noto Sans CJK KR Black" panose="020B0A00000000000000" pitchFamily="34" charset="-127"/>
-              </a:rPr>
-              <a:t>.</a:t>
-            </a:r>
-          </a:p>
-          <a:p>
-            <a:endParaRPr lang="en-US" altLang="ko-KR" sz="4400" dirty="0">
-              <a:solidFill>
-                <a:schemeClr val="bg1"/>
-              </a:solidFill>
-              <a:latin typeface="Noto Sans CJK KR Black" panose="020B0A00000000000000" pitchFamily="34" charset="-127"/>
-              <a:ea typeface="Noto Sans CJK KR Black" panose="020B0A00000000000000" pitchFamily="34" charset="-127"/>
-            </a:endParaRPr>
-          </a:p>
-          <a:p>
-            <a:r>
-              <a:rPr lang="en-US" altLang="ko-KR" sz="4400" dirty="0">
-                <a:solidFill>
-                  <a:schemeClr val="bg1"/>
-                </a:solidFill>
-                <a:latin typeface="Noto Sans CJK KR Black" panose="020B0A00000000000000" pitchFamily="34" charset="-127"/>
-                <a:ea typeface="Noto Sans CJK KR Black" panose="020B0A00000000000000" pitchFamily="34" charset="-127"/>
-              </a:rPr>
-              <a:t>“</a:t>
-            </a:r>
-            <a:r>
-              <a:rPr lang="ko-KR" altLang="en-US" sz="4400" dirty="0">
-                <a:solidFill>
-                  <a:schemeClr val="bg1"/>
-                </a:solidFill>
-                <a:latin typeface="Noto Sans CJK KR Black" panose="020B0A00000000000000" pitchFamily="34" charset="-127"/>
-                <a:ea typeface="Noto Sans CJK KR Black" panose="020B0A00000000000000" pitchFamily="34" charset="-127"/>
-              </a:rPr>
-              <a:t>시계열 데이터 접근방법 리뷰 </a:t>
-            </a:r>
-            <a:endParaRPr lang="en-US" altLang="ko-KR" sz="4400" dirty="0">
-              <a:solidFill>
-                <a:schemeClr val="bg1"/>
-              </a:solidFill>
-              <a:latin typeface="Noto Sans CJK KR Black" panose="020B0A00000000000000" pitchFamily="34" charset="-127"/>
-              <a:ea typeface="Noto Sans CJK KR Black" panose="020B0A00000000000000" pitchFamily="34" charset="-127"/>
-            </a:endParaRPr>
-          </a:p>
-          <a:p>
-            <a:r>
-              <a:rPr lang="ko-KR" altLang="en-US" sz="4400" dirty="0">
-                <a:solidFill>
-                  <a:schemeClr val="bg1"/>
-                </a:solidFill>
-                <a:latin typeface="Noto Sans CJK KR Black" panose="020B0A00000000000000" pitchFamily="34" charset="-127"/>
-                <a:ea typeface="Noto Sans CJK KR Black" panose="020B0A00000000000000" pitchFamily="34" charset="-127"/>
-              </a:rPr>
-              <a:t>및 “분석초안” 실습 완성</a:t>
-            </a:r>
-            <a:r>
-              <a:rPr lang="en-US" altLang="ko-KR" sz="4400" dirty="0">
-                <a:solidFill>
-                  <a:schemeClr val="bg1"/>
-                </a:solidFill>
-                <a:latin typeface="Noto Sans CJK KR Black" panose="020B0A00000000000000" pitchFamily="34" charset="-127"/>
-                <a:ea typeface="Noto Sans CJK KR Black" panose="020B0A00000000000000" pitchFamily="34" charset="-127"/>
-              </a:rPr>
-              <a:t>”</a:t>
-            </a:r>
-          </a:p>
-        </p:txBody>
-      </p:sp>
-      <p:sp>
-        <p:nvSpPr>
-          <p:cNvPr id="12" name="TextBox 11"/>
-          <p:cNvSpPr txBox="1"/>
-          <p:nvPr/>
-        </p:nvSpPr>
-        <p:spPr>
-          <a:xfrm>
-            <a:off x="4783981" y="611957"/>
-            <a:ext cx="7056784" cy="216726"/>
-          </a:xfrm>
-          <a:prstGeom prst="rect">
-            <a:avLst/>
-          </a:prstGeom>
-          <a:noFill/>
-        </p:spPr>
-        <p:txBody>
-          <a:bodyPr wrap="square" lIns="0" tIns="0" rIns="0" bIns="0" rtlCol="0" anchor="t">
-            <a:spAutoFit/>
-          </a:bodyPr>
-          <a:lstStyle/>
-          <a:p>
-            <a:pPr>
-              <a:lnSpc>
-                <a:spcPct val="150000"/>
-              </a:lnSpc>
-            </a:pPr>
-            <a:endParaRPr lang="en-US" altLang="ko-KR" sz="1050" dirty="0">
-              <a:solidFill>
-                <a:schemeClr val="bg1"/>
-              </a:solidFill>
-              <a:latin typeface="Noto Sans CJK KR Medium" panose="020B0600000000000000" pitchFamily="34" charset="-127"/>
-              <a:ea typeface="Noto Sans CJK KR Medium" panose="020B0600000000000000" pitchFamily="34" charset="-127"/>
-            </a:endParaRPr>
-          </a:p>
-        </p:txBody>
-      </p:sp>
+      </p:pic>
     </p:spTree>
     <p:extLst>
       <p:ext uri="{BB962C8B-B14F-4D97-AF65-F5344CB8AC3E}">
-        <p14:creationId xmlns:p14="http://schemas.microsoft.com/office/powerpoint/2010/main" val="2256687601"/>
+        <p14:creationId xmlns:p14="http://schemas.microsoft.com/office/powerpoint/2010/main" val="3967198073"/>
       </p:ext>
     </p:extLst>
   </p:cSld>
@@ -10622,19 +8727,9 @@
 </p:sld>
 </file>
 
-<file path=ppt/slides/slide7.xml><?xml version="1.0" encoding="utf-8"?>
+<file path=ppt/slides/slide6.xml><?xml version="1.0" encoding="utf-8"?>
 <p:sld xmlns:a="http://schemas.openxmlformats.org/drawingml/2006/main" xmlns:r="http://schemas.openxmlformats.org/officeDocument/2006/relationships" xmlns:p="http://schemas.openxmlformats.org/presentationml/2006/main">
   <p:cSld>
-    <p:bg>
-      <p:bgPr>
-        <a:solidFill>
-          <a:schemeClr val="bg1">
-            <a:lumMod val="65000"/>
-          </a:schemeClr>
-        </a:solidFill>
-        <a:effectLst/>
-      </p:bgPr>
-    </p:bg>
     <p:spTree>
       <p:nvGrpSpPr>
         <p:cNvPr id="1" name=""/>
@@ -10651,7 +8746,209 @@
       </p:grpSpPr>
       <p:sp>
         <p:nvSpPr>
-          <p:cNvPr id="4" name="슬라이드 번호 개체 틀 3"/>
+          <p:cNvPr id="3" name="슬라이드 번호 개체 틀 2"/>
+          <p:cNvSpPr>
+            <a:spLocks noGrp="1"/>
+          </p:cNvSpPr>
+          <p:nvPr>
+            <p:ph type="sldNum" sz="quarter" idx="12"/>
+          </p:nvPr>
+        </p:nvSpPr>
+        <p:spPr/>
+        <p:txBody>
+          <a:bodyPr/>
+          <a:lstStyle/>
+          <a:p>
+            <a:fld id="{6DDAE2C3-1A0B-474A-8CE8-AE55B8D9D4B1}" type="slidenum">
+              <a:rPr lang="ko-KR" altLang="en-US" smtClean="0"/>
+              <a:pPr/>
+              <a:t>6</a:t>
+            </a:fld>
+            <a:endParaRPr lang="ko-KR" altLang="en-US" dirty="0"/>
+          </a:p>
+        </p:txBody>
+      </p:sp>
+      <p:sp>
+        <p:nvSpPr>
+          <p:cNvPr id="8" name="제목 4">
+            <a:extLst>
+              <a:ext uri="{FF2B5EF4-FFF2-40B4-BE49-F238E27FC236}">
+                <a16:creationId xmlns:a16="http://schemas.microsoft.com/office/drawing/2014/main" id="{8FE32074-AF17-44A3-B3EB-DC631A3C934F}"/>
+              </a:ext>
+            </a:extLst>
+          </p:cNvPr>
+          <p:cNvSpPr>
+            <a:spLocks noGrp="1"/>
+          </p:cNvSpPr>
+          <p:nvPr>
+            <p:ph type="title"/>
+          </p:nvPr>
+        </p:nvSpPr>
+        <p:spPr>
+          <a:xfrm>
+            <a:off x="608012" y="539949"/>
+            <a:ext cx="10944225" cy="1140090"/>
+          </a:xfrm>
+        </p:spPr>
+        <p:txBody>
+          <a:bodyPr>
+            <a:normAutofit/>
+          </a:bodyPr>
+          <a:lstStyle/>
+          <a:p>
+            <a:pPr algn="l"/>
+            <a:r>
+              <a:rPr lang="en-US" altLang="ko-KR" sz="4400" dirty="0">
+                <a:solidFill>
+                  <a:schemeClr val="tx1">
+                    <a:lumMod val="75000"/>
+                    <a:lumOff val="25000"/>
+                  </a:schemeClr>
+                </a:solidFill>
+                <a:latin typeface="Noto Sans CJK KR Black" pitchFamily="34" charset="-127"/>
+                <a:ea typeface="Noto Sans CJK KR Black" pitchFamily="34" charset="-127"/>
+              </a:rPr>
+              <a:t>2. </a:t>
+            </a:r>
+            <a:r>
+              <a:rPr lang="ko-KR" altLang="en-US" sz="4400" dirty="0">
+                <a:solidFill>
+                  <a:schemeClr val="tx1">
+                    <a:lumMod val="75000"/>
+                    <a:lumOff val="25000"/>
+                  </a:schemeClr>
+                </a:solidFill>
+                <a:latin typeface="Noto Sans CJK KR Black" pitchFamily="34" charset="-127"/>
+                <a:ea typeface="Noto Sans CJK KR Black" pitchFamily="34" charset="-127"/>
+              </a:rPr>
+              <a:t>시계열</a:t>
+            </a:r>
+            <a:r>
+              <a:rPr lang="en-US" altLang="ko-KR" sz="4400" dirty="0">
+                <a:solidFill>
+                  <a:schemeClr val="tx1">
+                    <a:lumMod val="75000"/>
+                    <a:lumOff val="25000"/>
+                  </a:schemeClr>
+                </a:solidFill>
+                <a:latin typeface="Noto Sans CJK KR Black" pitchFamily="34" charset="-127"/>
+                <a:ea typeface="Noto Sans CJK KR Black" pitchFamily="34" charset="-127"/>
+              </a:rPr>
+              <a:t> </a:t>
+            </a:r>
+            <a:r>
+              <a:rPr lang="ko-KR" altLang="en-US" sz="4400" dirty="0">
+                <a:solidFill>
+                  <a:schemeClr val="tx1">
+                    <a:lumMod val="75000"/>
+                    <a:lumOff val="25000"/>
+                  </a:schemeClr>
+                </a:solidFill>
+                <a:latin typeface="Noto Sans CJK KR Black" pitchFamily="34" charset="-127"/>
+                <a:ea typeface="Noto Sans CJK KR Black" pitchFamily="34" charset="-127"/>
+              </a:rPr>
+              <a:t>데이터</a:t>
+            </a:r>
+            <a:r>
+              <a:rPr lang="en-US" altLang="ko-KR" sz="4400" dirty="0">
+                <a:solidFill>
+                  <a:schemeClr val="tx1">
+                    <a:lumMod val="75000"/>
+                    <a:lumOff val="25000"/>
+                  </a:schemeClr>
+                </a:solidFill>
+                <a:latin typeface="Noto Sans CJK KR Black" pitchFamily="34" charset="-127"/>
+                <a:ea typeface="Noto Sans CJK KR Black" pitchFamily="34" charset="-127"/>
+              </a:rPr>
+              <a:t>/</a:t>
+            </a:r>
+            <a:r>
+              <a:rPr lang="ko-KR" altLang="en-US" sz="4400" dirty="0">
+                <a:solidFill>
+                  <a:schemeClr val="tx1">
+                    <a:lumMod val="75000"/>
+                    <a:lumOff val="25000"/>
+                  </a:schemeClr>
+                </a:solidFill>
+                <a:latin typeface="Noto Sans CJK KR Black" pitchFamily="34" charset="-127"/>
+                <a:ea typeface="Noto Sans CJK KR Black" pitchFamily="34" charset="-127"/>
+              </a:rPr>
+              <a:t>분석과 기계학습의 차이</a:t>
+            </a:r>
+            <a:endParaRPr lang="ko-KR" altLang="en-US" sz="4400" dirty="0">
+              <a:solidFill>
+                <a:schemeClr val="tx1">
+                  <a:lumMod val="75000"/>
+                  <a:lumOff val="25000"/>
+                </a:schemeClr>
+              </a:solidFill>
+            </a:endParaRPr>
+          </a:p>
+        </p:txBody>
+      </p:sp>
+      <p:pic>
+        <p:nvPicPr>
+          <p:cNvPr id="9" name="그림 8">
+            <a:extLst>
+              <a:ext uri="{FF2B5EF4-FFF2-40B4-BE49-F238E27FC236}">
+                <a16:creationId xmlns:a16="http://schemas.microsoft.com/office/drawing/2014/main" id="{E01A6388-C510-4FAD-9312-C1CD79D71193}"/>
+              </a:ext>
+            </a:extLst>
+          </p:cNvPr>
+          <p:cNvPicPr>
+            <a:picLocks noChangeAspect="1"/>
+          </p:cNvPicPr>
+          <p:nvPr/>
+        </p:nvPicPr>
+        <p:blipFill>
+          <a:blip r:embed="rId2"/>
+          <a:stretch>
+            <a:fillRect/>
+          </a:stretch>
+        </p:blipFill>
+        <p:spPr>
+          <a:xfrm>
+            <a:off x="2117724" y="1558232"/>
+            <a:ext cx="7924800" cy="4962525"/>
+          </a:xfrm>
+          <a:prstGeom prst="rect">
+            <a:avLst/>
+          </a:prstGeom>
+        </p:spPr>
+      </p:pic>
+    </p:spTree>
+    <p:extLst>
+      <p:ext uri="{BB962C8B-B14F-4D97-AF65-F5344CB8AC3E}">
+        <p14:creationId xmlns:p14="http://schemas.microsoft.com/office/powerpoint/2010/main" val="1374478474"/>
+      </p:ext>
+    </p:extLst>
+  </p:cSld>
+  <p:clrMapOvr>
+    <a:masterClrMapping/>
+  </p:clrMapOvr>
+</p:sld>
+</file>
+
+<file path=ppt/slides/slide7.xml><?xml version="1.0" encoding="utf-8"?>
+<p:sld xmlns:a="http://schemas.openxmlformats.org/drawingml/2006/main" xmlns:r="http://schemas.openxmlformats.org/officeDocument/2006/relationships" xmlns:p="http://schemas.openxmlformats.org/presentationml/2006/main">
+  <p:cSld>
+    <p:spTree>
+      <p:nvGrpSpPr>
+        <p:cNvPr id="1" name=""/>
+        <p:cNvGrpSpPr/>
+        <p:nvPr/>
+      </p:nvGrpSpPr>
+      <p:grpSpPr>
+        <a:xfrm>
+          <a:off x="0" y="0"/>
+          <a:ext cx="0" cy="0"/>
+          <a:chOff x="0" y="0"/>
+          <a:chExt cx="0" cy="0"/>
+        </a:xfrm>
+      </p:grpSpPr>
+      <p:sp>
+        <p:nvSpPr>
+          <p:cNvPr id="3" name="슬라이드 번호 개체 틀 2"/>
           <p:cNvSpPr>
             <a:spLocks noGrp="1"/>
           </p:cNvSpPr>
@@ -10675,164 +8972,156 @@
       </p:sp>
       <p:sp>
         <p:nvSpPr>
-          <p:cNvPr id="11" name="TextBox 10"/>
-          <p:cNvSpPr txBox="1"/>
-          <p:nvPr/>
+          <p:cNvPr id="8" name="제목 4">
+            <a:extLst>
+              <a:ext uri="{FF2B5EF4-FFF2-40B4-BE49-F238E27FC236}">
+                <a16:creationId xmlns:a16="http://schemas.microsoft.com/office/drawing/2014/main" id="{8FE32074-AF17-44A3-B3EB-DC631A3C934F}"/>
+              </a:ext>
+            </a:extLst>
+          </p:cNvPr>
+          <p:cNvSpPr>
+            <a:spLocks noGrp="1"/>
+          </p:cNvSpPr>
+          <p:nvPr>
+            <p:ph type="title"/>
+          </p:nvPr>
         </p:nvSpPr>
         <p:spPr>
           <a:xfrm>
-            <a:off x="542135" y="855851"/>
-            <a:ext cx="9786462" cy="2708434"/>
+            <a:off x="608012" y="539949"/>
+            <a:ext cx="10944225" cy="1140090"/>
+          </a:xfrm>
+        </p:spPr>
+        <p:txBody>
+          <a:bodyPr>
+            <a:normAutofit/>
+          </a:bodyPr>
+          <a:lstStyle/>
+          <a:p>
+            <a:pPr algn="l"/>
+            <a:r>
+              <a:rPr lang="en-US" altLang="ko-KR" sz="4400" dirty="0">
+                <a:solidFill>
+                  <a:schemeClr val="tx1">
+                    <a:lumMod val="75000"/>
+                    <a:lumOff val="25000"/>
+                  </a:schemeClr>
+                </a:solidFill>
+                <a:latin typeface="Noto Sans CJK KR Black" pitchFamily="34" charset="-127"/>
+                <a:ea typeface="Noto Sans CJK KR Black" pitchFamily="34" charset="-127"/>
+              </a:rPr>
+              <a:t>2. </a:t>
+            </a:r>
+            <a:r>
+              <a:rPr lang="ko-KR" altLang="en-US" sz="4400" dirty="0">
+                <a:solidFill>
+                  <a:schemeClr val="tx1">
+                    <a:lumMod val="75000"/>
+                    <a:lumOff val="25000"/>
+                  </a:schemeClr>
+                </a:solidFill>
+                <a:latin typeface="Noto Sans CJK KR Black" pitchFamily="34" charset="-127"/>
+                <a:ea typeface="Noto Sans CJK KR Black" pitchFamily="34" charset="-127"/>
+              </a:rPr>
+              <a:t>시계열</a:t>
+            </a:r>
+            <a:r>
+              <a:rPr lang="en-US" altLang="ko-KR" sz="4400" dirty="0">
+                <a:solidFill>
+                  <a:schemeClr val="tx1">
+                    <a:lumMod val="75000"/>
+                    <a:lumOff val="25000"/>
+                  </a:schemeClr>
+                </a:solidFill>
+                <a:latin typeface="Noto Sans CJK KR Black" pitchFamily="34" charset="-127"/>
+                <a:ea typeface="Noto Sans CJK KR Black" pitchFamily="34" charset="-127"/>
+              </a:rPr>
+              <a:t> </a:t>
+            </a:r>
+            <a:r>
+              <a:rPr lang="ko-KR" altLang="en-US" sz="4400" dirty="0">
+                <a:solidFill>
+                  <a:schemeClr val="tx1">
+                    <a:lumMod val="75000"/>
+                    <a:lumOff val="25000"/>
+                  </a:schemeClr>
+                </a:solidFill>
+                <a:latin typeface="Noto Sans CJK KR Black" pitchFamily="34" charset="-127"/>
+                <a:ea typeface="Noto Sans CJK KR Black" pitchFamily="34" charset="-127"/>
+              </a:rPr>
+              <a:t>데이터</a:t>
+            </a:r>
+            <a:r>
+              <a:rPr lang="en-US" altLang="ko-KR" sz="4400" dirty="0">
+                <a:solidFill>
+                  <a:schemeClr val="tx1">
+                    <a:lumMod val="75000"/>
+                    <a:lumOff val="25000"/>
+                  </a:schemeClr>
+                </a:solidFill>
+                <a:latin typeface="Noto Sans CJK KR Black" pitchFamily="34" charset="-127"/>
+                <a:ea typeface="Noto Sans CJK KR Black" pitchFamily="34" charset="-127"/>
+              </a:rPr>
+              <a:t>/</a:t>
+            </a:r>
+            <a:r>
+              <a:rPr lang="ko-KR" altLang="en-US" sz="4400" dirty="0">
+                <a:solidFill>
+                  <a:schemeClr val="tx1">
+                    <a:lumMod val="75000"/>
+                    <a:lumOff val="25000"/>
+                  </a:schemeClr>
+                </a:solidFill>
+                <a:latin typeface="Noto Sans CJK KR Black" pitchFamily="34" charset="-127"/>
+                <a:ea typeface="Noto Sans CJK KR Black" pitchFamily="34" charset="-127"/>
+              </a:rPr>
+              <a:t>분석과 기계학습의 차이</a:t>
+            </a:r>
+            <a:endParaRPr lang="ko-KR" altLang="en-US" sz="4400" dirty="0">
+              <a:solidFill>
+                <a:schemeClr val="tx1">
+                  <a:lumMod val="75000"/>
+                  <a:lumOff val="25000"/>
+                </a:schemeClr>
+              </a:solidFill>
+            </a:endParaRPr>
+          </a:p>
+        </p:txBody>
+      </p:sp>
+      <p:pic>
+        <p:nvPicPr>
+          <p:cNvPr id="2" name="그림 1">
+            <a:extLst>
+              <a:ext uri="{FF2B5EF4-FFF2-40B4-BE49-F238E27FC236}">
+                <a16:creationId xmlns:a16="http://schemas.microsoft.com/office/drawing/2014/main" id="{5070960F-5CEF-45DE-B51F-AD024FE0C76B}"/>
+              </a:ext>
+            </a:extLst>
+          </p:cNvPr>
+          <p:cNvPicPr>
+            <a:picLocks noChangeAspect="1"/>
+          </p:cNvPicPr>
+          <p:nvPr/>
+        </p:nvPicPr>
+        <p:blipFill>
+          <a:blip r:embed="rId2"/>
+          <a:stretch>
+            <a:fillRect/>
+          </a:stretch>
+        </p:blipFill>
+        <p:spPr>
+          <a:xfrm>
+            <a:off x="2398711" y="1754606"/>
+            <a:ext cx="7362825" cy="4543425"/>
           </a:xfrm>
           <a:prstGeom prst="rect">
             <a:avLst/>
           </a:prstGeom>
-          <a:solidFill>
-            <a:schemeClr val="bg1">
-              <a:lumMod val="65000"/>
-            </a:schemeClr>
-          </a:solidFill>
         </p:spPr>
-        <p:txBody>
-          <a:bodyPr wrap="square" lIns="0" tIns="0" rIns="0" bIns="0" rtlCol="0" anchor="t">
-            <a:spAutoFit/>
-          </a:bodyPr>
-          <a:lstStyle/>
-          <a:p>
-            <a:r>
-              <a:rPr lang="en-US" altLang="ko-KR" sz="4400" dirty="0">
-                <a:solidFill>
-                  <a:schemeClr val="bg1"/>
-                </a:solidFill>
-                <a:latin typeface="Noto Sans CJK KR Black" panose="020B0A00000000000000" pitchFamily="34" charset="-127"/>
-                <a:ea typeface="Noto Sans CJK KR Black" panose="020B0A00000000000000" pitchFamily="34" charset="-127"/>
-              </a:rPr>
-              <a:t>Part2: 3</a:t>
-            </a:r>
-            <a:r>
-              <a:rPr lang="ko-KR" altLang="en-US" sz="4400" dirty="0">
-                <a:solidFill>
-                  <a:schemeClr val="bg1"/>
-                </a:solidFill>
-                <a:latin typeface="Noto Sans CJK KR Black" panose="020B0A00000000000000" pitchFamily="34" charset="-127"/>
-                <a:ea typeface="Noto Sans CJK KR Black" panose="020B0A00000000000000" pitchFamily="34" charset="-127"/>
-              </a:rPr>
-              <a:t>회차 강의의 목적</a:t>
-            </a:r>
-            <a:r>
-              <a:rPr lang="en-US" altLang="ko-KR" sz="4400" dirty="0">
-                <a:solidFill>
-                  <a:schemeClr val="bg1"/>
-                </a:solidFill>
-                <a:latin typeface="Noto Sans CJK KR Black" panose="020B0A00000000000000" pitchFamily="34" charset="-127"/>
-                <a:ea typeface="Noto Sans CJK KR Black" panose="020B0A00000000000000" pitchFamily="34" charset="-127"/>
-              </a:rPr>
-              <a:t>.</a:t>
-            </a:r>
-          </a:p>
-          <a:p>
-            <a:endParaRPr lang="en-US" altLang="ko-KR" sz="4400" dirty="0">
-              <a:solidFill>
-                <a:schemeClr val="bg1"/>
-              </a:solidFill>
-              <a:latin typeface="Noto Sans CJK KR Black" panose="020B0A00000000000000" pitchFamily="34" charset="-127"/>
-              <a:ea typeface="Noto Sans CJK KR Black" panose="020B0A00000000000000" pitchFamily="34" charset="-127"/>
-            </a:endParaRPr>
-          </a:p>
-          <a:p>
-            <a:r>
-              <a:rPr lang="en-US" altLang="ko-KR" sz="4400" dirty="0">
-                <a:solidFill>
-                  <a:schemeClr val="bg1"/>
-                </a:solidFill>
-                <a:latin typeface="Noto Sans CJK KR Black" panose="020B0A00000000000000" pitchFamily="34" charset="-127"/>
-                <a:ea typeface="Noto Sans CJK KR Black" panose="020B0A00000000000000" pitchFamily="34" charset="-127"/>
-              </a:rPr>
-              <a:t>“</a:t>
-            </a:r>
-            <a:r>
-              <a:rPr lang="ko-KR" altLang="en-US" sz="4400" dirty="0">
-                <a:solidFill>
-                  <a:schemeClr val="bg1"/>
-                </a:solidFill>
-                <a:latin typeface="Noto Sans CJK KR Black" panose="020B0A00000000000000" pitchFamily="34" charset="-127"/>
-                <a:ea typeface="Noto Sans CJK KR Black" panose="020B0A00000000000000" pitchFamily="34" charset="-127"/>
-              </a:rPr>
-              <a:t>시계열 분석 접근방법 리뷰 </a:t>
-            </a:r>
-            <a:endParaRPr lang="en-US" altLang="ko-KR" sz="4400" dirty="0">
-              <a:solidFill>
-                <a:schemeClr val="bg1"/>
-              </a:solidFill>
-              <a:latin typeface="Noto Sans CJK KR Black" panose="020B0A00000000000000" pitchFamily="34" charset="-127"/>
-              <a:ea typeface="Noto Sans CJK KR Black" panose="020B0A00000000000000" pitchFamily="34" charset="-127"/>
-            </a:endParaRPr>
-          </a:p>
-          <a:p>
-            <a:r>
-              <a:rPr lang="ko-KR" altLang="en-US" sz="4400" dirty="0">
-                <a:solidFill>
-                  <a:schemeClr val="bg1"/>
-                </a:solidFill>
-                <a:latin typeface="Noto Sans CJK KR Black" panose="020B0A00000000000000" pitchFamily="34" charset="-127"/>
-                <a:ea typeface="Noto Sans CJK KR Black" panose="020B0A00000000000000" pitchFamily="34" charset="-127"/>
-              </a:rPr>
-              <a:t>및 “분석초안” 실습 완성</a:t>
-            </a:r>
-            <a:r>
-              <a:rPr lang="en-US" altLang="ko-KR" sz="4400" dirty="0">
-                <a:solidFill>
-                  <a:schemeClr val="bg1"/>
-                </a:solidFill>
-                <a:latin typeface="Noto Sans CJK KR Black" panose="020B0A00000000000000" pitchFamily="34" charset="-127"/>
-                <a:ea typeface="Noto Sans CJK KR Black" panose="020B0A00000000000000" pitchFamily="34" charset="-127"/>
-              </a:rPr>
-              <a:t>”</a:t>
-            </a:r>
-          </a:p>
-        </p:txBody>
-      </p:sp>
-      <p:sp>
-        <p:nvSpPr>
-          <p:cNvPr id="12" name="TextBox 11"/>
-          <p:cNvSpPr txBox="1"/>
-          <p:nvPr/>
-        </p:nvSpPr>
-        <p:spPr>
-          <a:xfrm>
-            <a:off x="4783981" y="611957"/>
-            <a:ext cx="7056784" cy="216726"/>
-          </a:xfrm>
-          <a:prstGeom prst="rect">
-            <a:avLst/>
-          </a:prstGeom>
-          <a:noFill/>
-        </p:spPr>
-        <p:txBody>
-          <a:bodyPr wrap="square" lIns="0" tIns="0" rIns="0" bIns="0" rtlCol="0" anchor="t">
-            <a:spAutoFit/>
-          </a:bodyPr>
-          <a:lstStyle/>
-          <a:p>
-            <a:pPr>
-              <a:lnSpc>
-                <a:spcPct val="150000"/>
-              </a:lnSpc>
-            </a:pPr>
-            <a:endParaRPr lang="en-US" altLang="ko-KR" sz="1050" dirty="0">
-              <a:solidFill>
-                <a:schemeClr val="bg1"/>
-              </a:solidFill>
-              <a:latin typeface="Noto Sans CJK KR Medium" panose="020B0600000000000000" pitchFamily="34" charset="-127"/>
-              <a:ea typeface="Noto Sans CJK KR Medium" panose="020B0600000000000000" pitchFamily="34" charset="-127"/>
-            </a:endParaRPr>
-          </a:p>
-        </p:txBody>
-      </p:sp>
+      </p:pic>
     </p:spTree>
     <p:extLst>
       <p:ext uri="{BB962C8B-B14F-4D97-AF65-F5344CB8AC3E}">
-        <p14:creationId xmlns:p14="http://schemas.microsoft.com/office/powerpoint/2010/main" val="2597187614"/>
+        <p14:creationId xmlns:p14="http://schemas.microsoft.com/office/powerpoint/2010/main" val="2377186423"/>
       </p:ext>
     </p:extLst>
   </p:cSld>
@@ -10861,7 +9150,37 @@
       </p:grpSpPr>
       <p:sp>
         <p:nvSpPr>
-          <p:cNvPr id="5" name="제목 4"/>
+          <p:cNvPr id="3" name="슬라이드 번호 개체 틀 2"/>
+          <p:cNvSpPr>
+            <a:spLocks noGrp="1"/>
+          </p:cNvSpPr>
+          <p:nvPr>
+            <p:ph type="sldNum" sz="quarter" idx="12"/>
+          </p:nvPr>
+        </p:nvSpPr>
+        <p:spPr/>
+        <p:txBody>
+          <a:bodyPr/>
+          <a:lstStyle/>
+          <a:p>
+            <a:fld id="{6DDAE2C3-1A0B-474A-8CE8-AE55B8D9D4B1}" type="slidenum">
+              <a:rPr lang="ko-KR" altLang="en-US" smtClean="0"/>
+              <a:pPr/>
+              <a:t>8</a:t>
+            </a:fld>
+            <a:endParaRPr lang="ko-KR" altLang="en-US" dirty="0"/>
+          </a:p>
+        </p:txBody>
+      </p:sp>
+      <p:sp>
+        <p:nvSpPr>
+          <p:cNvPr id="8" name="제목 4">
+            <a:extLst>
+              <a:ext uri="{FF2B5EF4-FFF2-40B4-BE49-F238E27FC236}">
+                <a16:creationId xmlns:a16="http://schemas.microsoft.com/office/drawing/2014/main" id="{8FE32074-AF17-44A3-B3EB-DC631A3C934F}"/>
+              </a:ext>
+            </a:extLst>
+          </p:cNvPr>
           <p:cNvSpPr>
             <a:spLocks noGrp="1"/>
           </p:cNvSpPr>
@@ -10871,7 +9190,7 @@
         </p:nvSpPr>
         <p:spPr>
           <a:xfrm>
-            <a:off x="608016" y="551987"/>
+            <a:off x="608012" y="539949"/>
             <a:ext cx="10944225" cy="1140090"/>
           </a:xfrm>
         </p:spPr>
@@ -10893,7 +9212,7 @@
                 <a:latin typeface="Noto Sans CJK KR Black" pitchFamily="34" charset="-127"/>
                 <a:ea typeface="Noto Sans CJK KR Black" pitchFamily="34" charset="-127"/>
               </a:rPr>
-              <a:t>1. </a:t>
+              <a:t>2. </a:t>
             </a:r>
             <a:r>
               <a:rPr lang="ko-KR" altLang="en-US" sz="4400" dirty="0">
@@ -10906,7 +9225,7 @@
                 <a:latin typeface="Noto Sans CJK KR Black" pitchFamily="34" charset="-127"/>
                 <a:ea typeface="Noto Sans CJK KR Black" pitchFamily="34" charset="-127"/>
               </a:rPr>
-              <a:t>비교위한 </a:t>
+              <a:t>시계열</a:t>
             </a:r>
             <a:r>
               <a:rPr lang="en-US" altLang="ko-KR" sz="4400" dirty="0">
@@ -10919,7 +9238,7 @@
                 <a:latin typeface="Noto Sans CJK KR Black" pitchFamily="34" charset="-127"/>
                 <a:ea typeface="Noto Sans CJK KR Black" pitchFamily="34" charset="-127"/>
               </a:rPr>
-              <a:t>“</a:t>
+              <a:t> </a:t>
             </a:r>
             <a:r>
               <a:rPr lang="ko-KR" altLang="en-US" sz="4400" dirty="0">
@@ -10932,7 +9251,7 @@
                 <a:latin typeface="Noto Sans CJK KR Black" pitchFamily="34" charset="-127"/>
                 <a:ea typeface="Noto Sans CJK KR Black" pitchFamily="34" charset="-127"/>
               </a:rPr>
-              <a:t>회귀분석</a:t>
+              <a:t>데이터</a:t>
             </a:r>
             <a:r>
               <a:rPr lang="en-US" altLang="ko-KR" sz="4400" dirty="0">
@@ -10945,7 +9264,20 @@
                 <a:latin typeface="Noto Sans CJK KR Black" pitchFamily="34" charset="-127"/>
                 <a:ea typeface="Noto Sans CJK KR Black" pitchFamily="34" charset="-127"/>
               </a:rPr>
-              <a:t>”</a:t>
+              <a:t>/</a:t>
+            </a:r>
+            <a:r>
+              <a:rPr lang="ko-KR" altLang="en-US" sz="4400" dirty="0">
+                <a:solidFill>
+                  <a:schemeClr val="tx1">
+                    <a:lumMod val="75000"/>
+                    <a:lumOff val="25000"/>
+                  </a:schemeClr>
+                </a:solidFill>
+                <a:latin typeface="Noto Sans CJK KR Black" pitchFamily="34" charset="-127"/>
+                <a:ea typeface="Noto Sans CJK KR Black" pitchFamily="34" charset="-127"/>
+              </a:rPr>
+              <a:t>분석과 기계학습의 차이</a:t>
             </a:r>
             <a:endParaRPr lang="ko-KR" altLang="en-US" sz="4400" dirty="0">
               <a:solidFill>
@@ -10958,36 +9290,12 @@
           </a:p>
         </p:txBody>
       </p:sp>
-      <p:sp>
-        <p:nvSpPr>
-          <p:cNvPr id="3" name="슬라이드 번호 개체 틀 2"/>
-          <p:cNvSpPr>
-            <a:spLocks noGrp="1"/>
-          </p:cNvSpPr>
-          <p:nvPr>
-            <p:ph type="sldNum" sz="quarter" idx="12"/>
-          </p:nvPr>
-        </p:nvSpPr>
-        <p:spPr/>
-        <p:txBody>
-          <a:bodyPr/>
-          <a:lstStyle/>
-          <a:p>
-            <a:fld id="{6DDAE2C3-1A0B-474A-8CE8-AE55B8D9D4B1}" type="slidenum">
-              <a:rPr lang="ko-KR" altLang="en-US" smtClean="0"/>
-              <a:pPr/>
-              <a:t>8</a:t>
-            </a:fld>
-            <a:endParaRPr lang="ko-KR" altLang="en-US" dirty="0"/>
-          </a:p>
-        </p:txBody>
-      </p:sp>
       <p:pic>
         <p:nvPicPr>
           <p:cNvPr id="2" name="그림 1">
             <a:extLst>
               <a:ext uri="{FF2B5EF4-FFF2-40B4-BE49-F238E27FC236}">
-                <a16:creationId xmlns:a16="http://schemas.microsoft.com/office/drawing/2014/main" id="{482D9DD6-9D02-4743-AB68-C6B56EE73423}"/>
+                <a16:creationId xmlns:a16="http://schemas.microsoft.com/office/drawing/2014/main" id="{BE69F430-B5ED-4C15-9FA4-5E97BBA94248}"/>
               </a:ext>
             </a:extLst>
           </p:cNvPr>
@@ -11004,8 +9312,8 @@
         </p:blipFill>
         <p:spPr>
           <a:xfrm>
-            <a:off x="2479725" y="2049926"/>
-            <a:ext cx="6981825" cy="4238625"/>
+            <a:off x="2303461" y="1640306"/>
+            <a:ext cx="7553325" cy="4772025"/>
           </a:xfrm>
           <a:prstGeom prst="rect">
             <a:avLst/>
@@ -11015,7 +9323,7 @@
     </p:spTree>
     <p:extLst>
       <p:ext uri="{BB962C8B-B14F-4D97-AF65-F5344CB8AC3E}">
-        <p14:creationId xmlns:p14="http://schemas.microsoft.com/office/powerpoint/2010/main" val="4036236574"/>
+        <p14:creationId xmlns:p14="http://schemas.microsoft.com/office/powerpoint/2010/main" val="3226251504"/>
       </p:ext>
     </p:extLst>
   </p:cSld>
@@ -11044,7 +9352,37 @@
       </p:grpSpPr>
       <p:sp>
         <p:nvSpPr>
-          <p:cNvPr id="5" name="제목 4"/>
+          <p:cNvPr id="3" name="슬라이드 번호 개체 틀 2"/>
+          <p:cNvSpPr>
+            <a:spLocks noGrp="1"/>
+          </p:cNvSpPr>
+          <p:nvPr>
+            <p:ph type="sldNum" sz="quarter" idx="12"/>
+          </p:nvPr>
+        </p:nvSpPr>
+        <p:spPr/>
+        <p:txBody>
+          <a:bodyPr/>
+          <a:lstStyle/>
+          <a:p>
+            <a:fld id="{6DDAE2C3-1A0B-474A-8CE8-AE55B8D9D4B1}" type="slidenum">
+              <a:rPr lang="ko-KR" altLang="en-US" smtClean="0"/>
+              <a:pPr/>
+              <a:t>9</a:t>
+            </a:fld>
+            <a:endParaRPr lang="ko-KR" altLang="en-US" dirty="0"/>
+          </a:p>
+        </p:txBody>
+      </p:sp>
+      <p:sp>
+        <p:nvSpPr>
+          <p:cNvPr id="8" name="제목 4">
+            <a:extLst>
+              <a:ext uri="{FF2B5EF4-FFF2-40B4-BE49-F238E27FC236}">
+                <a16:creationId xmlns:a16="http://schemas.microsoft.com/office/drawing/2014/main" id="{8FE32074-AF17-44A3-B3EB-DC631A3C934F}"/>
+              </a:ext>
+            </a:extLst>
+          </p:cNvPr>
           <p:cNvSpPr>
             <a:spLocks noGrp="1"/>
           </p:cNvSpPr>
@@ -11054,7 +9392,7 @@
         </p:nvSpPr>
         <p:spPr>
           <a:xfrm>
-            <a:off x="608016" y="551987"/>
+            <a:off x="608012" y="539949"/>
             <a:ext cx="10944225" cy="1140090"/>
           </a:xfrm>
         </p:spPr>
@@ -11076,7 +9414,7 @@
                 <a:latin typeface="Noto Sans CJK KR Black" pitchFamily="34" charset="-127"/>
                 <a:ea typeface="Noto Sans CJK KR Black" pitchFamily="34" charset="-127"/>
               </a:rPr>
-              <a:t>1. </a:t>
+              <a:t>2. </a:t>
             </a:r>
             <a:r>
               <a:rPr lang="ko-KR" altLang="en-US" sz="4400" dirty="0">
@@ -11089,7 +9427,7 @@
                 <a:latin typeface="Noto Sans CJK KR Black" pitchFamily="34" charset="-127"/>
                 <a:ea typeface="Noto Sans CJK KR Black" pitchFamily="34" charset="-127"/>
               </a:rPr>
-              <a:t>비교위한 </a:t>
+              <a:t>시계열</a:t>
             </a:r>
             <a:r>
               <a:rPr lang="en-US" altLang="ko-KR" sz="4400" dirty="0">
@@ -11102,7 +9440,7 @@
                 <a:latin typeface="Noto Sans CJK KR Black" pitchFamily="34" charset="-127"/>
                 <a:ea typeface="Noto Sans CJK KR Black" pitchFamily="34" charset="-127"/>
               </a:rPr>
-              <a:t>“</a:t>
+              <a:t> </a:t>
             </a:r>
             <a:r>
               <a:rPr lang="ko-KR" altLang="en-US" sz="4400" dirty="0">
@@ -11115,7 +9453,7 @@
                 <a:latin typeface="Noto Sans CJK KR Black" pitchFamily="34" charset="-127"/>
                 <a:ea typeface="Noto Sans CJK KR Black" pitchFamily="34" charset="-127"/>
               </a:rPr>
-              <a:t>회귀분석</a:t>
+              <a:t>데이터</a:t>
             </a:r>
             <a:r>
               <a:rPr lang="en-US" altLang="ko-KR" sz="4400" dirty="0">
@@ -11128,7 +9466,20 @@
                 <a:latin typeface="Noto Sans CJK KR Black" pitchFamily="34" charset="-127"/>
                 <a:ea typeface="Noto Sans CJK KR Black" pitchFamily="34" charset="-127"/>
               </a:rPr>
-              <a:t>”</a:t>
+              <a:t>/</a:t>
+            </a:r>
+            <a:r>
+              <a:rPr lang="ko-KR" altLang="en-US" sz="4400" dirty="0">
+                <a:solidFill>
+                  <a:schemeClr val="tx1">
+                    <a:lumMod val="75000"/>
+                    <a:lumOff val="25000"/>
+                  </a:schemeClr>
+                </a:solidFill>
+                <a:latin typeface="Noto Sans CJK KR Black" pitchFamily="34" charset="-127"/>
+                <a:ea typeface="Noto Sans CJK KR Black" pitchFamily="34" charset="-127"/>
+              </a:rPr>
+              <a:t>분석과 기계학습의 차이</a:t>
             </a:r>
             <a:endParaRPr lang="ko-KR" altLang="en-US" sz="4400" dirty="0">
               <a:solidFill>
@@ -11141,36 +9492,12 @@
           </a:p>
         </p:txBody>
       </p:sp>
-      <p:sp>
-        <p:nvSpPr>
-          <p:cNvPr id="3" name="슬라이드 번호 개체 틀 2"/>
-          <p:cNvSpPr>
-            <a:spLocks noGrp="1"/>
-          </p:cNvSpPr>
-          <p:nvPr>
-            <p:ph type="sldNum" sz="quarter" idx="12"/>
-          </p:nvPr>
-        </p:nvSpPr>
-        <p:spPr/>
-        <p:txBody>
-          <a:bodyPr/>
-          <a:lstStyle/>
-          <a:p>
-            <a:fld id="{6DDAE2C3-1A0B-474A-8CE8-AE55B8D9D4B1}" type="slidenum">
-              <a:rPr lang="ko-KR" altLang="en-US" smtClean="0"/>
-              <a:pPr/>
-              <a:t>9</a:t>
-            </a:fld>
-            <a:endParaRPr lang="ko-KR" altLang="en-US" dirty="0"/>
-          </a:p>
-        </p:txBody>
-      </p:sp>
       <p:pic>
         <p:nvPicPr>
-          <p:cNvPr id="4" name="그림 3">
+          <p:cNvPr id="2" name="그림 1">
             <a:extLst>
               <a:ext uri="{FF2B5EF4-FFF2-40B4-BE49-F238E27FC236}">
-                <a16:creationId xmlns:a16="http://schemas.microsoft.com/office/drawing/2014/main" id="{BAB0A2BF-6315-4852-9962-848A6DEFDA7B}"/>
+                <a16:creationId xmlns:a16="http://schemas.microsoft.com/office/drawing/2014/main" id="{F04FAAE9-507B-4522-B4C4-3DD11A51F458}"/>
               </a:ext>
             </a:extLst>
           </p:cNvPr>
@@ -11187,8 +9514,8 @@
         </p:blipFill>
         <p:spPr>
           <a:xfrm>
-            <a:off x="1940125" y="2291847"/>
-            <a:ext cx="8280000" cy="3480980"/>
+            <a:off x="2246311" y="1635544"/>
+            <a:ext cx="7667625" cy="4781550"/>
           </a:xfrm>
           <a:prstGeom prst="rect">
             <a:avLst/>
@@ -11198,7 +9525,7 @@
     </p:spTree>
     <p:extLst>
       <p:ext uri="{BB962C8B-B14F-4D97-AF65-F5344CB8AC3E}">
-        <p14:creationId xmlns:p14="http://schemas.microsoft.com/office/powerpoint/2010/main" val="149154168"/>
+        <p14:creationId xmlns:p14="http://schemas.microsoft.com/office/powerpoint/2010/main" val="3153162410"/>
       </p:ext>
     </p:extLst>
   </p:cSld>
